--- a/Documentation/Présentation PPE Parking.pptx
+++ b/Documentation/Présentation PPE Parking.pptx
@@ -14,9 +14,16 @@
     <p:sldId id="263" r:id="rId8"/>
     <p:sldId id="264" r:id="rId9"/>
     <p:sldId id="265" r:id="rId10"/>
-    <p:sldId id="266" r:id="rId11"/>
-    <p:sldId id="267" r:id="rId12"/>
-    <p:sldId id="268" r:id="rId13"/>
+    <p:sldId id="269" r:id="rId11"/>
+    <p:sldId id="270" r:id="rId12"/>
+    <p:sldId id="271" r:id="rId13"/>
+    <p:sldId id="272" r:id="rId14"/>
+    <p:sldId id="273" r:id="rId15"/>
+    <p:sldId id="274" r:id="rId16"/>
+    <p:sldId id="275" r:id="rId17"/>
+    <p:sldId id="266" r:id="rId18"/>
+    <p:sldId id="267" r:id="rId19"/>
+    <p:sldId id="268" r:id="rId20"/>
   </p:sldIdLst>
   <p:sldSz cx="12192000" cy="6858000"/>
   <p:notesSz cx="6858000" cy="9144000"/>
@@ -115,6 +122,11 @@
       </a:defRPr>
     </a:lvl9pPr>
   </p:defaultTextStyle>
+  <p:extLst>
+    <p:ext uri="{EFAFB233-063F-42B5-8137-9DF3F51BA10A}">
+      <p15:sldGuideLst xmlns:p15="http://schemas.microsoft.com/office/powerpoint/2012/main"/>
+    </p:ext>
+  </p:extLst>
 </p:presentation>
 </file>
 
@@ -160,7 +172,7 @@
           </a:lstStyle>
           <a:p>
             <a:r>
-              <a:rPr lang="en-US" smtClean="0"/>
+              <a:rPr lang="en-US"/>
               <a:t>Click to edit Master title style</a:t>
             </a:r>
             <a:endParaRPr lang="fr-FR"/>
@@ -225,7 +237,7 @@
           </a:lstStyle>
           <a:p>
             <a:r>
-              <a:rPr lang="en-US" smtClean="0"/>
+              <a:rPr lang="en-US"/>
               <a:t>Click to edit Master subtitle style</a:t>
             </a:r>
             <a:endParaRPr lang="fr-FR"/>
@@ -291,7 +303,7 @@
           <a:p>
             <a:fld id="{A7B553A6-C2AF-4B9C-BC52-BDCA4AC00A28}" type="slidenum">
               <a:rPr lang="fr-FR" smtClean="0"/>
-              <a:t>‹#›</a:t>
+              <a:t>‹N°›</a:t>
             </a:fld>
             <a:endParaRPr lang="fr-FR"/>
           </a:p>
@@ -343,7 +355,7 @@
           <a:lstStyle/>
           <a:p>
             <a:r>
-              <a:rPr lang="en-US" smtClean="0"/>
+              <a:rPr lang="en-US"/>
               <a:t>Click to edit Master title style</a:t>
             </a:r>
             <a:endParaRPr lang="fr-FR"/>
@@ -367,35 +379,35 @@
           <a:p>
             <a:pPr lvl="0"/>
             <a:r>
-              <a:rPr lang="en-US" smtClean="0"/>
+              <a:rPr lang="en-US"/>
               <a:t>Edit Master text styles</a:t>
             </a:r>
           </a:p>
           <a:p>
             <a:pPr lvl="1"/>
             <a:r>
-              <a:rPr lang="en-US" smtClean="0"/>
+              <a:rPr lang="en-US"/>
               <a:t>Second level</a:t>
             </a:r>
           </a:p>
           <a:p>
             <a:pPr lvl="2"/>
             <a:r>
-              <a:rPr lang="en-US" smtClean="0"/>
+              <a:rPr lang="en-US"/>
               <a:t>Third level</a:t>
             </a:r>
           </a:p>
           <a:p>
             <a:pPr lvl="3"/>
             <a:r>
-              <a:rPr lang="en-US" smtClean="0"/>
+              <a:rPr lang="en-US"/>
               <a:t>Fourth level</a:t>
             </a:r>
           </a:p>
           <a:p>
             <a:pPr lvl="4"/>
             <a:r>
-              <a:rPr lang="en-US" smtClean="0"/>
+              <a:rPr lang="en-US"/>
               <a:t>Fifth level</a:t>
             </a:r>
             <a:endParaRPr lang="fr-FR"/>
@@ -461,7 +473,7 @@
           <a:p>
             <a:fld id="{A7B553A6-C2AF-4B9C-BC52-BDCA4AC00A28}" type="slidenum">
               <a:rPr lang="fr-FR" smtClean="0"/>
-              <a:t>‹#›</a:t>
+              <a:t>‹N°›</a:t>
             </a:fld>
             <a:endParaRPr lang="fr-FR"/>
           </a:p>
@@ -518,7 +530,7 @@
           <a:lstStyle/>
           <a:p>
             <a:r>
-              <a:rPr lang="en-US" smtClean="0"/>
+              <a:rPr lang="en-US"/>
               <a:t>Click to edit Master title style</a:t>
             </a:r>
             <a:endParaRPr lang="fr-FR"/>
@@ -547,35 +559,35 @@
           <a:p>
             <a:pPr lvl="0"/>
             <a:r>
-              <a:rPr lang="en-US" smtClean="0"/>
+              <a:rPr lang="en-US"/>
               <a:t>Edit Master text styles</a:t>
             </a:r>
           </a:p>
           <a:p>
             <a:pPr lvl="1"/>
             <a:r>
-              <a:rPr lang="en-US" smtClean="0"/>
+              <a:rPr lang="en-US"/>
               <a:t>Second level</a:t>
             </a:r>
           </a:p>
           <a:p>
             <a:pPr lvl="2"/>
             <a:r>
-              <a:rPr lang="en-US" smtClean="0"/>
+              <a:rPr lang="en-US"/>
               <a:t>Third level</a:t>
             </a:r>
           </a:p>
           <a:p>
             <a:pPr lvl="3"/>
             <a:r>
-              <a:rPr lang="en-US" smtClean="0"/>
+              <a:rPr lang="en-US"/>
               <a:t>Fourth level</a:t>
             </a:r>
           </a:p>
           <a:p>
             <a:pPr lvl="4"/>
             <a:r>
-              <a:rPr lang="en-US" smtClean="0"/>
+              <a:rPr lang="en-US"/>
               <a:t>Fifth level</a:t>
             </a:r>
             <a:endParaRPr lang="fr-FR"/>
@@ -641,7 +653,7 @@
           <a:p>
             <a:fld id="{A7B553A6-C2AF-4B9C-BC52-BDCA4AC00A28}" type="slidenum">
               <a:rPr lang="fr-FR" smtClean="0"/>
-              <a:t>‹#›</a:t>
+              <a:t>‹N°›</a:t>
             </a:fld>
             <a:endParaRPr lang="fr-FR"/>
           </a:p>
@@ -693,7 +705,7 @@
           <a:lstStyle/>
           <a:p>
             <a:r>
-              <a:rPr lang="en-US" smtClean="0"/>
+              <a:rPr lang="en-US"/>
               <a:t>Click to edit Master title style</a:t>
             </a:r>
             <a:endParaRPr lang="fr-FR"/>
@@ -717,35 +729,35 @@
           <a:p>
             <a:pPr lvl="0"/>
             <a:r>
-              <a:rPr lang="en-US" smtClean="0"/>
+              <a:rPr lang="en-US"/>
               <a:t>Edit Master text styles</a:t>
             </a:r>
           </a:p>
           <a:p>
             <a:pPr lvl="1"/>
             <a:r>
-              <a:rPr lang="en-US" smtClean="0"/>
+              <a:rPr lang="en-US"/>
               <a:t>Second level</a:t>
             </a:r>
           </a:p>
           <a:p>
             <a:pPr lvl="2"/>
             <a:r>
-              <a:rPr lang="en-US" smtClean="0"/>
+              <a:rPr lang="en-US"/>
               <a:t>Third level</a:t>
             </a:r>
           </a:p>
           <a:p>
             <a:pPr lvl="3"/>
             <a:r>
-              <a:rPr lang="en-US" smtClean="0"/>
+              <a:rPr lang="en-US"/>
               <a:t>Fourth level</a:t>
             </a:r>
           </a:p>
           <a:p>
             <a:pPr lvl="4"/>
             <a:r>
-              <a:rPr lang="en-US" smtClean="0"/>
+              <a:rPr lang="en-US"/>
               <a:t>Fifth level</a:t>
             </a:r>
             <a:endParaRPr lang="fr-FR"/>
@@ -811,7 +823,7 @@
           <a:p>
             <a:fld id="{A7B553A6-C2AF-4B9C-BC52-BDCA4AC00A28}" type="slidenum">
               <a:rPr lang="fr-FR" smtClean="0"/>
-              <a:t>‹#›</a:t>
+              <a:t>‹N°›</a:t>
             </a:fld>
             <a:endParaRPr lang="fr-FR"/>
           </a:p>
@@ -872,7 +884,7 @@
           </a:lstStyle>
           <a:p>
             <a:r>
-              <a:rPr lang="en-US" smtClean="0"/>
+              <a:rPr lang="en-US"/>
               <a:t>Click to edit Master title style</a:t>
             </a:r>
             <a:endParaRPr lang="fr-FR"/>
@@ -992,7 +1004,7 @@
           <a:p>
             <a:pPr lvl="0"/>
             <a:r>
-              <a:rPr lang="en-US" smtClean="0"/>
+              <a:rPr lang="en-US"/>
               <a:t>Edit Master text styles</a:t>
             </a:r>
           </a:p>
@@ -1057,7 +1069,7 @@
           <a:p>
             <a:fld id="{A7B553A6-C2AF-4B9C-BC52-BDCA4AC00A28}" type="slidenum">
               <a:rPr lang="fr-FR" smtClean="0"/>
-              <a:t>‹#›</a:t>
+              <a:t>‹N°›</a:t>
             </a:fld>
             <a:endParaRPr lang="fr-FR"/>
           </a:p>
@@ -1109,7 +1121,7 @@
           <a:lstStyle/>
           <a:p>
             <a:r>
-              <a:rPr lang="en-US" smtClean="0"/>
+              <a:rPr lang="en-US"/>
               <a:t>Click to edit Master title style</a:t>
             </a:r>
             <a:endParaRPr lang="fr-FR"/>
@@ -1138,35 +1150,35 @@
           <a:p>
             <a:pPr lvl="0"/>
             <a:r>
-              <a:rPr lang="en-US" smtClean="0"/>
+              <a:rPr lang="en-US"/>
               <a:t>Edit Master text styles</a:t>
             </a:r>
           </a:p>
           <a:p>
             <a:pPr lvl="1"/>
             <a:r>
-              <a:rPr lang="en-US" smtClean="0"/>
+              <a:rPr lang="en-US"/>
               <a:t>Second level</a:t>
             </a:r>
           </a:p>
           <a:p>
             <a:pPr lvl="2"/>
             <a:r>
-              <a:rPr lang="en-US" smtClean="0"/>
+              <a:rPr lang="en-US"/>
               <a:t>Third level</a:t>
             </a:r>
           </a:p>
           <a:p>
             <a:pPr lvl="3"/>
             <a:r>
-              <a:rPr lang="en-US" smtClean="0"/>
+              <a:rPr lang="en-US"/>
               <a:t>Fourth level</a:t>
             </a:r>
           </a:p>
           <a:p>
             <a:pPr lvl="4"/>
             <a:r>
-              <a:rPr lang="en-US" smtClean="0"/>
+              <a:rPr lang="en-US"/>
               <a:t>Fifth level</a:t>
             </a:r>
             <a:endParaRPr lang="fr-FR"/>
@@ -1195,35 +1207,35 @@
           <a:p>
             <a:pPr lvl="0"/>
             <a:r>
-              <a:rPr lang="en-US" smtClean="0"/>
+              <a:rPr lang="en-US"/>
               <a:t>Edit Master text styles</a:t>
             </a:r>
           </a:p>
           <a:p>
             <a:pPr lvl="1"/>
             <a:r>
-              <a:rPr lang="en-US" smtClean="0"/>
+              <a:rPr lang="en-US"/>
               <a:t>Second level</a:t>
             </a:r>
           </a:p>
           <a:p>
             <a:pPr lvl="2"/>
             <a:r>
-              <a:rPr lang="en-US" smtClean="0"/>
+              <a:rPr lang="en-US"/>
               <a:t>Third level</a:t>
             </a:r>
           </a:p>
           <a:p>
             <a:pPr lvl="3"/>
             <a:r>
-              <a:rPr lang="en-US" smtClean="0"/>
+              <a:rPr lang="en-US"/>
               <a:t>Fourth level</a:t>
             </a:r>
           </a:p>
           <a:p>
             <a:pPr lvl="4"/>
             <a:r>
-              <a:rPr lang="en-US" smtClean="0"/>
+              <a:rPr lang="en-US"/>
               <a:t>Fifth level</a:t>
             </a:r>
             <a:endParaRPr lang="fr-FR"/>
@@ -1289,7 +1301,7 @@
           <a:p>
             <a:fld id="{A7B553A6-C2AF-4B9C-BC52-BDCA4AC00A28}" type="slidenum">
               <a:rPr lang="fr-FR" smtClean="0"/>
-              <a:t>‹#›</a:t>
+              <a:t>‹N°›</a:t>
             </a:fld>
             <a:endParaRPr lang="fr-FR"/>
           </a:p>
@@ -1346,7 +1358,7 @@
           <a:lstStyle/>
           <a:p>
             <a:r>
-              <a:rPr lang="en-US" smtClean="0"/>
+              <a:rPr lang="en-US"/>
               <a:t>Click to edit Master title style</a:t>
             </a:r>
             <a:endParaRPr lang="fr-FR"/>
@@ -1412,7 +1424,7 @@
           <a:p>
             <a:pPr lvl="0"/>
             <a:r>
-              <a:rPr lang="en-US" smtClean="0"/>
+              <a:rPr lang="en-US"/>
               <a:t>Edit Master text styles</a:t>
             </a:r>
           </a:p>
@@ -1440,35 +1452,35 @@
           <a:p>
             <a:pPr lvl="0"/>
             <a:r>
-              <a:rPr lang="en-US" smtClean="0"/>
+              <a:rPr lang="en-US"/>
               <a:t>Edit Master text styles</a:t>
             </a:r>
           </a:p>
           <a:p>
             <a:pPr lvl="1"/>
             <a:r>
-              <a:rPr lang="en-US" smtClean="0"/>
+              <a:rPr lang="en-US"/>
               <a:t>Second level</a:t>
             </a:r>
           </a:p>
           <a:p>
             <a:pPr lvl="2"/>
             <a:r>
-              <a:rPr lang="en-US" smtClean="0"/>
+              <a:rPr lang="en-US"/>
               <a:t>Third level</a:t>
             </a:r>
           </a:p>
           <a:p>
             <a:pPr lvl="3"/>
             <a:r>
-              <a:rPr lang="en-US" smtClean="0"/>
+              <a:rPr lang="en-US"/>
               <a:t>Fourth level</a:t>
             </a:r>
           </a:p>
           <a:p>
             <a:pPr lvl="4"/>
             <a:r>
-              <a:rPr lang="en-US" smtClean="0"/>
+              <a:rPr lang="en-US"/>
               <a:t>Fifth level</a:t>
             </a:r>
             <a:endParaRPr lang="fr-FR"/>
@@ -1534,7 +1546,7 @@
           <a:p>
             <a:pPr lvl="0"/>
             <a:r>
-              <a:rPr lang="en-US" smtClean="0"/>
+              <a:rPr lang="en-US"/>
               <a:t>Edit Master text styles</a:t>
             </a:r>
           </a:p>
@@ -1562,35 +1574,35 @@
           <a:p>
             <a:pPr lvl="0"/>
             <a:r>
-              <a:rPr lang="en-US" smtClean="0"/>
+              <a:rPr lang="en-US"/>
               <a:t>Edit Master text styles</a:t>
             </a:r>
           </a:p>
           <a:p>
             <a:pPr lvl="1"/>
             <a:r>
-              <a:rPr lang="en-US" smtClean="0"/>
+              <a:rPr lang="en-US"/>
               <a:t>Second level</a:t>
             </a:r>
           </a:p>
           <a:p>
             <a:pPr lvl="2"/>
             <a:r>
-              <a:rPr lang="en-US" smtClean="0"/>
+              <a:rPr lang="en-US"/>
               <a:t>Third level</a:t>
             </a:r>
           </a:p>
           <a:p>
             <a:pPr lvl="3"/>
             <a:r>
-              <a:rPr lang="en-US" smtClean="0"/>
+              <a:rPr lang="en-US"/>
               <a:t>Fourth level</a:t>
             </a:r>
           </a:p>
           <a:p>
             <a:pPr lvl="4"/>
             <a:r>
-              <a:rPr lang="en-US" smtClean="0"/>
+              <a:rPr lang="en-US"/>
               <a:t>Fifth level</a:t>
             </a:r>
             <a:endParaRPr lang="fr-FR"/>
@@ -1656,7 +1668,7 @@
           <a:p>
             <a:fld id="{A7B553A6-C2AF-4B9C-BC52-BDCA4AC00A28}" type="slidenum">
               <a:rPr lang="fr-FR" smtClean="0"/>
-              <a:t>‹#›</a:t>
+              <a:t>‹N°›</a:t>
             </a:fld>
             <a:endParaRPr lang="fr-FR"/>
           </a:p>
@@ -1708,7 +1720,7 @@
           <a:lstStyle/>
           <a:p>
             <a:r>
-              <a:rPr lang="en-US" smtClean="0"/>
+              <a:rPr lang="en-US"/>
               <a:t>Click to edit Master title style</a:t>
             </a:r>
             <a:endParaRPr lang="fr-FR"/>
@@ -1774,7 +1786,7 @@
           <a:p>
             <a:fld id="{A7B553A6-C2AF-4B9C-BC52-BDCA4AC00A28}" type="slidenum">
               <a:rPr lang="fr-FR" smtClean="0"/>
-              <a:t>‹#›</a:t>
+              <a:t>‹N°›</a:t>
             </a:fld>
             <a:endParaRPr lang="fr-FR"/>
           </a:p>
@@ -1869,7 +1881,7 @@
           <a:p>
             <a:fld id="{A7B553A6-C2AF-4B9C-BC52-BDCA4AC00A28}" type="slidenum">
               <a:rPr lang="fr-FR" smtClean="0"/>
-              <a:t>‹#›</a:t>
+              <a:t>‹N°›</a:t>
             </a:fld>
             <a:endParaRPr lang="fr-FR"/>
           </a:p>
@@ -1930,7 +1942,7 @@
           </a:lstStyle>
           <a:p>
             <a:r>
-              <a:rPr lang="en-US" smtClean="0"/>
+              <a:rPr lang="en-US"/>
               <a:t>Click to edit Master title style</a:t>
             </a:r>
             <a:endParaRPr lang="fr-FR"/>
@@ -1987,35 +1999,35 @@
           <a:p>
             <a:pPr lvl="0"/>
             <a:r>
-              <a:rPr lang="en-US" smtClean="0"/>
+              <a:rPr lang="en-US"/>
               <a:t>Edit Master text styles</a:t>
             </a:r>
           </a:p>
           <a:p>
             <a:pPr lvl="1"/>
             <a:r>
-              <a:rPr lang="en-US" smtClean="0"/>
+              <a:rPr lang="en-US"/>
               <a:t>Second level</a:t>
             </a:r>
           </a:p>
           <a:p>
             <a:pPr lvl="2"/>
             <a:r>
-              <a:rPr lang="en-US" smtClean="0"/>
+              <a:rPr lang="en-US"/>
               <a:t>Third level</a:t>
             </a:r>
           </a:p>
           <a:p>
             <a:pPr lvl="3"/>
             <a:r>
-              <a:rPr lang="en-US" smtClean="0"/>
+              <a:rPr lang="en-US"/>
               <a:t>Fourth level</a:t>
             </a:r>
           </a:p>
           <a:p>
             <a:pPr lvl="4"/>
             <a:r>
-              <a:rPr lang="en-US" smtClean="0"/>
+              <a:rPr lang="en-US"/>
               <a:t>Fifth level</a:t>
             </a:r>
             <a:endParaRPr lang="fr-FR"/>
@@ -2081,7 +2093,7 @@
           <a:p>
             <a:pPr lvl="0"/>
             <a:r>
-              <a:rPr lang="en-US" smtClean="0"/>
+              <a:rPr lang="en-US"/>
               <a:t>Edit Master text styles</a:t>
             </a:r>
           </a:p>
@@ -2146,7 +2158,7 @@
           <a:p>
             <a:fld id="{A7B553A6-C2AF-4B9C-BC52-BDCA4AC00A28}" type="slidenum">
               <a:rPr lang="fr-FR" smtClean="0"/>
-              <a:t>‹#›</a:t>
+              <a:t>‹N°›</a:t>
             </a:fld>
             <a:endParaRPr lang="fr-FR"/>
           </a:p>
@@ -2207,7 +2219,7 @@
           </a:lstStyle>
           <a:p>
             <a:r>
-              <a:rPr lang="en-US" smtClean="0"/>
+              <a:rPr lang="en-US"/>
               <a:t>Click to edit Master title style</a:t>
             </a:r>
             <a:endParaRPr lang="fr-FR"/>
@@ -2334,7 +2346,7 @@
           <a:p>
             <a:pPr lvl="0"/>
             <a:r>
-              <a:rPr lang="en-US" smtClean="0"/>
+              <a:rPr lang="en-US"/>
               <a:t>Edit Master text styles</a:t>
             </a:r>
           </a:p>
@@ -2399,7 +2411,7 @@
           <a:p>
             <a:fld id="{A7B553A6-C2AF-4B9C-BC52-BDCA4AC00A28}" type="slidenum">
               <a:rPr lang="fr-FR" smtClean="0"/>
-              <a:t>‹#›</a:t>
+              <a:t>‹N°›</a:t>
             </a:fld>
             <a:endParaRPr lang="fr-FR"/>
           </a:p>
@@ -2466,7 +2478,7 @@
           <a:lstStyle/>
           <a:p>
             <a:r>
-              <a:rPr lang="en-US" smtClean="0"/>
+              <a:rPr lang="en-US"/>
               <a:t>Click to edit Master title style</a:t>
             </a:r>
             <a:endParaRPr lang="fr-FR"/>
@@ -2500,35 +2512,35 @@
           <a:p>
             <a:pPr lvl="0"/>
             <a:r>
-              <a:rPr lang="en-US" smtClean="0"/>
+              <a:rPr lang="en-US"/>
               <a:t>Edit Master text styles</a:t>
             </a:r>
           </a:p>
           <a:p>
             <a:pPr lvl="1"/>
             <a:r>
-              <a:rPr lang="en-US" smtClean="0"/>
+              <a:rPr lang="en-US"/>
               <a:t>Second level</a:t>
             </a:r>
           </a:p>
           <a:p>
             <a:pPr lvl="2"/>
             <a:r>
-              <a:rPr lang="en-US" smtClean="0"/>
+              <a:rPr lang="en-US"/>
               <a:t>Third level</a:t>
             </a:r>
           </a:p>
           <a:p>
             <a:pPr lvl="3"/>
             <a:r>
-              <a:rPr lang="en-US" smtClean="0"/>
+              <a:rPr lang="en-US"/>
               <a:t>Fourth level</a:t>
             </a:r>
           </a:p>
           <a:p>
             <a:pPr lvl="4"/>
             <a:r>
-              <a:rPr lang="en-US" smtClean="0"/>
+              <a:rPr lang="en-US"/>
               <a:t>Fifth level</a:t>
             </a:r>
             <a:endParaRPr lang="fr-FR"/>
@@ -2648,7 +2660,7 @@
           <a:p>
             <a:fld id="{A7B553A6-C2AF-4B9C-BC52-BDCA4AC00A28}" type="slidenum">
               <a:rPr lang="fr-FR" smtClean="0"/>
-              <a:t>‹#›</a:t>
+              <a:t>‹N°›</a:t>
             </a:fld>
             <a:endParaRPr lang="fr-FR"/>
           </a:p>
@@ -2994,14 +3006,11 @@
           <a:p>
             <a:pPr algn="ctr"/>
             <a:r>
-              <a:rPr lang="fr-FR" sz="6000" b="1" dirty="0" smtClean="0">
+              <a:rPr lang="fr-FR" sz="6000" b="1" dirty="0">
                 <a:latin typeface="Arial Rounded MT Bold" panose="020F0704030504030204" pitchFamily="34" charset="0"/>
               </a:rPr>
               <a:t>Présentation PPE Parking</a:t>
             </a:r>
-            <a:endParaRPr lang="fr-FR" sz="6000" b="1" dirty="0">
-              <a:latin typeface="Arial Rounded MT Bold" panose="020F0704030504030204" pitchFamily="34" charset="0"/>
-            </a:endParaRPr>
           </a:p>
         </p:txBody>
       </p:sp>
@@ -3029,7 +3038,7 @@
           <a:p>
             <a:pPr algn="ctr"/>
             <a:r>
-              <a:rPr lang="fr-FR" sz="2800" dirty="0" smtClean="0">
+              <a:rPr lang="fr-FR" sz="2800" dirty="0">
                 <a:latin typeface="Arial Rounded MT Bold" panose="020F0704030504030204" pitchFamily="34" charset="0"/>
               </a:rPr>
               <a:t>Projet réalisé par</a:t>
@@ -3038,19 +3047,19 @@
           <a:p>
             <a:pPr algn="ctr"/>
             <a:r>
-              <a:rPr lang="fr-FR" sz="2800" dirty="0" smtClean="0">
+              <a:rPr lang="fr-FR" sz="2800" dirty="0">
                 <a:latin typeface="Arial Rounded MT Bold" panose="020F0704030504030204" pitchFamily="34" charset="0"/>
               </a:rPr>
               <a:t>Alexandre </a:t>
             </a:r>
             <a:r>
-              <a:rPr lang="fr-FR" sz="2800" dirty="0" err="1" smtClean="0">
+              <a:rPr lang="fr-FR" sz="2800" dirty="0" err="1">
                 <a:latin typeface="Arial Rounded MT Bold" panose="020F0704030504030204" pitchFamily="34" charset="0"/>
               </a:rPr>
               <a:t>Kaprielian</a:t>
             </a:r>
             <a:r>
-              <a:rPr lang="fr-FR" sz="2800" dirty="0" smtClean="0">
+              <a:rPr lang="fr-FR" sz="2800" dirty="0">
                 <a:latin typeface="Arial Rounded MT Bold" panose="020F0704030504030204" pitchFamily="34" charset="0"/>
               </a:rPr>
               <a:t> (chef de projet) </a:t>
@@ -3059,7 +3068,7 @@
           <a:p>
             <a:pPr algn="ctr"/>
             <a:r>
-              <a:rPr lang="fr-FR" sz="2800" dirty="0" smtClean="0">
+              <a:rPr lang="fr-FR" sz="2800" dirty="0">
                 <a:latin typeface="Arial Rounded MT Bold" panose="020F0704030504030204" pitchFamily="34" charset="0"/>
               </a:rPr>
               <a:t>et </a:t>
@@ -3068,7 +3077,7 @@
           <a:p>
             <a:pPr algn="ctr"/>
             <a:r>
-              <a:rPr lang="fr-FR" sz="2800" dirty="0" smtClean="0">
+              <a:rPr lang="fr-FR" sz="2800" dirty="0">
                 <a:latin typeface="Arial Rounded MT Bold" panose="020F0704030504030204" pitchFamily="34" charset="0"/>
               </a:rPr>
               <a:t>Benoît Valle</a:t>
@@ -3087,13 +3096,6 @@
   <p:clrMapOvr>
     <a:masterClrMapping/>
   </p:clrMapOvr>
-  <p:timing>
-    <p:tnLst>
-      <p:par>
-        <p:cTn id="1" dur="indefinite" restart="never" nodeType="tmRoot"/>
-      </p:par>
-    </p:tnLst>
-  </p:timing>
 </p:sld>
 </file>
 
@@ -3124,16 +3126,722 @@
             <p:ph type="title"/>
           </p:nvPr>
         </p:nvSpPr>
+        <p:spPr>
+          <a:xfrm>
+            <a:off x="838200" y="1"/>
+            <a:ext cx="10515600" cy="1690688"/>
+          </a:xfrm>
+        </p:spPr>
+        <p:txBody>
+          <a:bodyPr/>
+          <a:lstStyle/>
+          <a:p>
+            <a:pPr algn="ctr"/>
+            <a:r>
+              <a:rPr lang="fr-FR" u="sng" dirty="0"/>
+              <a:t>Maquettes</a:t>
+            </a:r>
+            <a:br>
+              <a:rPr lang="fr-FR" u="sng" dirty="0"/>
+            </a:br>
+            <a:r>
+              <a:rPr lang="fr-FR" u="sng" dirty="0"/>
+              <a:t>Page d’inscription</a:t>
+            </a:r>
+          </a:p>
+        </p:txBody>
+      </p:sp>
+      <p:pic>
+        <p:nvPicPr>
+          <p:cNvPr id="5" name="Image 4">
+            <a:extLst>
+              <a:ext uri="{FF2B5EF4-FFF2-40B4-BE49-F238E27FC236}">
+                <a16:creationId xmlns:a16="http://schemas.microsoft.com/office/drawing/2014/main" id="{1E1591EA-5BCE-A645-B194-8DA12B2625EB}"/>
+              </a:ext>
+            </a:extLst>
+          </p:cNvPr>
+          <p:cNvPicPr>
+            <a:picLocks noChangeAspect="1"/>
+          </p:cNvPicPr>
+          <p:nvPr/>
+        </p:nvPicPr>
+        <p:blipFill>
+          <a:blip r:embed="rId2">
+            <a:extLst>
+              <a:ext uri="{28A0092B-C50C-407E-A947-70E740481C1C}">
+                <a14:useLocalDpi xmlns:a14="http://schemas.microsoft.com/office/drawing/2010/main" val="0"/>
+              </a:ext>
+            </a:extLst>
+          </a:blip>
+          <a:stretch>
+            <a:fillRect/>
+          </a:stretch>
+        </p:blipFill>
+        <p:spPr>
+          <a:xfrm>
+            <a:off x="1995285" y="1680961"/>
+            <a:ext cx="8201430" cy="4765894"/>
+          </a:xfrm>
+          <a:prstGeom prst="rect">
+            <a:avLst/>
+          </a:prstGeom>
+        </p:spPr>
+      </p:pic>
+    </p:spTree>
+    <p:extLst>
+      <p:ext uri="{BB962C8B-B14F-4D97-AF65-F5344CB8AC3E}">
+        <p14:creationId xmlns:p14="http://schemas.microsoft.com/office/powerpoint/2010/main" val="1942236137"/>
+      </p:ext>
+    </p:extLst>
+  </p:cSld>
+  <p:clrMapOvr>
+    <a:masterClrMapping/>
+  </p:clrMapOvr>
+</p:sld>
+</file>
+
+<file path=ppt/slides/slide11.xml><?xml version="1.0" encoding="utf-8"?>
+<p:sld xmlns:a="http://schemas.openxmlformats.org/drawingml/2006/main" xmlns:r="http://schemas.openxmlformats.org/officeDocument/2006/relationships" xmlns:p="http://schemas.openxmlformats.org/presentationml/2006/main">
+  <p:cSld>
+    <p:spTree>
+      <p:nvGrpSpPr>
+        <p:cNvPr id="1" name=""/>
+        <p:cNvGrpSpPr/>
+        <p:nvPr/>
+      </p:nvGrpSpPr>
+      <p:grpSpPr>
+        <a:xfrm>
+          <a:off x="0" y="0"/>
+          <a:ext cx="0" cy="0"/>
+          <a:chOff x="0" y="0"/>
+          <a:chExt cx="0" cy="0"/>
+        </a:xfrm>
+      </p:grpSpPr>
+      <p:sp>
+        <p:nvSpPr>
+          <p:cNvPr id="2" name="Title 1"/>
+          <p:cNvSpPr>
+            <a:spLocks noGrp="1"/>
+          </p:cNvSpPr>
+          <p:nvPr>
+            <p:ph type="title"/>
+          </p:nvPr>
+        </p:nvSpPr>
+        <p:spPr>
+          <a:xfrm>
+            <a:off x="838200" y="1"/>
+            <a:ext cx="10515600" cy="1690688"/>
+          </a:xfrm>
+        </p:spPr>
+        <p:txBody>
+          <a:bodyPr/>
+          <a:lstStyle/>
+          <a:p>
+            <a:pPr algn="ctr"/>
+            <a:r>
+              <a:rPr lang="fr-FR" u="sng" dirty="0"/>
+              <a:t>Maquettes</a:t>
+            </a:r>
+            <a:br>
+              <a:rPr lang="fr-FR" u="sng" dirty="0"/>
+            </a:br>
+            <a:r>
+              <a:rPr lang="fr-FR" u="sng" dirty="0"/>
+              <a:t>Page d’Admin</a:t>
+            </a:r>
+          </a:p>
+        </p:txBody>
+      </p:sp>
+      <p:pic>
+        <p:nvPicPr>
+          <p:cNvPr id="4" name="Image 3">
+            <a:extLst>
+              <a:ext uri="{FF2B5EF4-FFF2-40B4-BE49-F238E27FC236}">
+                <a16:creationId xmlns:a16="http://schemas.microsoft.com/office/drawing/2014/main" id="{75629E11-3B6C-F947-ADB1-669BFA754988}"/>
+              </a:ext>
+            </a:extLst>
+          </p:cNvPr>
+          <p:cNvPicPr>
+            <a:picLocks noChangeAspect="1"/>
+          </p:cNvPicPr>
+          <p:nvPr/>
+        </p:nvPicPr>
+        <p:blipFill>
+          <a:blip r:embed="rId2">
+            <a:extLst>
+              <a:ext uri="{28A0092B-C50C-407E-A947-70E740481C1C}">
+                <a14:useLocalDpi xmlns:a14="http://schemas.microsoft.com/office/drawing/2010/main" val="0"/>
+              </a:ext>
+            </a:extLst>
+          </a:blip>
+          <a:stretch>
+            <a:fillRect/>
+          </a:stretch>
+        </p:blipFill>
+        <p:spPr>
+          <a:xfrm>
+            <a:off x="2100431" y="1794892"/>
+            <a:ext cx="7991137" cy="4624959"/>
+          </a:xfrm>
+          <a:prstGeom prst="rect">
+            <a:avLst/>
+          </a:prstGeom>
+        </p:spPr>
+      </p:pic>
+    </p:spTree>
+    <p:extLst>
+      <p:ext uri="{BB962C8B-B14F-4D97-AF65-F5344CB8AC3E}">
+        <p14:creationId xmlns:p14="http://schemas.microsoft.com/office/powerpoint/2010/main" val="602357329"/>
+      </p:ext>
+    </p:extLst>
+  </p:cSld>
+  <p:clrMapOvr>
+    <a:masterClrMapping/>
+  </p:clrMapOvr>
+</p:sld>
+</file>
+
+<file path=ppt/slides/slide12.xml><?xml version="1.0" encoding="utf-8"?>
+<p:sld xmlns:a="http://schemas.openxmlformats.org/drawingml/2006/main" xmlns:r="http://schemas.openxmlformats.org/officeDocument/2006/relationships" xmlns:p="http://schemas.openxmlformats.org/presentationml/2006/main">
+  <p:cSld>
+    <p:spTree>
+      <p:nvGrpSpPr>
+        <p:cNvPr id="1" name=""/>
+        <p:cNvGrpSpPr/>
+        <p:nvPr/>
+      </p:nvGrpSpPr>
+      <p:grpSpPr>
+        <a:xfrm>
+          <a:off x="0" y="0"/>
+          <a:ext cx="0" cy="0"/>
+          <a:chOff x="0" y="0"/>
+          <a:chExt cx="0" cy="0"/>
+        </a:xfrm>
+      </p:grpSpPr>
+      <p:sp>
+        <p:nvSpPr>
+          <p:cNvPr id="2" name="Title 1"/>
+          <p:cNvSpPr>
+            <a:spLocks noGrp="1"/>
+          </p:cNvSpPr>
+          <p:nvPr>
+            <p:ph type="title"/>
+          </p:nvPr>
+        </p:nvSpPr>
+        <p:spPr>
+          <a:xfrm>
+            <a:off x="838200" y="1"/>
+            <a:ext cx="10515600" cy="1690688"/>
+          </a:xfrm>
+        </p:spPr>
+        <p:txBody>
+          <a:bodyPr/>
+          <a:lstStyle/>
+          <a:p>
+            <a:pPr algn="ctr"/>
+            <a:r>
+              <a:rPr lang="fr-FR" u="sng" dirty="0"/>
+              <a:t>Maquettes</a:t>
+            </a:r>
+            <a:br>
+              <a:rPr lang="fr-FR" u="sng" dirty="0"/>
+            </a:br>
+            <a:r>
+              <a:rPr lang="fr-FR" u="sng" dirty="0"/>
+              <a:t>Page d’Admin File d’attente</a:t>
+            </a:r>
+          </a:p>
+        </p:txBody>
+      </p:sp>
+      <p:pic>
+        <p:nvPicPr>
+          <p:cNvPr id="5" name="Image 4">
+            <a:extLst>
+              <a:ext uri="{FF2B5EF4-FFF2-40B4-BE49-F238E27FC236}">
+                <a16:creationId xmlns:a16="http://schemas.microsoft.com/office/drawing/2014/main" id="{441624A3-4AA4-6849-9CEC-0A33F5D5F8CA}"/>
+              </a:ext>
+            </a:extLst>
+          </p:cNvPr>
+          <p:cNvPicPr>
+            <a:picLocks noChangeAspect="1"/>
+          </p:cNvPicPr>
+          <p:nvPr/>
+        </p:nvPicPr>
+        <p:blipFill>
+          <a:blip r:embed="rId2">
+            <a:extLst>
+              <a:ext uri="{28A0092B-C50C-407E-A947-70E740481C1C}">
+                <a14:useLocalDpi xmlns:a14="http://schemas.microsoft.com/office/drawing/2010/main" val="0"/>
+              </a:ext>
+            </a:extLst>
+          </a:blip>
+          <a:stretch>
+            <a:fillRect/>
+          </a:stretch>
+        </p:blipFill>
+        <p:spPr>
+          <a:xfrm>
+            <a:off x="2045687" y="1789889"/>
+            <a:ext cx="8100625" cy="4688327"/>
+          </a:xfrm>
+          <a:prstGeom prst="rect">
+            <a:avLst/>
+          </a:prstGeom>
+        </p:spPr>
+      </p:pic>
+    </p:spTree>
+    <p:extLst>
+      <p:ext uri="{BB962C8B-B14F-4D97-AF65-F5344CB8AC3E}">
+        <p14:creationId xmlns:p14="http://schemas.microsoft.com/office/powerpoint/2010/main" val="2410753698"/>
+      </p:ext>
+    </p:extLst>
+  </p:cSld>
+  <p:clrMapOvr>
+    <a:masterClrMapping/>
+  </p:clrMapOvr>
+</p:sld>
+</file>
+
+<file path=ppt/slides/slide13.xml><?xml version="1.0" encoding="utf-8"?>
+<p:sld xmlns:a="http://schemas.openxmlformats.org/drawingml/2006/main" xmlns:r="http://schemas.openxmlformats.org/officeDocument/2006/relationships" xmlns:p="http://schemas.openxmlformats.org/presentationml/2006/main">
+  <p:cSld>
+    <p:spTree>
+      <p:nvGrpSpPr>
+        <p:cNvPr id="1" name=""/>
+        <p:cNvGrpSpPr/>
+        <p:nvPr/>
+      </p:nvGrpSpPr>
+      <p:grpSpPr>
+        <a:xfrm>
+          <a:off x="0" y="0"/>
+          <a:ext cx="0" cy="0"/>
+          <a:chOff x="0" y="0"/>
+          <a:chExt cx="0" cy="0"/>
+        </a:xfrm>
+      </p:grpSpPr>
+      <p:sp>
+        <p:nvSpPr>
+          <p:cNvPr id="2" name="Title 1"/>
+          <p:cNvSpPr>
+            <a:spLocks noGrp="1"/>
+          </p:cNvSpPr>
+          <p:nvPr>
+            <p:ph type="title"/>
+          </p:nvPr>
+        </p:nvSpPr>
+        <p:spPr>
+          <a:xfrm>
+            <a:off x="838200" y="1"/>
+            <a:ext cx="10515600" cy="1690688"/>
+          </a:xfrm>
+        </p:spPr>
+        <p:txBody>
+          <a:bodyPr/>
+          <a:lstStyle/>
+          <a:p>
+            <a:pPr algn="ctr"/>
+            <a:r>
+              <a:rPr lang="fr-FR" u="sng" dirty="0"/>
+              <a:t>Maquettes</a:t>
+            </a:r>
+            <a:br>
+              <a:rPr lang="fr-FR" u="sng" dirty="0"/>
+            </a:br>
+            <a:r>
+              <a:rPr lang="fr-FR" u="sng" dirty="0"/>
+              <a:t>Page d’Admin Gestion inscriptions</a:t>
+            </a:r>
+          </a:p>
+        </p:txBody>
+      </p:sp>
+      <p:pic>
+        <p:nvPicPr>
+          <p:cNvPr id="4" name="Image 3">
+            <a:extLst>
+              <a:ext uri="{FF2B5EF4-FFF2-40B4-BE49-F238E27FC236}">
+                <a16:creationId xmlns:a16="http://schemas.microsoft.com/office/drawing/2014/main" id="{8F14906E-CEBB-1345-BEAE-9D6D535E122A}"/>
+              </a:ext>
+            </a:extLst>
+          </p:cNvPr>
+          <p:cNvPicPr>
+            <a:picLocks noChangeAspect="1"/>
+          </p:cNvPicPr>
+          <p:nvPr/>
+        </p:nvPicPr>
+        <p:blipFill>
+          <a:blip r:embed="rId2">
+            <a:extLst>
+              <a:ext uri="{28A0092B-C50C-407E-A947-70E740481C1C}">
+                <a14:useLocalDpi xmlns:a14="http://schemas.microsoft.com/office/drawing/2010/main" val="0"/>
+              </a:ext>
+            </a:extLst>
+          </a:blip>
+          <a:stretch>
+            <a:fillRect/>
+          </a:stretch>
+        </p:blipFill>
+        <p:spPr>
+          <a:xfrm>
+            <a:off x="2022610" y="1772904"/>
+            <a:ext cx="8146780" cy="4715039"/>
+          </a:xfrm>
+          <a:prstGeom prst="rect">
+            <a:avLst/>
+          </a:prstGeom>
+        </p:spPr>
+      </p:pic>
+    </p:spTree>
+    <p:extLst>
+      <p:ext uri="{BB962C8B-B14F-4D97-AF65-F5344CB8AC3E}">
+        <p14:creationId xmlns:p14="http://schemas.microsoft.com/office/powerpoint/2010/main" val="1033072285"/>
+      </p:ext>
+    </p:extLst>
+  </p:cSld>
+  <p:clrMapOvr>
+    <a:masterClrMapping/>
+  </p:clrMapOvr>
+</p:sld>
+</file>
+
+<file path=ppt/slides/slide14.xml><?xml version="1.0" encoding="utf-8"?>
+<p:sld xmlns:a="http://schemas.openxmlformats.org/drawingml/2006/main" xmlns:r="http://schemas.openxmlformats.org/officeDocument/2006/relationships" xmlns:p="http://schemas.openxmlformats.org/presentationml/2006/main">
+  <p:cSld>
+    <p:spTree>
+      <p:nvGrpSpPr>
+        <p:cNvPr id="1" name=""/>
+        <p:cNvGrpSpPr/>
+        <p:nvPr/>
+      </p:nvGrpSpPr>
+      <p:grpSpPr>
+        <a:xfrm>
+          <a:off x="0" y="0"/>
+          <a:ext cx="0" cy="0"/>
+          <a:chOff x="0" y="0"/>
+          <a:chExt cx="0" cy="0"/>
+        </a:xfrm>
+      </p:grpSpPr>
+      <p:sp>
+        <p:nvSpPr>
+          <p:cNvPr id="2" name="Title 1"/>
+          <p:cNvSpPr>
+            <a:spLocks noGrp="1"/>
+          </p:cNvSpPr>
+          <p:nvPr>
+            <p:ph type="title"/>
+          </p:nvPr>
+        </p:nvSpPr>
+        <p:spPr>
+          <a:xfrm>
+            <a:off x="838200" y="1"/>
+            <a:ext cx="10515600" cy="1690688"/>
+          </a:xfrm>
+        </p:spPr>
+        <p:txBody>
+          <a:bodyPr/>
+          <a:lstStyle/>
+          <a:p>
+            <a:pPr algn="ctr"/>
+            <a:r>
+              <a:rPr lang="fr-FR" u="sng" dirty="0"/>
+              <a:t>Maquettes</a:t>
+            </a:r>
+            <a:br>
+              <a:rPr lang="fr-FR" u="sng" dirty="0"/>
+            </a:br>
+            <a:r>
+              <a:rPr lang="fr-FR" u="sng" dirty="0"/>
+              <a:t>Page utilisateur</a:t>
+            </a:r>
+          </a:p>
+        </p:txBody>
+      </p:sp>
+      <p:pic>
+        <p:nvPicPr>
+          <p:cNvPr id="5" name="Image 4">
+            <a:extLst>
+              <a:ext uri="{FF2B5EF4-FFF2-40B4-BE49-F238E27FC236}">
+                <a16:creationId xmlns:a16="http://schemas.microsoft.com/office/drawing/2014/main" id="{CAC85C68-24A4-FA41-9B14-58BD5D75534F}"/>
+              </a:ext>
+            </a:extLst>
+          </p:cNvPr>
+          <p:cNvPicPr>
+            <a:picLocks noChangeAspect="1"/>
+          </p:cNvPicPr>
+          <p:nvPr/>
+        </p:nvPicPr>
+        <p:blipFill>
+          <a:blip r:embed="rId2">
+            <a:extLst>
+              <a:ext uri="{28A0092B-C50C-407E-A947-70E740481C1C}">
+                <a14:useLocalDpi xmlns:a14="http://schemas.microsoft.com/office/drawing/2010/main" val="0"/>
+              </a:ext>
+            </a:extLst>
+          </a:blip>
+          <a:stretch>
+            <a:fillRect/>
+          </a:stretch>
+        </p:blipFill>
+        <p:spPr>
+          <a:xfrm>
+            <a:off x="2022610" y="1811814"/>
+            <a:ext cx="8146780" cy="4715039"/>
+          </a:xfrm>
+          <a:prstGeom prst="rect">
+            <a:avLst/>
+          </a:prstGeom>
+        </p:spPr>
+      </p:pic>
+    </p:spTree>
+    <p:extLst>
+      <p:ext uri="{BB962C8B-B14F-4D97-AF65-F5344CB8AC3E}">
+        <p14:creationId xmlns:p14="http://schemas.microsoft.com/office/powerpoint/2010/main" val="3311753097"/>
+      </p:ext>
+    </p:extLst>
+  </p:cSld>
+  <p:clrMapOvr>
+    <a:masterClrMapping/>
+  </p:clrMapOvr>
+</p:sld>
+</file>
+
+<file path=ppt/slides/slide15.xml><?xml version="1.0" encoding="utf-8"?>
+<p:sld xmlns:a="http://schemas.openxmlformats.org/drawingml/2006/main" xmlns:r="http://schemas.openxmlformats.org/officeDocument/2006/relationships" xmlns:p="http://schemas.openxmlformats.org/presentationml/2006/main">
+  <p:cSld>
+    <p:spTree>
+      <p:nvGrpSpPr>
+        <p:cNvPr id="1" name=""/>
+        <p:cNvGrpSpPr/>
+        <p:nvPr/>
+      </p:nvGrpSpPr>
+      <p:grpSpPr>
+        <a:xfrm>
+          <a:off x="0" y="0"/>
+          <a:ext cx="0" cy="0"/>
+          <a:chOff x="0" y="0"/>
+          <a:chExt cx="0" cy="0"/>
+        </a:xfrm>
+      </p:grpSpPr>
+      <p:sp>
+        <p:nvSpPr>
+          <p:cNvPr id="2" name="Title 1"/>
+          <p:cNvSpPr>
+            <a:spLocks noGrp="1"/>
+          </p:cNvSpPr>
+          <p:nvPr>
+            <p:ph type="title"/>
+          </p:nvPr>
+        </p:nvSpPr>
+        <p:spPr>
+          <a:xfrm>
+            <a:off x="838200" y="1"/>
+            <a:ext cx="10515600" cy="1690688"/>
+          </a:xfrm>
+        </p:spPr>
+        <p:txBody>
+          <a:bodyPr/>
+          <a:lstStyle/>
+          <a:p>
+            <a:pPr algn="ctr"/>
+            <a:r>
+              <a:rPr lang="fr-FR" u="sng" dirty="0"/>
+              <a:t>Maquettes</a:t>
+            </a:r>
+            <a:br>
+              <a:rPr lang="fr-FR" u="sng" dirty="0"/>
+            </a:br>
+            <a:r>
+              <a:rPr lang="fr-FR" u="sng" dirty="0"/>
+              <a:t>Page utilisateur réserver une place</a:t>
+            </a:r>
+          </a:p>
+        </p:txBody>
+      </p:sp>
+      <p:pic>
+        <p:nvPicPr>
+          <p:cNvPr id="4" name="Image 3">
+            <a:extLst>
+              <a:ext uri="{FF2B5EF4-FFF2-40B4-BE49-F238E27FC236}">
+                <a16:creationId xmlns:a16="http://schemas.microsoft.com/office/drawing/2014/main" id="{0519FE87-8275-914D-8292-B0B6C28E8BE7}"/>
+              </a:ext>
+            </a:extLst>
+          </p:cNvPr>
+          <p:cNvPicPr>
+            <a:picLocks noChangeAspect="1"/>
+          </p:cNvPicPr>
+          <p:nvPr/>
+        </p:nvPicPr>
+        <p:blipFill>
+          <a:blip r:embed="rId2">
+            <a:extLst>
+              <a:ext uri="{28A0092B-C50C-407E-A947-70E740481C1C}">
+                <a14:useLocalDpi xmlns:a14="http://schemas.microsoft.com/office/drawing/2010/main" val="0"/>
+              </a:ext>
+            </a:extLst>
+          </a:blip>
+          <a:stretch>
+            <a:fillRect/>
+          </a:stretch>
+        </p:blipFill>
+        <p:spPr>
+          <a:xfrm>
+            <a:off x="1886423" y="1690689"/>
+            <a:ext cx="8419154" cy="4872679"/>
+          </a:xfrm>
+          <a:prstGeom prst="rect">
+            <a:avLst/>
+          </a:prstGeom>
+        </p:spPr>
+      </p:pic>
+    </p:spTree>
+    <p:extLst>
+      <p:ext uri="{BB962C8B-B14F-4D97-AF65-F5344CB8AC3E}">
+        <p14:creationId xmlns:p14="http://schemas.microsoft.com/office/powerpoint/2010/main" val="1679415686"/>
+      </p:ext>
+    </p:extLst>
+  </p:cSld>
+  <p:clrMapOvr>
+    <a:masterClrMapping/>
+  </p:clrMapOvr>
+</p:sld>
+</file>
+
+<file path=ppt/slides/slide16.xml><?xml version="1.0" encoding="utf-8"?>
+<p:sld xmlns:a="http://schemas.openxmlformats.org/drawingml/2006/main" xmlns:r="http://schemas.openxmlformats.org/officeDocument/2006/relationships" xmlns:p="http://schemas.openxmlformats.org/presentationml/2006/main">
+  <p:cSld>
+    <p:spTree>
+      <p:nvGrpSpPr>
+        <p:cNvPr id="1" name=""/>
+        <p:cNvGrpSpPr/>
+        <p:nvPr/>
+      </p:nvGrpSpPr>
+      <p:grpSpPr>
+        <a:xfrm>
+          <a:off x="0" y="0"/>
+          <a:ext cx="0" cy="0"/>
+          <a:chOff x="0" y="0"/>
+          <a:chExt cx="0" cy="0"/>
+        </a:xfrm>
+      </p:grpSpPr>
+      <p:sp>
+        <p:nvSpPr>
+          <p:cNvPr id="2" name="Title 1"/>
+          <p:cNvSpPr>
+            <a:spLocks noGrp="1"/>
+          </p:cNvSpPr>
+          <p:nvPr>
+            <p:ph type="title"/>
+          </p:nvPr>
+        </p:nvSpPr>
+        <p:spPr>
+          <a:xfrm>
+            <a:off x="838200" y="1"/>
+            <a:ext cx="10515600" cy="1690688"/>
+          </a:xfrm>
+        </p:spPr>
+        <p:txBody>
+          <a:bodyPr/>
+          <a:lstStyle/>
+          <a:p>
+            <a:pPr algn="ctr"/>
+            <a:r>
+              <a:rPr lang="fr-FR" u="sng" dirty="0"/>
+              <a:t>Maquettes</a:t>
+            </a:r>
+            <a:br>
+              <a:rPr lang="fr-FR" u="sng" dirty="0"/>
+            </a:br>
+            <a:r>
+              <a:rPr lang="fr-FR" u="sng" dirty="0"/>
+              <a:t>Page utilisateur édition du compte</a:t>
+            </a:r>
+          </a:p>
+        </p:txBody>
+      </p:sp>
+      <p:pic>
+        <p:nvPicPr>
+          <p:cNvPr id="5" name="Image 4">
+            <a:extLst>
+              <a:ext uri="{FF2B5EF4-FFF2-40B4-BE49-F238E27FC236}">
+                <a16:creationId xmlns:a16="http://schemas.microsoft.com/office/drawing/2014/main" id="{CFEFD8DD-D99B-E042-ADED-C34B0CD7E9AF}"/>
+              </a:ext>
+            </a:extLst>
+          </p:cNvPr>
+          <p:cNvPicPr>
+            <a:picLocks noChangeAspect="1"/>
+          </p:cNvPicPr>
+          <p:nvPr/>
+        </p:nvPicPr>
+        <p:blipFill>
+          <a:blip r:embed="rId2">
+            <a:extLst>
+              <a:ext uri="{28A0092B-C50C-407E-A947-70E740481C1C}">
+                <a14:useLocalDpi xmlns:a14="http://schemas.microsoft.com/office/drawing/2010/main" val="0"/>
+              </a:ext>
+            </a:extLst>
+          </a:blip>
+          <a:stretch>
+            <a:fillRect/>
+          </a:stretch>
+        </p:blipFill>
+        <p:spPr>
+          <a:xfrm>
+            <a:off x="1915606" y="1765777"/>
+            <a:ext cx="8360788" cy="4838899"/>
+          </a:xfrm>
+          <a:prstGeom prst="rect">
+            <a:avLst/>
+          </a:prstGeom>
+        </p:spPr>
+      </p:pic>
+    </p:spTree>
+    <p:extLst>
+      <p:ext uri="{BB962C8B-B14F-4D97-AF65-F5344CB8AC3E}">
+        <p14:creationId xmlns:p14="http://schemas.microsoft.com/office/powerpoint/2010/main" val="894271305"/>
+      </p:ext>
+    </p:extLst>
+  </p:cSld>
+  <p:clrMapOvr>
+    <a:masterClrMapping/>
+  </p:clrMapOvr>
+</p:sld>
+</file>
+
+<file path=ppt/slides/slide17.xml><?xml version="1.0" encoding="utf-8"?>
+<p:sld xmlns:a="http://schemas.openxmlformats.org/drawingml/2006/main" xmlns:r="http://schemas.openxmlformats.org/officeDocument/2006/relationships" xmlns:p="http://schemas.openxmlformats.org/presentationml/2006/main">
+  <p:cSld>
+    <p:spTree>
+      <p:nvGrpSpPr>
+        <p:cNvPr id="1" name=""/>
+        <p:cNvGrpSpPr/>
+        <p:nvPr/>
+      </p:nvGrpSpPr>
+      <p:grpSpPr>
+        <a:xfrm>
+          <a:off x="0" y="0"/>
+          <a:ext cx="0" cy="0"/>
+          <a:chOff x="0" y="0"/>
+          <a:chExt cx="0" cy="0"/>
+        </a:xfrm>
+      </p:grpSpPr>
+      <p:sp>
+        <p:nvSpPr>
+          <p:cNvPr id="2" name="Title 1"/>
+          <p:cNvSpPr>
+            <a:spLocks noGrp="1"/>
+          </p:cNvSpPr>
+          <p:nvPr>
+            <p:ph type="title"/>
+          </p:nvPr>
+        </p:nvSpPr>
         <p:spPr/>
         <p:txBody>
           <a:bodyPr/>
           <a:lstStyle/>
           <a:p>
             <a:r>
-              <a:rPr lang="fr-FR" u="sng" dirty="0" smtClean="0"/>
+              <a:rPr lang="fr-FR" u="sng" dirty="0"/>
               <a:t>Base de données</a:t>
             </a:r>
-            <a:endParaRPr lang="fr-FR" u="sng" dirty="0"/>
           </a:p>
         </p:txBody>
       </p:sp>
@@ -3160,21 +3868,21 @@
           <a:lstStyle/>
           <a:p>
             <a:r>
-              <a:rPr lang="fr-FR" sz="2800" dirty="0" smtClean="0"/>
+              <a:rPr lang="fr-FR" sz="2800" dirty="0"/>
               <a:t>Cette table est la table </a:t>
             </a:r>
             <a:r>
-              <a:rPr lang="fr-FR" sz="2800" u="sng" dirty="0" smtClean="0"/>
+              <a:rPr lang="fr-FR" sz="2800" u="sng" dirty="0"/>
               <a:t>USERS</a:t>
             </a:r>
           </a:p>
           <a:p>
             <a:r>
-              <a:rPr lang="fr-FR" sz="2800" dirty="0" smtClean="0"/>
+              <a:rPr lang="fr-FR" sz="2800" dirty="0"/>
               <a:t>Les données intéressantes sont : niveau et </a:t>
             </a:r>
             <a:r>
-              <a:rPr lang="fr-FR" sz="2800" dirty="0" err="1" smtClean="0"/>
+              <a:rPr lang="fr-FR" sz="2800" dirty="0" err="1"/>
               <a:t>etat_u</a:t>
             </a:r>
             <a:endParaRPr lang="fr-FR" sz="2800" dirty="0"/>
@@ -3224,7 +3932,7 @@
 </p:sld>
 </file>
 
-<file path=ppt/slides/slide11.xml><?xml version="1.0" encoding="utf-8"?>
+<file path=ppt/slides/slide18.xml><?xml version="1.0" encoding="utf-8"?>
 <p:sld xmlns:a="http://schemas.openxmlformats.org/drawingml/2006/main" xmlns:r="http://schemas.openxmlformats.org/officeDocument/2006/relationships" xmlns:p="http://schemas.openxmlformats.org/presentationml/2006/main">
   <p:cSld>
     <p:spTree>
@@ -3257,10 +3965,9 @@
           <a:lstStyle/>
           <a:p>
             <a:r>
-              <a:rPr lang="fr-FR" u="sng" dirty="0" smtClean="0"/>
+              <a:rPr lang="fr-FR" u="sng" dirty="0"/>
               <a:t>Base de données</a:t>
             </a:r>
-            <a:endParaRPr lang="fr-FR" u="sng" dirty="0"/>
           </a:p>
         </p:txBody>
       </p:sp>
@@ -3317,32 +4024,31 @@
           <a:lstStyle/>
           <a:p>
             <a:r>
-              <a:rPr lang="fr-FR" sz="2800" dirty="0" smtClean="0"/>
+              <a:rPr lang="fr-FR" sz="2800" dirty="0"/>
               <a:t>Cette table est la table </a:t>
             </a:r>
             <a:r>
-              <a:rPr lang="fr-FR" sz="2800" u="sng" dirty="0" smtClean="0"/>
+              <a:rPr lang="fr-FR" sz="2800" u="sng" dirty="0"/>
               <a:t>PLACE</a:t>
             </a:r>
             <a:r>
-              <a:rPr lang="fr-FR" sz="2800" dirty="0" smtClean="0"/>
+              <a:rPr lang="fr-FR" sz="2800" dirty="0"/>
               <a:t> </a:t>
             </a:r>
           </a:p>
           <a:p>
             <a:r>
-              <a:rPr lang="fr-FR" sz="2800" dirty="0" smtClean="0"/>
+              <a:rPr lang="fr-FR" sz="2800" dirty="0"/>
               <a:t>Les données intéressantes sont : </a:t>
             </a:r>
             <a:r>
-              <a:rPr lang="fr-FR" sz="2800" dirty="0" err="1" smtClean="0"/>
+              <a:rPr lang="fr-FR" sz="2800" dirty="0" err="1"/>
               <a:t>etat_p</a:t>
             </a:r>
             <a:r>
-              <a:rPr lang="fr-FR" sz="2800" dirty="0" smtClean="0"/>
+              <a:rPr lang="fr-FR" sz="2800" dirty="0"/>
               <a:t> </a:t>
             </a:r>
-            <a:endParaRPr lang="fr-FR" sz="2800" dirty="0"/>
           </a:p>
         </p:txBody>
       </p:sp>
@@ -3359,7 +4065,7 @@
 </p:sld>
 </file>
 
-<file path=ppt/slides/slide12.xml><?xml version="1.0" encoding="utf-8"?>
+<file path=ppt/slides/slide19.xml><?xml version="1.0" encoding="utf-8"?>
 <p:sld xmlns:a="http://schemas.openxmlformats.org/drawingml/2006/main" xmlns:r="http://schemas.openxmlformats.org/officeDocument/2006/relationships" xmlns:p="http://schemas.openxmlformats.org/presentationml/2006/main">
   <p:cSld>
     <p:spTree>
@@ -3392,10 +4098,9 @@
           <a:lstStyle/>
           <a:p>
             <a:r>
-              <a:rPr lang="fr-FR" u="sng" dirty="0" smtClean="0"/>
+              <a:rPr lang="fr-FR" u="sng" dirty="0"/>
               <a:t>Base de données</a:t>
             </a:r>
-            <a:endParaRPr lang="fr-FR" u="sng" dirty="0"/>
           </a:p>
         </p:txBody>
       </p:sp>
@@ -3422,55 +4127,55 @@
           <a:lstStyle/>
           <a:p>
             <a:r>
-              <a:rPr lang="fr-FR" sz="2800" dirty="0" smtClean="0"/>
+              <a:rPr lang="fr-FR" sz="2800" dirty="0"/>
               <a:t>Cette table est la table RESERVATION</a:t>
             </a:r>
           </a:p>
           <a:p>
             <a:r>
-              <a:rPr lang="fr-FR" sz="2800" dirty="0" smtClean="0"/>
+              <a:rPr lang="fr-FR" sz="2800" dirty="0"/>
               <a:t>Les données intéressantes sont : </a:t>
             </a:r>
             <a:r>
-              <a:rPr lang="fr-FR" sz="2800" dirty="0" err="1" smtClean="0"/>
+              <a:rPr lang="fr-FR" sz="2800" dirty="0" err="1"/>
               <a:t>date_resa</a:t>
             </a:r>
             <a:r>
-              <a:rPr lang="fr-FR" sz="2800" dirty="0" smtClean="0"/>
+              <a:rPr lang="fr-FR" sz="2800" dirty="0"/>
               <a:t> ; </a:t>
             </a:r>
             <a:r>
-              <a:rPr lang="fr-FR" sz="2800" dirty="0" err="1" smtClean="0"/>
+              <a:rPr lang="fr-FR" sz="2800" dirty="0" err="1"/>
               <a:t>date_debut</a:t>
             </a:r>
             <a:r>
-              <a:rPr lang="fr-FR" sz="2800" dirty="0" smtClean="0"/>
+              <a:rPr lang="fr-FR" sz="2800" dirty="0"/>
               <a:t> et </a:t>
             </a:r>
             <a:r>
-              <a:rPr lang="fr-FR" sz="2800" dirty="0" err="1" smtClean="0"/>
+              <a:rPr lang="fr-FR" sz="2800" dirty="0" err="1"/>
               <a:t>date_fin</a:t>
             </a:r>
-            <a:endParaRPr lang="fr-FR" sz="2800" dirty="0" smtClean="0"/>
-          </a:p>
-          <a:p>
             <a:endParaRPr lang="fr-FR" sz="2800" dirty="0"/>
           </a:p>
           <a:p>
-            <a:r>
-              <a:rPr lang="fr-FR" sz="2800" dirty="0" smtClean="0"/>
+            <a:endParaRPr lang="fr-FR" sz="2800" dirty="0"/>
+          </a:p>
+          <a:p>
+            <a:r>
+              <a:rPr lang="fr-FR" sz="2800" dirty="0"/>
               <a:t>On remarque les clés étrangères : </a:t>
             </a:r>
             <a:r>
-              <a:rPr lang="fr-FR" sz="2800" dirty="0" err="1" smtClean="0"/>
+              <a:rPr lang="fr-FR" sz="2800" dirty="0" err="1"/>
               <a:t>id_u</a:t>
             </a:r>
             <a:r>
-              <a:rPr lang="fr-FR" sz="2800" dirty="0" smtClean="0"/>
+              <a:rPr lang="fr-FR" sz="2800" dirty="0"/>
               <a:t> et </a:t>
             </a:r>
             <a:r>
-              <a:rPr lang="fr-FR" sz="2800" dirty="0" err="1" smtClean="0"/>
+              <a:rPr lang="fr-FR" sz="2800" dirty="0" err="1"/>
               <a:t>id_p</a:t>
             </a:r>
             <a:endParaRPr lang="fr-FR" sz="2800" dirty="0"/>
@@ -3553,10 +4258,9 @@
           <a:lstStyle/>
           <a:p>
             <a:r>
-              <a:rPr lang="fr-FR" u="sng" dirty="0" smtClean="0"/>
+              <a:rPr lang="fr-FR" u="sng" dirty="0"/>
               <a:t>Points importants de la présentation</a:t>
             </a:r>
-            <a:endParaRPr lang="fr-FR" u="sng" dirty="0"/>
           </a:p>
         </p:txBody>
       </p:sp>
@@ -3576,47 +4280,45 @@
           <a:lstStyle/>
           <a:p>
             <a:r>
-              <a:rPr lang="fr-FR" dirty="0" smtClean="0"/>
+              <a:rPr lang="fr-FR" dirty="0"/>
               <a:t>Exposé par Alexandre :</a:t>
             </a:r>
           </a:p>
           <a:p>
             <a:pPr lvl="1"/>
             <a:r>
-              <a:rPr lang="fr-FR" dirty="0" smtClean="0"/>
+              <a:rPr lang="fr-FR" dirty="0"/>
               <a:t>Technologies utilisées</a:t>
             </a:r>
-            <a:endParaRPr lang="fr-FR" dirty="0"/>
           </a:p>
           <a:p>
             <a:pPr lvl="1"/>
             <a:r>
-              <a:rPr lang="fr-FR" dirty="0" smtClean="0"/>
+              <a:rPr lang="fr-FR" dirty="0"/>
               <a:t>Tâches en phase de production( peut </a:t>
             </a:r>
             <a:r>
-              <a:rPr lang="fr-FR" dirty="0" err="1" smtClean="0"/>
+              <a:rPr lang="fr-FR" dirty="0" err="1"/>
               <a:t>etre</a:t>
             </a:r>
             <a:r>
-              <a:rPr lang="fr-FR" dirty="0" smtClean="0"/>
+              <a:rPr lang="fr-FR" dirty="0"/>
               <a:t> un peu long donc couper en deux mais où ?)</a:t>
             </a:r>
           </a:p>
           <a:p>
             <a:pPr lvl="1"/>
             <a:r>
-              <a:rPr lang="fr-FR" dirty="0" smtClean="0"/>
+              <a:rPr lang="fr-FR" dirty="0"/>
               <a:t>Plan du site</a:t>
             </a:r>
           </a:p>
           <a:p>
             <a:pPr lvl="1"/>
             <a:r>
-              <a:rPr lang="fr-FR" dirty="0" smtClean="0"/>
+              <a:rPr lang="fr-FR" dirty="0"/>
               <a:t>Maquettes</a:t>
             </a:r>
-            <a:endParaRPr lang="fr-FR" dirty="0"/>
           </a:p>
         </p:txBody>
       </p:sp>
@@ -3636,52 +4338,45 @@
           <a:lstStyle/>
           <a:p>
             <a:r>
-              <a:rPr lang="fr-FR" dirty="0" smtClean="0"/>
+              <a:rPr lang="fr-FR" dirty="0"/>
               <a:t>Exposé par Benoît :</a:t>
             </a:r>
-            <a:endParaRPr lang="fr-FR" dirty="0"/>
           </a:p>
           <a:p>
             <a:pPr lvl="1"/>
             <a:r>
-              <a:rPr lang="fr-FR" dirty="0" smtClean="0"/>
+              <a:rPr lang="fr-FR" dirty="0"/>
               <a:t>Tâches en phase pré-production</a:t>
             </a:r>
           </a:p>
           <a:p>
             <a:pPr lvl="1"/>
             <a:r>
-              <a:rPr lang="fr-FR" dirty="0" smtClean="0"/>
+              <a:rPr lang="fr-FR" dirty="0"/>
               <a:t>Tâches en phase production (2eme </a:t>
             </a:r>
             <a:r>
-              <a:rPr lang="fr-FR" dirty="0" err="1" smtClean="0"/>
+              <a:rPr lang="fr-FR" dirty="0" err="1"/>
               <a:t>chap</a:t>
             </a:r>
             <a:r>
               <a:rPr lang="fr-FR" dirty="0"/>
-              <a:t> </a:t>
-            </a:r>
-            <a:r>
-              <a:rPr lang="fr-FR" dirty="0" smtClean="0"/>
-              <a:t>??)</a:t>
-            </a:r>
-            <a:endParaRPr lang="fr-FR" dirty="0"/>
+              <a:t> ??)</a:t>
+            </a:r>
           </a:p>
           <a:p>
             <a:pPr lvl="1"/>
             <a:r>
-              <a:rPr lang="fr-FR" dirty="0" smtClean="0"/>
+              <a:rPr lang="fr-FR" dirty="0"/>
               <a:t>MCD </a:t>
             </a:r>
           </a:p>
           <a:p>
             <a:pPr lvl="1"/>
             <a:r>
-              <a:rPr lang="fr-FR" dirty="0" smtClean="0"/>
+              <a:rPr lang="fr-FR" dirty="0"/>
               <a:t>Base de données</a:t>
             </a:r>
-            <a:endParaRPr lang="fr-FR" dirty="0"/>
           </a:p>
         </p:txBody>
       </p:sp>
@@ -3695,13 +4390,6 @@
   <p:clrMapOvr>
     <a:masterClrMapping/>
   </p:clrMapOvr>
-  <p:timing>
-    <p:tnLst>
-      <p:par>
-        <p:cTn id="1" dur="indefinite" restart="never" nodeType="tmRoot"/>
-      </p:par>
-    </p:tnLst>
-  </p:timing>
 </p:sld>
 </file>
 
@@ -3738,10 +4426,9 @@
           <a:lstStyle/>
           <a:p>
             <a:r>
-              <a:rPr lang="fr-FR" u="sng" dirty="0" smtClean="0"/>
+              <a:rPr lang="fr-FR" u="sng" dirty="0"/>
               <a:t>Technologies utilisées</a:t>
             </a:r>
-            <a:endParaRPr lang="fr-FR" u="sng" dirty="0"/>
           </a:p>
         </p:txBody>
       </p:sp>
@@ -3796,7 +4483,7 @@
               <a:t>Pour le Front-End: HTML5, CSS3, JavaScript, SCSS, </a:t>
             </a:r>
             <a:r>
-              <a:rPr lang="fr-FR" sz="3200" dirty="0" err="1" smtClean="0"/>
+              <a:rPr lang="fr-FR" sz="3200" dirty="0" err="1"/>
               <a:t>Bootstrap</a:t>
             </a:r>
             <a:endParaRPr lang="fr-FR" sz="3200" dirty="0"/>
@@ -3804,13 +4491,8 @@
           <a:p>
             <a:r>
               <a:rPr lang="fr-FR" sz="3200" dirty="0"/>
-              <a:t>Logiciel de présentation: Microsoft </a:t>
-            </a:r>
-            <a:r>
-              <a:rPr lang="fr-FR" sz="3200" dirty="0" smtClean="0"/>
-              <a:t>POWERPOINT</a:t>
-            </a:r>
-            <a:endParaRPr lang="fr-FR" sz="3200" dirty="0"/>
+              <a:t>Logiciel de présentation: Microsoft POWERPOINT</a:t>
+            </a:r>
           </a:p>
           <a:p>
             <a:r>
@@ -3826,7 +4508,7 @@
               <a:t>, </a:t>
             </a:r>
             <a:r>
-              <a:rPr lang="fr-FR" sz="3200" dirty="0" err="1" smtClean="0"/>
+              <a:rPr lang="fr-FR" sz="3200" dirty="0" err="1"/>
               <a:t>Trello</a:t>
             </a:r>
             <a:endParaRPr lang="fr-FR" sz="3200" dirty="0"/>
@@ -3843,13 +4525,6 @@
   <p:clrMapOvr>
     <a:masterClrMapping/>
   </p:clrMapOvr>
-  <p:timing>
-    <p:tnLst>
-      <p:par>
-        <p:cTn id="1" dur="indefinite" restart="never" nodeType="tmRoot"/>
-      </p:par>
-    </p:tnLst>
-  </p:timing>
 </p:sld>
 </file>
 
@@ -3886,10 +4561,9 @@
           <a:lstStyle/>
           <a:p>
             <a:r>
-              <a:rPr lang="fr-FR" u="sng" dirty="0" smtClean="0"/>
+              <a:rPr lang="fr-FR" u="sng" dirty="0"/>
               <a:t>Tâches pré-production</a:t>
             </a:r>
-            <a:endParaRPr lang="fr-FR" u="sng" dirty="0"/>
           </a:p>
         </p:txBody>
       </p:sp>
@@ -3910,15 +4584,7 @@
           <a:p>
             <a:r>
               <a:rPr lang="fr-FR" dirty="0"/>
-              <a:t>Création d'une documentation comprenant la liste des taches, les technologies à </a:t>
-            </a:r>
-            <a:r>
-              <a:rPr lang="fr-FR" dirty="0" smtClean="0"/>
-              <a:t>utiliser, </a:t>
-            </a:r>
-            <a:r>
-              <a:rPr lang="fr-FR" dirty="0"/>
-              <a:t>les maquettes et le MCD</a:t>
+              <a:t>Création d'une documentation comprenant la liste des taches, les technologies à utiliser, les maquettes et le MCD</a:t>
             </a:r>
           </a:p>
           <a:p>
@@ -3937,25 +4603,25 @@
           </a:p>
           <a:p>
             <a:r>
-              <a:rPr lang="fr-FR" dirty="0" smtClean="0"/>
+              <a:rPr lang="fr-FR" dirty="0"/>
               <a:t>Création du Modèle Conceptuel des Données</a:t>
             </a:r>
           </a:p>
           <a:p>
             <a:r>
-              <a:rPr lang="fr-FR" dirty="0" smtClean="0"/>
+              <a:rPr lang="fr-FR" dirty="0"/>
               <a:t>Création de la hiérarchisation du plan du site</a:t>
             </a:r>
           </a:p>
           <a:p>
             <a:r>
-              <a:rPr lang="fr-FR" dirty="0" smtClean="0"/>
+              <a:rPr lang="fr-FR" dirty="0"/>
               <a:t>Création des maquettes de représentation des pages du site</a:t>
             </a:r>
           </a:p>
           <a:p>
             <a:r>
-              <a:rPr lang="fr-FR" dirty="0" smtClean="0"/>
+              <a:rPr lang="fr-FR" dirty="0"/>
               <a:t>Création de la base de données </a:t>
             </a:r>
           </a:p>
@@ -3974,13 +4640,6 @@
   <p:clrMapOvr>
     <a:masterClrMapping/>
   </p:clrMapOvr>
-  <p:timing>
-    <p:tnLst>
-      <p:par>
-        <p:cTn id="1" dur="indefinite" restart="never" nodeType="tmRoot"/>
-      </p:par>
-    </p:tnLst>
-  </p:timing>
 </p:sld>
 </file>
 
@@ -4017,9 +4676,12 @@
           <a:lstStyle/>
           <a:p>
             <a:r>
-              <a:rPr lang="fr-FR" u="sng" dirty="0" smtClean="0"/>
-              <a:t>Tâches pendant la production 1ere partie</a:t>
-            </a:r>
+              <a:rPr lang="fr-FR" b="1" u="sng" dirty="0"/>
+              <a:t>Fonctions primaire de l'application</a:t>
+            </a:r>
+            <a:br>
+              <a:rPr lang="fr-FR" b="1" dirty="0"/>
+            </a:br>
             <a:endParaRPr lang="fr-FR" u="sng" dirty="0"/>
           </a:p>
         </p:txBody>
@@ -4034,12 +4696,69 @@
             <p:ph idx="1"/>
           </p:nvPr>
         </p:nvSpPr>
-        <p:spPr/>
-        <p:txBody>
-          <a:bodyPr/>
-          <a:lstStyle/>
-          <a:p>
-            <a:endParaRPr lang="fr-FR"/>
+        <p:spPr>
+          <a:xfrm>
+            <a:off x="838200" y="1371600"/>
+            <a:ext cx="10515600" cy="4805363"/>
+          </a:xfrm>
+        </p:spPr>
+        <p:txBody>
+          <a:bodyPr>
+            <a:normAutofit/>
+          </a:bodyPr>
+          <a:lstStyle/>
+          <a:p>
+            <a:r>
+              <a:rPr lang="fr-FR" sz="2400" dirty="0"/>
+              <a:t>Création des pages constituant le site, suivant les maquettes (</a:t>
+            </a:r>
+            <a:r>
+              <a:rPr lang="fr-FR" sz="2400" dirty="0" err="1"/>
+              <a:t>cf</a:t>
+            </a:r>
+            <a:r>
+              <a:rPr lang="fr-FR" sz="2400" dirty="0"/>
+              <a:t> Maquettes) et en respectant l'architecture logicielle Modèle vue contrôleur (MVC)</a:t>
+            </a:r>
+          </a:p>
+          <a:p>
+            <a:r>
+              <a:rPr lang="fr-FR" sz="2400" dirty="0"/>
+              <a:t>Elaboration du système d’inscription, connexion,</a:t>
+            </a:r>
+          </a:p>
+          <a:p>
+            <a:r>
+              <a:rPr lang="fr-FR" sz="2400" dirty="0"/>
+              <a:t>Mise en place des fonctionnalités de la page admin. Affichage et approbation des demandes d’inscriptions.</a:t>
+            </a:r>
+          </a:p>
+          <a:p>
+            <a:r>
+              <a:rPr lang="fr-FR" sz="2400" dirty="0"/>
+              <a:t>Elaboration du système de réservation aléatoire sur la page utilisateur.</a:t>
+            </a:r>
+          </a:p>
+          <a:p>
+            <a:r>
+              <a:rPr lang="fr-FR" sz="2400" dirty="0"/>
+              <a:t>Mise en place du système de mise en attente. Et de l’affichage du rang dans la file sur la page utilisateur</a:t>
+            </a:r>
+          </a:p>
+          <a:p>
+            <a:r>
+              <a:rPr lang="fr-FR" sz="2400" dirty="0"/>
+              <a:t>Sur la page admin, affichage de la liste d’attente puis de la liste de l’historique des réservations.</a:t>
+            </a:r>
+          </a:p>
+          <a:p>
+            <a:r>
+              <a:rPr lang="fr-FR" sz="2400" dirty="0"/>
+              <a:t>Sécurité sur le mot de passe en hachage en SHA-256.</a:t>
+            </a:r>
+          </a:p>
+          <a:p>
+            <a:endParaRPr lang="fr-FR" sz="2400" dirty="0"/>
           </a:p>
         </p:txBody>
       </p:sp>
@@ -4053,13 +4772,6 @@
   <p:clrMapOvr>
     <a:masterClrMapping/>
   </p:clrMapOvr>
-  <p:timing>
-    <p:tnLst>
-      <p:par>
-        <p:cTn id="1" dur="indefinite" restart="never" nodeType="tmRoot"/>
-      </p:par>
-    </p:tnLst>
-  </p:timing>
 </p:sld>
 </file>
 
@@ -4096,9 +4808,12 @@
           <a:lstStyle/>
           <a:p>
             <a:r>
-              <a:rPr lang="fr-FR" u="sng" dirty="0" smtClean="0"/>
-              <a:t>Tâches pendant la production 2eme partie</a:t>
-            </a:r>
+              <a:rPr lang="fr-FR" b="1" u="sng" dirty="0"/>
+              <a:t>Fonctions secondaires de l'application</a:t>
+            </a:r>
+            <a:br>
+              <a:rPr lang="fr-FR" b="1" dirty="0"/>
+            </a:br>
             <a:endParaRPr lang="fr-FR" u="sng" dirty="0"/>
           </a:p>
         </p:txBody>
@@ -4115,10 +4830,52 @@
         </p:nvSpPr>
         <p:spPr/>
         <p:txBody>
-          <a:bodyPr/>
-          <a:lstStyle/>
-          <a:p>
-            <a:endParaRPr lang="fr-FR"/>
+          <a:bodyPr>
+            <a:normAutofit fontScale="85000" lnSpcReduction="10000"/>
+          </a:bodyPr>
+          <a:lstStyle/>
+          <a:p>
+            <a:r>
+              <a:rPr lang="fr-FR" dirty="0"/>
+              <a:t>Ajout des fonctionnalités de modification de la liste d’attente et de la liste des places.</a:t>
+            </a:r>
+          </a:p>
+          <a:p>
+            <a:r>
+              <a:rPr lang="fr-FR" dirty="0"/>
+              <a:t>Fonctionnalité d’attribution manuelle des places sur la page admin.</a:t>
+            </a:r>
+          </a:p>
+          <a:p>
+            <a:r>
+              <a:rPr lang="fr-FR" dirty="0"/>
+              <a:t>Possibilité de la réinitialisation du mot de passe utilisateur via un système d'envoi de mail avec un fonctionnement de </a:t>
+            </a:r>
+            <a:r>
+              <a:rPr lang="fr-FR" dirty="0" err="1"/>
+              <a:t>token</a:t>
+            </a:r>
+            <a:r>
+              <a:rPr lang="fr-FR" dirty="0"/>
+              <a:t>, </a:t>
+            </a:r>
+            <a:r>
+              <a:rPr lang="fr-FR" dirty="0" err="1"/>
+              <a:t>token</a:t>
+            </a:r>
+            <a:r>
+              <a:rPr lang="fr-FR" dirty="0"/>
+              <a:t> qui est identique en base de donnée ainsi que dans le liens trouver dans l'email envoyer à l'utilisateur.</a:t>
+            </a:r>
+          </a:p>
+          <a:p>
+            <a:r>
+              <a:rPr lang="fr-FR" dirty="0"/>
+              <a:t>Sécurité du site, du point de vue du front-end vérification en JavaScript de tout les formulaires avec l'utilisation de Regex en rapport avec le champs ex(email, adresse), vérification lors de l'inscription du mot de passe indiquer avec une double vérification. du point de vue du back-end sécurisation en PHP face aux injections SQL en protégeant les requetés, utilisations de requête préparée avec des variables liées, trouvable dans les librairies PDO et MySQLi.</a:t>
+            </a:r>
+          </a:p>
+          <a:p>
+            <a:endParaRPr lang="fr-FR" dirty="0"/>
           </a:p>
         </p:txBody>
       </p:sp>
@@ -4132,13 +4889,6 @@
   <p:clrMapOvr>
     <a:masterClrMapping/>
   </p:clrMapOvr>
-  <p:timing>
-    <p:tnLst>
-      <p:par>
-        <p:cTn id="1" dur="indefinite" restart="never" nodeType="tmRoot"/>
-      </p:par>
-    </p:tnLst>
-  </p:timing>
 </p:sld>
 </file>
 
@@ -4175,10 +4925,9 @@
           <a:lstStyle/>
           <a:p>
             <a:r>
-              <a:rPr lang="fr-FR" u="sng" dirty="0" smtClean="0"/>
+              <a:rPr lang="fr-FR" u="sng" dirty="0"/>
               <a:t>Plan du site</a:t>
             </a:r>
-            <a:endParaRPr lang="fr-FR" u="sng" dirty="0"/>
           </a:p>
         </p:txBody>
       </p:sp>
@@ -4222,13 +4971,6 @@
   <p:clrMapOvr>
     <a:masterClrMapping/>
   </p:clrMapOvr>
-  <p:timing>
-    <p:tnLst>
-      <p:par>
-        <p:cTn id="1" dur="indefinite" restart="never" nodeType="tmRoot"/>
-      </p:par>
-    </p:tnLst>
-  </p:timing>
 </p:sld>
 </file>
 
@@ -4265,10 +5007,9 @@
           <a:lstStyle/>
           <a:p>
             <a:r>
-              <a:rPr lang="fr-FR" u="sng" dirty="0" smtClean="0"/>
+              <a:rPr lang="fr-FR" u="sng" dirty="0"/>
               <a:t>Modèle conceptuel de données</a:t>
             </a:r>
-            <a:endParaRPr lang="fr-FR" u="sng" dirty="0"/>
           </a:p>
         </p:txBody>
       </p:sp>
@@ -4308,13 +5049,6 @@
   <p:clrMapOvr>
     <a:masterClrMapping/>
   </p:clrMapOvr>
-  <p:timing>
-    <p:tnLst>
-      <p:par>
-        <p:cTn id="1" dur="indefinite" restart="never" nodeType="tmRoot"/>
-      </p:par>
-    </p:tnLst>
-  </p:timing>
 </p:sld>
 </file>
 
@@ -4345,19 +5079,67 @@
             <p:ph type="title"/>
           </p:nvPr>
         </p:nvSpPr>
-        <p:spPr/>
-        <p:txBody>
-          <a:bodyPr/>
-          <a:lstStyle/>
-          <a:p>
-            <a:r>
-              <a:rPr lang="fr-FR" u="sng" dirty="0" smtClean="0"/>
+        <p:spPr>
+          <a:xfrm>
+            <a:off x="838200" y="1"/>
+            <a:ext cx="10515600" cy="1690688"/>
+          </a:xfrm>
+        </p:spPr>
+        <p:txBody>
+          <a:bodyPr/>
+          <a:lstStyle/>
+          <a:p>
+            <a:pPr algn="ctr"/>
+            <a:r>
+              <a:rPr lang="fr-FR" u="sng" dirty="0"/>
               <a:t>Maquettes</a:t>
             </a:r>
-            <a:endParaRPr lang="fr-FR" u="sng" dirty="0"/>
-          </a:p>
-        </p:txBody>
-      </p:sp>
+            <a:br>
+              <a:rPr lang="fr-FR" u="sng" dirty="0"/>
+            </a:br>
+            <a:r>
+              <a:rPr lang="fr-FR" u="sng" dirty="0"/>
+              <a:t>Page d’accueil</a:t>
+            </a:r>
+          </a:p>
+        </p:txBody>
+      </p:sp>
+      <p:pic>
+        <p:nvPicPr>
+          <p:cNvPr id="4" name="Image 3">
+            <a:extLst>
+              <a:ext uri="{FF2B5EF4-FFF2-40B4-BE49-F238E27FC236}">
+                <a16:creationId xmlns:a16="http://schemas.microsoft.com/office/drawing/2014/main" id="{953238A2-11F9-FD4A-A6B3-71BE6CF5CF12}"/>
+              </a:ext>
+            </a:extLst>
+          </p:cNvPr>
+          <p:cNvPicPr>
+            <a:picLocks noChangeAspect="1"/>
+          </p:cNvPicPr>
+          <p:nvPr/>
+        </p:nvPicPr>
+        <p:blipFill>
+          <a:blip r:embed="rId2">
+            <a:extLst>
+              <a:ext uri="{28A0092B-C50C-407E-A947-70E740481C1C}">
+                <a14:useLocalDpi xmlns:a14="http://schemas.microsoft.com/office/drawing/2010/main" val="0"/>
+              </a:ext>
+            </a:extLst>
+          </a:blip>
+          <a:stretch>
+            <a:fillRect/>
+          </a:stretch>
+        </p:blipFill>
+        <p:spPr>
+          <a:xfrm>
+            <a:off x="1991535" y="1690688"/>
+            <a:ext cx="8208929" cy="4784884"/>
+          </a:xfrm>
+          <a:prstGeom prst="rect">
+            <a:avLst/>
+          </a:prstGeom>
+        </p:spPr>
+      </p:pic>
     </p:spTree>
     <p:extLst>
       <p:ext uri="{BB962C8B-B14F-4D97-AF65-F5344CB8AC3E}">

--- a/Documentation/Présentation PPE Parking.pptx
+++ b/Documentation/Présentation PPE Parking.pptx
@@ -6,24 +6,23 @@
   </p:sldMasterIdLst>
   <p:sldIdLst>
     <p:sldId id="257" r:id="rId2"/>
-    <p:sldId id="258" r:id="rId3"/>
-    <p:sldId id="259" r:id="rId4"/>
-    <p:sldId id="260" r:id="rId5"/>
-    <p:sldId id="261" r:id="rId6"/>
-    <p:sldId id="262" r:id="rId7"/>
-    <p:sldId id="263" r:id="rId8"/>
-    <p:sldId id="264" r:id="rId9"/>
-    <p:sldId id="265" r:id="rId10"/>
-    <p:sldId id="269" r:id="rId11"/>
-    <p:sldId id="270" r:id="rId12"/>
-    <p:sldId id="271" r:id="rId13"/>
-    <p:sldId id="272" r:id="rId14"/>
-    <p:sldId id="273" r:id="rId15"/>
-    <p:sldId id="274" r:id="rId16"/>
-    <p:sldId id="275" r:id="rId17"/>
-    <p:sldId id="266" r:id="rId18"/>
-    <p:sldId id="267" r:id="rId19"/>
-    <p:sldId id="268" r:id="rId20"/>
+    <p:sldId id="259" r:id="rId3"/>
+    <p:sldId id="260" r:id="rId4"/>
+    <p:sldId id="261" r:id="rId5"/>
+    <p:sldId id="262" r:id="rId6"/>
+    <p:sldId id="263" r:id="rId7"/>
+    <p:sldId id="264" r:id="rId8"/>
+    <p:sldId id="265" r:id="rId9"/>
+    <p:sldId id="269" r:id="rId10"/>
+    <p:sldId id="270" r:id="rId11"/>
+    <p:sldId id="271" r:id="rId12"/>
+    <p:sldId id="272" r:id="rId13"/>
+    <p:sldId id="273" r:id="rId14"/>
+    <p:sldId id="274" r:id="rId15"/>
+    <p:sldId id="275" r:id="rId16"/>
+    <p:sldId id="266" r:id="rId17"/>
+    <p:sldId id="267" r:id="rId18"/>
+    <p:sldId id="268" r:id="rId19"/>
   </p:sldIdLst>
   <p:sldSz cx="12192000" cy="6858000"/>
   <p:notesSz cx="6858000" cy="9144000"/>
@@ -261,7 +260,7 @@
           <a:p>
             <a:fld id="{314AE0EF-494E-4D21-B442-E8ADD44F8137}" type="datetimeFigureOut">
               <a:rPr lang="fr-FR" smtClean="0"/>
-              <a:t>27/09/2018</a:t>
+              <a:t>28/09/2018</a:t>
             </a:fld>
             <a:endParaRPr lang="fr-FR"/>
           </a:p>
@@ -303,7 +302,7 @@
           <a:p>
             <a:fld id="{A7B553A6-C2AF-4B9C-BC52-BDCA4AC00A28}" type="slidenum">
               <a:rPr lang="fr-FR" smtClean="0"/>
-              <a:t>‹#›</a:t>
+              <a:t>‹N°›</a:t>
             </a:fld>
             <a:endParaRPr lang="fr-FR"/>
           </a:p>
@@ -431,7 +430,7 @@
           <a:p>
             <a:fld id="{314AE0EF-494E-4D21-B442-E8ADD44F8137}" type="datetimeFigureOut">
               <a:rPr lang="fr-FR" smtClean="0"/>
-              <a:t>27/09/2018</a:t>
+              <a:t>28/09/2018</a:t>
             </a:fld>
             <a:endParaRPr lang="fr-FR"/>
           </a:p>
@@ -473,7 +472,7 @@
           <a:p>
             <a:fld id="{A7B553A6-C2AF-4B9C-BC52-BDCA4AC00A28}" type="slidenum">
               <a:rPr lang="fr-FR" smtClean="0"/>
-              <a:t>‹#›</a:t>
+              <a:t>‹N°›</a:t>
             </a:fld>
             <a:endParaRPr lang="fr-FR"/>
           </a:p>
@@ -611,7 +610,7 @@
           <a:p>
             <a:fld id="{314AE0EF-494E-4D21-B442-E8ADD44F8137}" type="datetimeFigureOut">
               <a:rPr lang="fr-FR" smtClean="0"/>
-              <a:t>27/09/2018</a:t>
+              <a:t>28/09/2018</a:t>
             </a:fld>
             <a:endParaRPr lang="fr-FR"/>
           </a:p>
@@ -653,7 +652,7 @@
           <a:p>
             <a:fld id="{A7B553A6-C2AF-4B9C-BC52-BDCA4AC00A28}" type="slidenum">
               <a:rPr lang="fr-FR" smtClean="0"/>
-              <a:t>‹#›</a:t>
+              <a:t>‹N°›</a:t>
             </a:fld>
             <a:endParaRPr lang="fr-FR"/>
           </a:p>
@@ -781,7 +780,7 @@
           <a:p>
             <a:fld id="{314AE0EF-494E-4D21-B442-E8ADD44F8137}" type="datetimeFigureOut">
               <a:rPr lang="fr-FR" smtClean="0"/>
-              <a:t>27/09/2018</a:t>
+              <a:t>28/09/2018</a:t>
             </a:fld>
             <a:endParaRPr lang="fr-FR"/>
           </a:p>
@@ -823,7 +822,7 @@
           <a:p>
             <a:fld id="{A7B553A6-C2AF-4B9C-BC52-BDCA4AC00A28}" type="slidenum">
               <a:rPr lang="fr-FR" smtClean="0"/>
-              <a:t>‹#›</a:t>
+              <a:t>‹N°›</a:t>
             </a:fld>
             <a:endParaRPr lang="fr-FR"/>
           </a:p>
@@ -1027,7 +1026,7 @@
           <a:p>
             <a:fld id="{314AE0EF-494E-4D21-B442-E8ADD44F8137}" type="datetimeFigureOut">
               <a:rPr lang="fr-FR" smtClean="0"/>
-              <a:t>27/09/2018</a:t>
+              <a:t>28/09/2018</a:t>
             </a:fld>
             <a:endParaRPr lang="fr-FR"/>
           </a:p>
@@ -1069,7 +1068,7 @@
           <a:p>
             <a:fld id="{A7B553A6-C2AF-4B9C-BC52-BDCA4AC00A28}" type="slidenum">
               <a:rPr lang="fr-FR" smtClean="0"/>
-              <a:t>‹#›</a:t>
+              <a:t>‹N°›</a:t>
             </a:fld>
             <a:endParaRPr lang="fr-FR"/>
           </a:p>
@@ -1259,7 +1258,7 @@
           <a:p>
             <a:fld id="{314AE0EF-494E-4D21-B442-E8ADD44F8137}" type="datetimeFigureOut">
               <a:rPr lang="fr-FR" smtClean="0"/>
-              <a:t>27/09/2018</a:t>
+              <a:t>28/09/2018</a:t>
             </a:fld>
             <a:endParaRPr lang="fr-FR"/>
           </a:p>
@@ -1301,7 +1300,7 @@
           <a:p>
             <a:fld id="{A7B553A6-C2AF-4B9C-BC52-BDCA4AC00A28}" type="slidenum">
               <a:rPr lang="fr-FR" smtClean="0"/>
-              <a:t>‹#›</a:t>
+              <a:t>‹N°›</a:t>
             </a:fld>
             <a:endParaRPr lang="fr-FR"/>
           </a:p>
@@ -1626,7 +1625,7 @@
           <a:p>
             <a:fld id="{314AE0EF-494E-4D21-B442-E8ADD44F8137}" type="datetimeFigureOut">
               <a:rPr lang="fr-FR" smtClean="0"/>
-              <a:t>27/09/2018</a:t>
+              <a:t>28/09/2018</a:t>
             </a:fld>
             <a:endParaRPr lang="fr-FR"/>
           </a:p>
@@ -1668,7 +1667,7 @@
           <a:p>
             <a:fld id="{A7B553A6-C2AF-4B9C-BC52-BDCA4AC00A28}" type="slidenum">
               <a:rPr lang="fr-FR" smtClean="0"/>
-              <a:t>‹#›</a:t>
+              <a:t>‹N°›</a:t>
             </a:fld>
             <a:endParaRPr lang="fr-FR"/>
           </a:p>
@@ -1744,7 +1743,7 @@
           <a:p>
             <a:fld id="{314AE0EF-494E-4D21-B442-E8ADD44F8137}" type="datetimeFigureOut">
               <a:rPr lang="fr-FR" smtClean="0"/>
-              <a:t>27/09/2018</a:t>
+              <a:t>28/09/2018</a:t>
             </a:fld>
             <a:endParaRPr lang="fr-FR"/>
           </a:p>
@@ -1786,7 +1785,7 @@
           <a:p>
             <a:fld id="{A7B553A6-C2AF-4B9C-BC52-BDCA4AC00A28}" type="slidenum">
               <a:rPr lang="fr-FR" smtClean="0"/>
-              <a:t>‹#›</a:t>
+              <a:t>‹N°›</a:t>
             </a:fld>
             <a:endParaRPr lang="fr-FR"/>
           </a:p>
@@ -1839,7 +1838,7 @@
           <a:p>
             <a:fld id="{314AE0EF-494E-4D21-B442-E8ADD44F8137}" type="datetimeFigureOut">
               <a:rPr lang="fr-FR" smtClean="0"/>
-              <a:t>27/09/2018</a:t>
+              <a:t>28/09/2018</a:t>
             </a:fld>
             <a:endParaRPr lang="fr-FR"/>
           </a:p>
@@ -1881,7 +1880,7 @@
           <a:p>
             <a:fld id="{A7B553A6-C2AF-4B9C-BC52-BDCA4AC00A28}" type="slidenum">
               <a:rPr lang="fr-FR" smtClean="0"/>
-              <a:t>‹#›</a:t>
+              <a:t>‹N°›</a:t>
             </a:fld>
             <a:endParaRPr lang="fr-FR"/>
           </a:p>
@@ -2116,7 +2115,7 @@
           <a:p>
             <a:fld id="{314AE0EF-494E-4D21-B442-E8ADD44F8137}" type="datetimeFigureOut">
               <a:rPr lang="fr-FR" smtClean="0"/>
-              <a:t>27/09/2018</a:t>
+              <a:t>28/09/2018</a:t>
             </a:fld>
             <a:endParaRPr lang="fr-FR"/>
           </a:p>
@@ -2158,7 +2157,7 @@
           <a:p>
             <a:fld id="{A7B553A6-C2AF-4B9C-BC52-BDCA4AC00A28}" type="slidenum">
               <a:rPr lang="fr-FR" smtClean="0"/>
-              <a:t>‹#›</a:t>
+              <a:t>‹N°›</a:t>
             </a:fld>
             <a:endParaRPr lang="fr-FR"/>
           </a:p>
@@ -2369,7 +2368,7 @@
           <a:p>
             <a:fld id="{314AE0EF-494E-4D21-B442-E8ADD44F8137}" type="datetimeFigureOut">
               <a:rPr lang="fr-FR" smtClean="0"/>
-              <a:t>27/09/2018</a:t>
+              <a:t>28/09/2018</a:t>
             </a:fld>
             <a:endParaRPr lang="fr-FR"/>
           </a:p>
@@ -2411,7 +2410,7 @@
           <a:p>
             <a:fld id="{A7B553A6-C2AF-4B9C-BC52-BDCA4AC00A28}" type="slidenum">
               <a:rPr lang="fr-FR" smtClean="0"/>
-              <a:t>‹#›</a:t>
+              <a:t>‹N°›</a:t>
             </a:fld>
             <a:endParaRPr lang="fr-FR"/>
           </a:p>
@@ -2582,7 +2581,7 @@
           <a:p>
             <a:fld id="{314AE0EF-494E-4D21-B442-E8ADD44F8137}" type="datetimeFigureOut">
               <a:rPr lang="fr-FR" smtClean="0"/>
-              <a:t>27/09/2018</a:t>
+              <a:t>28/09/2018</a:t>
             </a:fld>
             <a:endParaRPr lang="fr-FR"/>
           </a:p>
@@ -2660,7 +2659,7 @@
           <a:p>
             <a:fld id="{A7B553A6-C2AF-4B9C-BC52-BDCA4AC00A28}" type="slidenum">
               <a:rPr lang="fr-FR" smtClean="0"/>
-              <a:t>‹#›</a:t>
+              <a:t>‹N°›</a:t>
             </a:fld>
             <a:endParaRPr lang="fr-FR"/>
           </a:p>
@@ -3096,17 +3095,1795 @@
   <p:clrMapOvr>
     <a:masterClrMapping/>
   </p:clrMapOvr>
-  <p:timing>
-    <p:tnLst>
-      <p:par>
-        <p:cTn id="1" dur="indefinite" restart="never" nodeType="tmRoot"/>
-      </p:par>
-    </p:tnLst>
-  </p:timing>
 </p:sld>
 </file>
 
 <file path=ppt/slides/slide10.xml><?xml version="1.0" encoding="utf-8"?>
+<p:sld xmlns:a="http://schemas.openxmlformats.org/drawingml/2006/main" xmlns:r="http://schemas.openxmlformats.org/officeDocument/2006/relationships" xmlns:p="http://schemas.openxmlformats.org/presentationml/2006/main">
+  <p:cSld>
+    <p:spTree>
+      <p:nvGrpSpPr>
+        <p:cNvPr id="1" name=""/>
+        <p:cNvGrpSpPr/>
+        <p:nvPr/>
+      </p:nvGrpSpPr>
+      <p:grpSpPr>
+        <a:xfrm>
+          <a:off x="0" y="0"/>
+          <a:ext cx="0" cy="0"/>
+          <a:chOff x="0" y="0"/>
+          <a:chExt cx="0" cy="0"/>
+        </a:xfrm>
+      </p:grpSpPr>
+      <p:sp>
+        <p:nvSpPr>
+          <p:cNvPr id="2" name="Title 1"/>
+          <p:cNvSpPr>
+            <a:spLocks noGrp="1"/>
+          </p:cNvSpPr>
+          <p:nvPr>
+            <p:ph type="title"/>
+          </p:nvPr>
+        </p:nvSpPr>
+        <p:spPr>
+          <a:xfrm>
+            <a:off x="838200" y="1"/>
+            <a:ext cx="10515600" cy="1690688"/>
+          </a:xfrm>
+        </p:spPr>
+        <p:txBody>
+          <a:bodyPr/>
+          <a:lstStyle/>
+          <a:p>
+            <a:pPr algn="ctr"/>
+            <a:r>
+              <a:rPr lang="fr-FR" b="1" u="sng" dirty="0"/>
+              <a:t>Maquettes</a:t>
+            </a:r>
+            <a:br>
+              <a:rPr lang="fr-FR" b="1" u="sng" dirty="0"/>
+            </a:br>
+            <a:r>
+              <a:rPr lang="fr-FR" b="1" u="sng" dirty="0"/>
+              <a:t>Page d’Admin</a:t>
+            </a:r>
+          </a:p>
+        </p:txBody>
+      </p:sp>
+      <p:pic>
+        <p:nvPicPr>
+          <p:cNvPr id="4" name="Image 3">
+            <a:extLst>
+              <a:ext uri="{FF2B5EF4-FFF2-40B4-BE49-F238E27FC236}">
+                <a16:creationId xmlns:a16="http://schemas.microsoft.com/office/drawing/2014/main" id="{75629E11-3B6C-F947-ADB1-669BFA754988}"/>
+              </a:ext>
+            </a:extLst>
+          </p:cNvPr>
+          <p:cNvPicPr>
+            <a:picLocks noChangeAspect="1"/>
+          </p:cNvPicPr>
+          <p:nvPr/>
+        </p:nvPicPr>
+        <p:blipFill>
+          <a:blip r:embed="rId2">
+            <a:extLst>
+              <a:ext uri="{28A0092B-C50C-407E-A947-70E740481C1C}">
+                <a14:useLocalDpi xmlns:a14="http://schemas.microsoft.com/office/drawing/2010/main" val="0"/>
+              </a:ext>
+            </a:extLst>
+          </a:blip>
+          <a:stretch>
+            <a:fillRect/>
+          </a:stretch>
+        </p:blipFill>
+        <p:spPr>
+          <a:xfrm>
+            <a:off x="2100431" y="1794892"/>
+            <a:ext cx="7991137" cy="4624959"/>
+          </a:xfrm>
+          <a:prstGeom prst="rect">
+            <a:avLst/>
+          </a:prstGeom>
+        </p:spPr>
+      </p:pic>
+    </p:spTree>
+    <p:extLst>
+      <p:ext uri="{BB962C8B-B14F-4D97-AF65-F5344CB8AC3E}">
+        <p14:creationId xmlns:p14="http://schemas.microsoft.com/office/powerpoint/2010/main" val="602357329"/>
+      </p:ext>
+    </p:extLst>
+  </p:cSld>
+  <p:clrMapOvr>
+    <a:masterClrMapping/>
+  </p:clrMapOvr>
+</p:sld>
+</file>
+
+<file path=ppt/slides/slide11.xml><?xml version="1.0" encoding="utf-8"?>
+<p:sld xmlns:a="http://schemas.openxmlformats.org/drawingml/2006/main" xmlns:r="http://schemas.openxmlformats.org/officeDocument/2006/relationships" xmlns:p="http://schemas.openxmlformats.org/presentationml/2006/main">
+  <p:cSld>
+    <p:spTree>
+      <p:nvGrpSpPr>
+        <p:cNvPr id="1" name=""/>
+        <p:cNvGrpSpPr/>
+        <p:nvPr/>
+      </p:nvGrpSpPr>
+      <p:grpSpPr>
+        <a:xfrm>
+          <a:off x="0" y="0"/>
+          <a:ext cx="0" cy="0"/>
+          <a:chOff x="0" y="0"/>
+          <a:chExt cx="0" cy="0"/>
+        </a:xfrm>
+      </p:grpSpPr>
+      <p:sp>
+        <p:nvSpPr>
+          <p:cNvPr id="2" name="Title 1"/>
+          <p:cNvSpPr>
+            <a:spLocks noGrp="1"/>
+          </p:cNvSpPr>
+          <p:nvPr>
+            <p:ph type="title"/>
+          </p:nvPr>
+        </p:nvSpPr>
+        <p:spPr>
+          <a:xfrm>
+            <a:off x="838200" y="1"/>
+            <a:ext cx="10515600" cy="1690688"/>
+          </a:xfrm>
+        </p:spPr>
+        <p:txBody>
+          <a:bodyPr/>
+          <a:lstStyle/>
+          <a:p>
+            <a:pPr algn="ctr"/>
+            <a:r>
+              <a:rPr lang="fr-FR" b="1" u="sng" dirty="0"/>
+              <a:t>Maquettes</a:t>
+            </a:r>
+            <a:br>
+              <a:rPr lang="fr-FR" b="1" u="sng" dirty="0"/>
+            </a:br>
+            <a:r>
+              <a:rPr lang="fr-FR" b="1" u="sng" dirty="0"/>
+              <a:t>Page d’Admin File d’attente</a:t>
+            </a:r>
+          </a:p>
+        </p:txBody>
+      </p:sp>
+      <p:pic>
+        <p:nvPicPr>
+          <p:cNvPr id="5" name="Image 4">
+            <a:extLst>
+              <a:ext uri="{FF2B5EF4-FFF2-40B4-BE49-F238E27FC236}">
+                <a16:creationId xmlns:a16="http://schemas.microsoft.com/office/drawing/2014/main" id="{441624A3-4AA4-6849-9CEC-0A33F5D5F8CA}"/>
+              </a:ext>
+            </a:extLst>
+          </p:cNvPr>
+          <p:cNvPicPr>
+            <a:picLocks noChangeAspect="1"/>
+          </p:cNvPicPr>
+          <p:nvPr/>
+        </p:nvPicPr>
+        <p:blipFill>
+          <a:blip r:embed="rId2">
+            <a:extLst>
+              <a:ext uri="{28A0092B-C50C-407E-A947-70E740481C1C}">
+                <a14:useLocalDpi xmlns:a14="http://schemas.microsoft.com/office/drawing/2010/main" val="0"/>
+              </a:ext>
+            </a:extLst>
+          </a:blip>
+          <a:stretch>
+            <a:fillRect/>
+          </a:stretch>
+        </p:blipFill>
+        <p:spPr>
+          <a:xfrm>
+            <a:off x="2045687" y="1789889"/>
+            <a:ext cx="8100625" cy="4688327"/>
+          </a:xfrm>
+          <a:prstGeom prst="rect">
+            <a:avLst/>
+          </a:prstGeom>
+        </p:spPr>
+      </p:pic>
+    </p:spTree>
+    <p:extLst>
+      <p:ext uri="{BB962C8B-B14F-4D97-AF65-F5344CB8AC3E}">
+        <p14:creationId xmlns:p14="http://schemas.microsoft.com/office/powerpoint/2010/main" val="2410753698"/>
+      </p:ext>
+    </p:extLst>
+  </p:cSld>
+  <p:clrMapOvr>
+    <a:masterClrMapping/>
+  </p:clrMapOvr>
+</p:sld>
+</file>
+
+<file path=ppt/slides/slide12.xml><?xml version="1.0" encoding="utf-8"?>
+<p:sld xmlns:a="http://schemas.openxmlformats.org/drawingml/2006/main" xmlns:r="http://schemas.openxmlformats.org/officeDocument/2006/relationships" xmlns:p="http://schemas.openxmlformats.org/presentationml/2006/main">
+  <p:cSld>
+    <p:spTree>
+      <p:nvGrpSpPr>
+        <p:cNvPr id="1" name=""/>
+        <p:cNvGrpSpPr/>
+        <p:nvPr/>
+      </p:nvGrpSpPr>
+      <p:grpSpPr>
+        <a:xfrm>
+          <a:off x="0" y="0"/>
+          <a:ext cx="0" cy="0"/>
+          <a:chOff x="0" y="0"/>
+          <a:chExt cx="0" cy="0"/>
+        </a:xfrm>
+      </p:grpSpPr>
+      <p:sp>
+        <p:nvSpPr>
+          <p:cNvPr id="2" name="Title 1"/>
+          <p:cNvSpPr>
+            <a:spLocks noGrp="1"/>
+          </p:cNvSpPr>
+          <p:nvPr>
+            <p:ph type="title"/>
+          </p:nvPr>
+        </p:nvSpPr>
+        <p:spPr>
+          <a:xfrm>
+            <a:off x="838200" y="1"/>
+            <a:ext cx="10515600" cy="1690688"/>
+          </a:xfrm>
+        </p:spPr>
+        <p:txBody>
+          <a:bodyPr/>
+          <a:lstStyle/>
+          <a:p>
+            <a:pPr algn="ctr"/>
+            <a:r>
+              <a:rPr lang="fr-FR" b="1" u="sng" dirty="0"/>
+              <a:t>Maquettes</a:t>
+            </a:r>
+            <a:br>
+              <a:rPr lang="fr-FR" b="1" u="sng" dirty="0"/>
+            </a:br>
+            <a:r>
+              <a:rPr lang="fr-FR" b="1" u="sng" dirty="0"/>
+              <a:t>Page d’Admin Gestion inscriptions</a:t>
+            </a:r>
+          </a:p>
+        </p:txBody>
+      </p:sp>
+      <p:pic>
+        <p:nvPicPr>
+          <p:cNvPr id="4" name="Image 3">
+            <a:extLst>
+              <a:ext uri="{FF2B5EF4-FFF2-40B4-BE49-F238E27FC236}">
+                <a16:creationId xmlns:a16="http://schemas.microsoft.com/office/drawing/2014/main" id="{8F14906E-CEBB-1345-BEAE-9D6D535E122A}"/>
+              </a:ext>
+            </a:extLst>
+          </p:cNvPr>
+          <p:cNvPicPr>
+            <a:picLocks noChangeAspect="1"/>
+          </p:cNvPicPr>
+          <p:nvPr/>
+        </p:nvPicPr>
+        <p:blipFill>
+          <a:blip r:embed="rId2">
+            <a:extLst>
+              <a:ext uri="{28A0092B-C50C-407E-A947-70E740481C1C}">
+                <a14:useLocalDpi xmlns:a14="http://schemas.microsoft.com/office/drawing/2010/main" val="0"/>
+              </a:ext>
+            </a:extLst>
+          </a:blip>
+          <a:stretch>
+            <a:fillRect/>
+          </a:stretch>
+        </p:blipFill>
+        <p:spPr>
+          <a:xfrm>
+            <a:off x="2022610" y="1772904"/>
+            <a:ext cx="8146780" cy="4715039"/>
+          </a:xfrm>
+          <a:prstGeom prst="rect">
+            <a:avLst/>
+          </a:prstGeom>
+        </p:spPr>
+      </p:pic>
+    </p:spTree>
+    <p:extLst>
+      <p:ext uri="{BB962C8B-B14F-4D97-AF65-F5344CB8AC3E}">
+        <p14:creationId xmlns:p14="http://schemas.microsoft.com/office/powerpoint/2010/main" val="1033072285"/>
+      </p:ext>
+    </p:extLst>
+  </p:cSld>
+  <p:clrMapOvr>
+    <a:masterClrMapping/>
+  </p:clrMapOvr>
+</p:sld>
+</file>
+
+<file path=ppt/slides/slide13.xml><?xml version="1.0" encoding="utf-8"?>
+<p:sld xmlns:a="http://schemas.openxmlformats.org/drawingml/2006/main" xmlns:r="http://schemas.openxmlformats.org/officeDocument/2006/relationships" xmlns:p="http://schemas.openxmlformats.org/presentationml/2006/main">
+  <p:cSld>
+    <p:spTree>
+      <p:nvGrpSpPr>
+        <p:cNvPr id="1" name=""/>
+        <p:cNvGrpSpPr/>
+        <p:nvPr/>
+      </p:nvGrpSpPr>
+      <p:grpSpPr>
+        <a:xfrm>
+          <a:off x="0" y="0"/>
+          <a:ext cx="0" cy="0"/>
+          <a:chOff x="0" y="0"/>
+          <a:chExt cx="0" cy="0"/>
+        </a:xfrm>
+      </p:grpSpPr>
+      <p:sp>
+        <p:nvSpPr>
+          <p:cNvPr id="2" name="Title 1"/>
+          <p:cNvSpPr>
+            <a:spLocks noGrp="1"/>
+          </p:cNvSpPr>
+          <p:nvPr>
+            <p:ph type="title"/>
+          </p:nvPr>
+        </p:nvSpPr>
+        <p:spPr>
+          <a:xfrm>
+            <a:off x="838200" y="1"/>
+            <a:ext cx="10515600" cy="1690688"/>
+          </a:xfrm>
+        </p:spPr>
+        <p:txBody>
+          <a:bodyPr/>
+          <a:lstStyle/>
+          <a:p>
+            <a:pPr algn="ctr"/>
+            <a:r>
+              <a:rPr lang="fr-FR" b="1" u="sng" dirty="0"/>
+              <a:t>Maquettes</a:t>
+            </a:r>
+            <a:br>
+              <a:rPr lang="fr-FR" b="1" u="sng" dirty="0"/>
+            </a:br>
+            <a:r>
+              <a:rPr lang="fr-FR" b="1" u="sng" dirty="0"/>
+              <a:t>Page utilisateur</a:t>
+            </a:r>
+          </a:p>
+        </p:txBody>
+      </p:sp>
+      <p:pic>
+        <p:nvPicPr>
+          <p:cNvPr id="5" name="Image 4">
+            <a:extLst>
+              <a:ext uri="{FF2B5EF4-FFF2-40B4-BE49-F238E27FC236}">
+                <a16:creationId xmlns:a16="http://schemas.microsoft.com/office/drawing/2014/main" id="{CAC85C68-24A4-FA41-9B14-58BD5D75534F}"/>
+              </a:ext>
+            </a:extLst>
+          </p:cNvPr>
+          <p:cNvPicPr>
+            <a:picLocks noChangeAspect="1"/>
+          </p:cNvPicPr>
+          <p:nvPr/>
+        </p:nvPicPr>
+        <p:blipFill>
+          <a:blip r:embed="rId2">
+            <a:extLst>
+              <a:ext uri="{28A0092B-C50C-407E-A947-70E740481C1C}">
+                <a14:useLocalDpi xmlns:a14="http://schemas.microsoft.com/office/drawing/2010/main" val="0"/>
+              </a:ext>
+            </a:extLst>
+          </a:blip>
+          <a:stretch>
+            <a:fillRect/>
+          </a:stretch>
+        </p:blipFill>
+        <p:spPr>
+          <a:xfrm>
+            <a:off x="2022610" y="1811814"/>
+            <a:ext cx="8146780" cy="4715039"/>
+          </a:xfrm>
+          <a:prstGeom prst="rect">
+            <a:avLst/>
+          </a:prstGeom>
+        </p:spPr>
+      </p:pic>
+    </p:spTree>
+    <p:extLst>
+      <p:ext uri="{BB962C8B-B14F-4D97-AF65-F5344CB8AC3E}">
+        <p14:creationId xmlns:p14="http://schemas.microsoft.com/office/powerpoint/2010/main" val="3311753097"/>
+      </p:ext>
+    </p:extLst>
+  </p:cSld>
+  <p:clrMapOvr>
+    <a:masterClrMapping/>
+  </p:clrMapOvr>
+</p:sld>
+</file>
+
+<file path=ppt/slides/slide14.xml><?xml version="1.0" encoding="utf-8"?>
+<p:sld xmlns:a="http://schemas.openxmlformats.org/drawingml/2006/main" xmlns:r="http://schemas.openxmlformats.org/officeDocument/2006/relationships" xmlns:p="http://schemas.openxmlformats.org/presentationml/2006/main">
+  <p:cSld>
+    <p:spTree>
+      <p:nvGrpSpPr>
+        <p:cNvPr id="1" name=""/>
+        <p:cNvGrpSpPr/>
+        <p:nvPr/>
+      </p:nvGrpSpPr>
+      <p:grpSpPr>
+        <a:xfrm>
+          <a:off x="0" y="0"/>
+          <a:ext cx="0" cy="0"/>
+          <a:chOff x="0" y="0"/>
+          <a:chExt cx="0" cy="0"/>
+        </a:xfrm>
+      </p:grpSpPr>
+      <p:sp>
+        <p:nvSpPr>
+          <p:cNvPr id="2" name="Title 1"/>
+          <p:cNvSpPr>
+            <a:spLocks noGrp="1"/>
+          </p:cNvSpPr>
+          <p:nvPr>
+            <p:ph type="title"/>
+          </p:nvPr>
+        </p:nvSpPr>
+        <p:spPr>
+          <a:xfrm>
+            <a:off x="838200" y="1"/>
+            <a:ext cx="10515600" cy="1690688"/>
+          </a:xfrm>
+        </p:spPr>
+        <p:txBody>
+          <a:bodyPr/>
+          <a:lstStyle/>
+          <a:p>
+            <a:pPr algn="ctr"/>
+            <a:r>
+              <a:rPr lang="fr-FR" b="1" u="sng" dirty="0"/>
+              <a:t>Maquettes</a:t>
+            </a:r>
+            <a:br>
+              <a:rPr lang="fr-FR" b="1" u="sng" dirty="0"/>
+            </a:br>
+            <a:r>
+              <a:rPr lang="fr-FR" b="1" u="sng" dirty="0"/>
+              <a:t>Page utilisateur réserver une place</a:t>
+            </a:r>
+          </a:p>
+        </p:txBody>
+      </p:sp>
+      <p:pic>
+        <p:nvPicPr>
+          <p:cNvPr id="4" name="Image 3">
+            <a:extLst>
+              <a:ext uri="{FF2B5EF4-FFF2-40B4-BE49-F238E27FC236}">
+                <a16:creationId xmlns:a16="http://schemas.microsoft.com/office/drawing/2014/main" id="{0519FE87-8275-914D-8292-B0B6C28E8BE7}"/>
+              </a:ext>
+            </a:extLst>
+          </p:cNvPr>
+          <p:cNvPicPr>
+            <a:picLocks noChangeAspect="1"/>
+          </p:cNvPicPr>
+          <p:nvPr/>
+        </p:nvPicPr>
+        <p:blipFill>
+          <a:blip r:embed="rId2">
+            <a:extLst>
+              <a:ext uri="{28A0092B-C50C-407E-A947-70E740481C1C}">
+                <a14:useLocalDpi xmlns:a14="http://schemas.microsoft.com/office/drawing/2010/main" val="0"/>
+              </a:ext>
+            </a:extLst>
+          </a:blip>
+          <a:stretch>
+            <a:fillRect/>
+          </a:stretch>
+        </p:blipFill>
+        <p:spPr>
+          <a:xfrm>
+            <a:off x="1886423" y="1690689"/>
+            <a:ext cx="8419154" cy="4872679"/>
+          </a:xfrm>
+          <a:prstGeom prst="rect">
+            <a:avLst/>
+          </a:prstGeom>
+        </p:spPr>
+      </p:pic>
+    </p:spTree>
+    <p:extLst>
+      <p:ext uri="{BB962C8B-B14F-4D97-AF65-F5344CB8AC3E}">
+        <p14:creationId xmlns:p14="http://schemas.microsoft.com/office/powerpoint/2010/main" val="1679415686"/>
+      </p:ext>
+    </p:extLst>
+  </p:cSld>
+  <p:clrMapOvr>
+    <a:masterClrMapping/>
+  </p:clrMapOvr>
+</p:sld>
+</file>
+
+<file path=ppt/slides/slide15.xml><?xml version="1.0" encoding="utf-8"?>
+<p:sld xmlns:a="http://schemas.openxmlformats.org/drawingml/2006/main" xmlns:r="http://schemas.openxmlformats.org/officeDocument/2006/relationships" xmlns:p="http://schemas.openxmlformats.org/presentationml/2006/main">
+  <p:cSld>
+    <p:spTree>
+      <p:nvGrpSpPr>
+        <p:cNvPr id="1" name=""/>
+        <p:cNvGrpSpPr/>
+        <p:nvPr/>
+      </p:nvGrpSpPr>
+      <p:grpSpPr>
+        <a:xfrm>
+          <a:off x="0" y="0"/>
+          <a:ext cx="0" cy="0"/>
+          <a:chOff x="0" y="0"/>
+          <a:chExt cx="0" cy="0"/>
+        </a:xfrm>
+      </p:grpSpPr>
+      <p:sp>
+        <p:nvSpPr>
+          <p:cNvPr id="2" name="Title 1"/>
+          <p:cNvSpPr>
+            <a:spLocks noGrp="1"/>
+          </p:cNvSpPr>
+          <p:nvPr>
+            <p:ph type="title"/>
+          </p:nvPr>
+        </p:nvSpPr>
+        <p:spPr>
+          <a:xfrm>
+            <a:off x="838200" y="1"/>
+            <a:ext cx="10515600" cy="1690688"/>
+          </a:xfrm>
+        </p:spPr>
+        <p:txBody>
+          <a:bodyPr/>
+          <a:lstStyle/>
+          <a:p>
+            <a:pPr algn="ctr"/>
+            <a:r>
+              <a:rPr lang="fr-FR" b="1" u="sng" dirty="0"/>
+              <a:t>Maquettes</a:t>
+            </a:r>
+            <a:br>
+              <a:rPr lang="fr-FR" b="1" u="sng" dirty="0"/>
+            </a:br>
+            <a:r>
+              <a:rPr lang="fr-FR" b="1" u="sng" dirty="0"/>
+              <a:t>Page utilisateur édition du compte</a:t>
+            </a:r>
+          </a:p>
+        </p:txBody>
+      </p:sp>
+      <p:pic>
+        <p:nvPicPr>
+          <p:cNvPr id="5" name="Image 4">
+            <a:extLst>
+              <a:ext uri="{FF2B5EF4-FFF2-40B4-BE49-F238E27FC236}">
+                <a16:creationId xmlns:a16="http://schemas.microsoft.com/office/drawing/2014/main" id="{CFEFD8DD-D99B-E042-ADED-C34B0CD7E9AF}"/>
+              </a:ext>
+            </a:extLst>
+          </p:cNvPr>
+          <p:cNvPicPr>
+            <a:picLocks noChangeAspect="1"/>
+          </p:cNvPicPr>
+          <p:nvPr/>
+        </p:nvPicPr>
+        <p:blipFill>
+          <a:blip r:embed="rId2">
+            <a:extLst>
+              <a:ext uri="{28A0092B-C50C-407E-A947-70E740481C1C}">
+                <a14:useLocalDpi xmlns:a14="http://schemas.microsoft.com/office/drawing/2010/main" val="0"/>
+              </a:ext>
+            </a:extLst>
+          </a:blip>
+          <a:stretch>
+            <a:fillRect/>
+          </a:stretch>
+        </p:blipFill>
+        <p:spPr>
+          <a:xfrm>
+            <a:off x="1915606" y="1765777"/>
+            <a:ext cx="8360788" cy="4838899"/>
+          </a:xfrm>
+          <a:prstGeom prst="rect">
+            <a:avLst/>
+          </a:prstGeom>
+        </p:spPr>
+      </p:pic>
+    </p:spTree>
+    <p:extLst>
+      <p:ext uri="{BB962C8B-B14F-4D97-AF65-F5344CB8AC3E}">
+        <p14:creationId xmlns:p14="http://schemas.microsoft.com/office/powerpoint/2010/main" val="894271305"/>
+      </p:ext>
+    </p:extLst>
+  </p:cSld>
+  <p:clrMapOvr>
+    <a:masterClrMapping/>
+  </p:clrMapOvr>
+</p:sld>
+</file>
+
+<file path=ppt/slides/slide16.xml><?xml version="1.0" encoding="utf-8"?>
+<p:sld xmlns:a="http://schemas.openxmlformats.org/drawingml/2006/main" xmlns:r="http://schemas.openxmlformats.org/officeDocument/2006/relationships" xmlns:p="http://schemas.openxmlformats.org/presentationml/2006/main">
+  <p:cSld>
+    <p:spTree>
+      <p:nvGrpSpPr>
+        <p:cNvPr id="1" name=""/>
+        <p:cNvGrpSpPr/>
+        <p:nvPr/>
+      </p:nvGrpSpPr>
+      <p:grpSpPr>
+        <a:xfrm>
+          <a:off x="0" y="0"/>
+          <a:ext cx="0" cy="0"/>
+          <a:chOff x="0" y="0"/>
+          <a:chExt cx="0" cy="0"/>
+        </a:xfrm>
+      </p:grpSpPr>
+      <p:sp>
+        <p:nvSpPr>
+          <p:cNvPr id="2" name="Title 1"/>
+          <p:cNvSpPr>
+            <a:spLocks noGrp="1"/>
+          </p:cNvSpPr>
+          <p:nvPr>
+            <p:ph type="title"/>
+          </p:nvPr>
+        </p:nvSpPr>
+        <p:spPr/>
+        <p:txBody>
+          <a:bodyPr/>
+          <a:lstStyle/>
+          <a:p>
+            <a:r>
+              <a:rPr lang="fr-FR" b="1" u="sng" dirty="0"/>
+              <a:t>Base de données</a:t>
+            </a:r>
+          </a:p>
+        </p:txBody>
+      </p:sp>
+      <p:sp>
+        <p:nvSpPr>
+          <p:cNvPr id="6" name="TextBox 5"/>
+          <p:cNvSpPr txBox="1"/>
+          <p:nvPr/>
+        </p:nvSpPr>
+        <p:spPr>
+          <a:xfrm>
+            <a:off x="656408" y="1696267"/>
+            <a:ext cx="10879183" cy="954107"/>
+          </a:xfrm>
+          <a:prstGeom prst="rect">
+            <a:avLst/>
+          </a:prstGeom>
+          <a:noFill/>
+        </p:spPr>
+        <p:txBody>
+          <a:bodyPr wrap="square" rtlCol="0">
+            <a:spAutoFit/>
+          </a:bodyPr>
+          <a:lstStyle/>
+          <a:p>
+            <a:r>
+              <a:rPr lang="fr-FR" sz="2800" dirty="0"/>
+              <a:t>Cette table est la table </a:t>
+            </a:r>
+            <a:r>
+              <a:rPr lang="fr-FR" sz="2800" u="sng" dirty="0"/>
+              <a:t>USERS</a:t>
+            </a:r>
+          </a:p>
+          <a:p>
+            <a:r>
+              <a:rPr lang="fr-FR" sz="2800" dirty="0"/>
+              <a:t>Les données intéressantes sont : niveau et </a:t>
+            </a:r>
+            <a:r>
+              <a:rPr lang="fr-FR" sz="2800" dirty="0" err="1"/>
+              <a:t>etat_u</a:t>
+            </a:r>
+            <a:endParaRPr lang="fr-FR" sz="2800" dirty="0"/>
+          </a:p>
+        </p:txBody>
+      </p:sp>
+      <p:pic>
+        <p:nvPicPr>
+          <p:cNvPr id="7" name="Picture 6"/>
+          <p:cNvPicPr>
+            <a:picLocks noChangeAspect="1"/>
+          </p:cNvPicPr>
+          <p:nvPr/>
+        </p:nvPicPr>
+        <p:blipFill>
+          <a:blip r:embed="rId2">
+            <a:extLst>
+              <a:ext uri="{28A0092B-C50C-407E-A947-70E740481C1C}">
+                <a14:useLocalDpi xmlns:a14="http://schemas.microsoft.com/office/drawing/2010/main" val="0"/>
+              </a:ext>
+            </a:extLst>
+          </a:blip>
+          <a:stretch>
+            <a:fillRect/>
+          </a:stretch>
+        </p:blipFill>
+        <p:spPr>
+          <a:xfrm>
+            <a:off x="704154" y="3279270"/>
+            <a:ext cx="10831437" cy="2676899"/>
+          </a:xfrm>
+          <a:prstGeom prst="rect">
+            <a:avLst/>
+          </a:prstGeom>
+        </p:spPr>
+      </p:pic>
+    </p:spTree>
+    <p:extLst>
+      <p:ext uri="{BB962C8B-B14F-4D97-AF65-F5344CB8AC3E}">
+        <p14:creationId xmlns:p14="http://schemas.microsoft.com/office/powerpoint/2010/main" val="2711736948"/>
+      </p:ext>
+    </p:extLst>
+  </p:cSld>
+  <p:clrMapOvr>
+    <a:masterClrMapping/>
+  </p:clrMapOvr>
+</p:sld>
+</file>
+
+<file path=ppt/slides/slide17.xml><?xml version="1.0" encoding="utf-8"?>
+<p:sld xmlns:a="http://schemas.openxmlformats.org/drawingml/2006/main" xmlns:r="http://schemas.openxmlformats.org/officeDocument/2006/relationships" xmlns:p="http://schemas.openxmlformats.org/presentationml/2006/main">
+  <p:cSld>
+    <p:spTree>
+      <p:nvGrpSpPr>
+        <p:cNvPr id="1" name=""/>
+        <p:cNvGrpSpPr/>
+        <p:nvPr/>
+      </p:nvGrpSpPr>
+      <p:grpSpPr>
+        <a:xfrm>
+          <a:off x="0" y="0"/>
+          <a:ext cx="0" cy="0"/>
+          <a:chOff x="0" y="0"/>
+          <a:chExt cx="0" cy="0"/>
+        </a:xfrm>
+      </p:grpSpPr>
+      <p:sp>
+        <p:nvSpPr>
+          <p:cNvPr id="2" name="Title 1"/>
+          <p:cNvSpPr>
+            <a:spLocks noGrp="1"/>
+          </p:cNvSpPr>
+          <p:nvPr>
+            <p:ph type="title"/>
+          </p:nvPr>
+        </p:nvSpPr>
+        <p:spPr/>
+        <p:txBody>
+          <a:bodyPr/>
+          <a:lstStyle/>
+          <a:p>
+            <a:r>
+              <a:rPr lang="fr-FR" b="1" u="sng" dirty="0"/>
+              <a:t>Base de données</a:t>
+            </a:r>
+          </a:p>
+        </p:txBody>
+      </p:sp>
+      <p:pic>
+        <p:nvPicPr>
+          <p:cNvPr id="3" name="Picture 2"/>
+          <p:cNvPicPr>
+            <a:picLocks noChangeAspect="1"/>
+          </p:cNvPicPr>
+          <p:nvPr/>
+        </p:nvPicPr>
+        <p:blipFill>
+          <a:blip r:embed="rId2">
+            <a:extLst>
+              <a:ext uri="{28A0092B-C50C-407E-A947-70E740481C1C}">
+                <a14:useLocalDpi xmlns:a14="http://schemas.microsoft.com/office/drawing/2010/main" val="0"/>
+              </a:ext>
+            </a:extLst>
+          </a:blip>
+          <a:stretch>
+            <a:fillRect/>
+          </a:stretch>
+        </p:blipFill>
+        <p:spPr>
+          <a:xfrm>
+            <a:off x="656408" y="3120701"/>
+            <a:ext cx="10869542" cy="1400370"/>
+          </a:xfrm>
+          <a:prstGeom prst="rect">
+            <a:avLst/>
+          </a:prstGeom>
+        </p:spPr>
+      </p:pic>
+      <p:sp>
+        <p:nvSpPr>
+          <p:cNvPr id="7" name="TextBox 6"/>
+          <p:cNvSpPr txBox="1"/>
+          <p:nvPr/>
+        </p:nvSpPr>
+        <p:spPr>
+          <a:xfrm>
+            <a:off x="656408" y="1696267"/>
+            <a:ext cx="10879183" cy="954107"/>
+          </a:xfrm>
+          <a:prstGeom prst="rect">
+            <a:avLst/>
+          </a:prstGeom>
+          <a:noFill/>
+        </p:spPr>
+        <p:txBody>
+          <a:bodyPr wrap="square" rtlCol="0">
+            <a:spAutoFit/>
+          </a:bodyPr>
+          <a:lstStyle/>
+          <a:p>
+            <a:r>
+              <a:rPr lang="fr-FR" sz="2800" dirty="0"/>
+              <a:t>Cette table est la table </a:t>
+            </a:r>
+            <a:r>
+              <a:rPr lang="fr-FR" sz="2800" u="sng" dirty="0"/>
+              <a:t>PLACE</a:t>
+            </a:r>
+            <a:r>
+              <a:rPr lang="fr-FR" sz="2800" dirty="0"/>
+              <a:t> </a:t>
+            </a:r>
+          </a:p>
+          <a:p>
+            <a:r>
+              <a:rPr lang="fr-FR" sz="2800" dirty="0"/>
+              <a:t>Les données intéressantes sont : </a:t>
+            </a:r>
+            <a:r>
+              <a:rPr lang="fr-FR" sz="2800" dirty="0" err="1"/>
+              <a:t>etat_p</a:t>
+            </a:r>
+            <a:r>
+              <a:rPr lang="fr-FR" sz="2800" dirty="0"/>
+              <a:t> </a:t>
+            </a:r>
+          </a:p>
+        </p:txBody>
+      </p:sp>
+    </p:spTree>
+    <p:extLst>
+      <p:ext uri="{BB962C8B-B14F-4D97-AF65-F5344CB8AC3E}">
+        <p14:creationId xmlns:p14="http://schemas.microsoft.com/office/powerpoint/2010/main" val="588575412"/>
+      </p:ext>
+    </p:extLst>
+  </p:cSld>
+  <p:clrMapOvr>
+    <a:masterClrMapping/>
+  </p:clrMapOvr>
+</p:sld>
+</file>
+
+<file path=ppt/slides/slide18.xml><?xml version="1.0" encoding="utf-8"?>
+<p:sld xmlns:a="http://schemas.openxmlformats.org/drawingml/2006/main" xmlns:r="http://schemas.openxmlformats.org/officeDocument/2006/relationships" xmlns:p="http://schemas.openxmlformats.org/presentationml/2006/main">
+  <p:cSld>
+    <p:spTree>
+      <p:nvGrpSpPr>
+        <p:cNvPr id="1" name=""/>
+        <p:cNvGrpSpPr/>
+        <p:nvPr/>
+      </p:nvGrpSpPr>
+      <p:grpSpPr>
+        <a:xfrm>
+          <a:off x="0" y="0"/>
+          <a:ext cx="0" cy="0"/>
+          <a:chOff x="0" y="0"/>
+          <a:chExt cx="0" cy="0"/>
+        </a:xfrm>
+      </p:grpSpPr>
+      <p:sp>
+        <p:nvSpPr>
+          <p:cNvPr id="2" name="Title 1"/>
+          <p:cNvSpPr>
+            <a:spLocks noGrp="1"/>
+          </p:cNvSpPr>
+          <p:nvPr>
+            <p:ph type="title"/>
+          </p:nvPr>
+        </p:nvSpPr>
+        <p:spPr/>
+        <p:txBody>
+          <a:bodyPr/>
+          <a:lstStyle/>
+          <a:p>
+            <a:r>
+              <a:rPr lang="fr-FR" b="1" u="sng" dirty="0"/>
+              <a:t>Base de données</a:t>
+            </a:r>
+          </a:p>
+        </p:txBody>
+      </p:sp>
+      <p:sp>
+        <p:nvSpPr>
+          <p:cNvPr id="6" name="TextBox 5"/>
+          <p:cNvSpPr txBox="1"/>
+          <p:nvPr/>
+        </p:nvSpPr>
+        <p:spPr>
+          <a:xfrm>
+            <a:off x="656408" y="1696267"/>
+            <a:ext cx="10879183" cy="1815882"/>
+          </a:xfrm>
+          <a:prstGeom prst="rect">
+            <a:avLst/>
+          </a:prstGeom>
+          <a:noFill/>
+        </p:spPr>
+        <p:txBody>
+          <a:bodyPr wrap="square" rtlCol="0">
+            <a:spAutoFit/>
+          </a:bodyPr>
+          <a:lstStyle/>
+          <a:p>
+            <a:r>
+              <a:rPr lang="fr-FR" sz="2800" dirty="0"/>
+              <a:t>Cette table est la table RESERVATION</a:t>
+            </a:r>
+          </a:p>
+          <a:p>
+            <a:r>
+              <a:rPr lang="fr-FR" sz="2800" dirty="0"/>
+              <a:t>Les données intéressantes sont : </a:t>
+            </a:r>
+            <a:r>
+              <a:rPr lang="fr-FR" sz="2800" dirty="0" err="1"/>
+              <a:t>date_resa</a:t>
+            </a:r>
+            <a:r>
+              <a:rPr lang="fr-FR" sz="2800" dirty="0"/>
+              <a:t> ; </a:t>
+            </a:r>
+            <a:r>
+              <a:rPr lang="fr-FR" sz="2800" dirty="0" err="1"/>
+              <a:t>date_debut</a:t>
+            </a:r>
+            <a:r>
+              <a:rPr lang="fr-FR" sz="2800" dirty="0"/>
+              <a:t> et </a:t>
+            </a:r>
+            <a:r>
+              <a:rPr lang="fr-FR" sz="2800" dirty="0" err="1"/>
+              <a:t>date_fin</a:t>
+            </a:r>
+            <a:endParaRPr lang="fr-FR" sz="2800" dirty="0"/>
+          </a:p>
+          <a:p>
+            <a:endParaRPr lang="fr-FR" sz="2800" dirty="0"/>
+          </a:p>
+          <a:p>
+            <a:r>
+              <a:rPr lang="fr-FR" sz="2800" dirty="0"/>
+              <a:t>On remarque les clés étrangères : </a:t>
+            </a:r>
+            <a:r>
+              <a:rPr lang="fr-FR" sz="2800" dirty="0" err="1"/>
+              <a:t>id_u</a:t>
+            </a:r>
+            <a:r>
+              <a:rPr lang="fr-FR" sz="2800" dirty="0"/>
+              <a:t> et </a:t>
+            </a:r>
+            <a:r>
+              <a:rPr lang="fr-FR" sz="2800" dirty="0" err="1"/>
+              <a:t>id_p</a:t>
+            </a:r>
+            <a:endParaRPr lang="fr-FR" sz="2800" dirty="0"/>
+          </a:p>
+        </p:txBody>
+      </p:sp>
+      <p:pic>
+        <p:nvPicPr>
+          <p:cNvPr id="3" name="Picture 2"/>
+          <p:cNvPicPr>
+            <a:picLocks noChangeAspect="1"/>
+          </p:cNvPicPr>
+          <p:nvPr/>
+        </p:nvPicPr>
+        <p:blipFill>
+          <a:blip r:embed="rId2">
+            <a:extLst>
+              <a:ext uri="{28A0092B-C50C-407E-A947-70E740481C1C}">
+                <a14:useLocalDpi xmlns:a14="http://schemas.microsoft.com/office/drawing/2010/main" val="0"/>
+              </a:ext>
+            </a:extLst>
+          </a:blip>
+          <a:stretch>
+            <a:fillRect/>
+          </a:stretch>
+        </p:blipFill>
+        <p:spPr>
+          <a:xfrm>
+            <a:off x="708859" y="3920703"/>
+            <a:ext cx="10774279" cy="2333951"/>
+          </a:xfrm>
+          <a:prstGeom prst="rect">
+            <a:avLst/>
+          </a:prstGeom>
+        </p:spPr>
+      </p:pic>
+    </p:spTree>
+    <p:extLst>
+      <p:ext uri="{BB962C8B-B14F-4D97-AF65-F5344CB8AC3E}">
+        <p14:creationId xmlns:p14="http://schemas.microsoft.com/office/powerpoint/2010/main" val="3966277554"/>
+      </p:ext>
+    </p:extLst>
+  </p:cSld>
+  <p:clrMapOvr>
+    <a:masterClrMapping/>
+  </p:clrMapOvr>
+</p:sld>
+</file>
+
+<file path=ppt/slides/slide2.xml><?xml version="1.0" encoding="utf-8"?>
+<p:sld xmlns:a="http://schemas.openxmlformats.org/drawingml/2006/main" xmlns:r="http://schemas.openxmlformats.org/officeDocument/2006/relationships" xmlns:p="http://schemas.openxmlformats.org/presentationml/2006/main">
+  <p:cSld>
+    <p:spTree>
+      <p:nvGrpSpPr>
+        <p:cNvPr id="1" name=""/>
+        <p:cNvGrpSpPr/>
+        <p:nvPr/>
+      </p:nvGrpSpPr>
+      <p:grpSpPr>
+        <a:xfrm>
+          <a:off x="0" y="0"/>
+          <a:ext cx="0" cy="0"/>
+          <a:chOff x="0" y="0"/>
+          <a:chExt cx="0" cy="0"/>
+        </a:xfrm>
+      </p:grpSpPr>
+      <p:sp>
+        <p:nvSpPr>
+          <p:cNvPr id="5" name="Title 4"/>
+          <p:cNvSpPr>
+            <a:spLocks noGrp="1"/>
+          </p:cNvSpPr>
+          <p:nvPr>
+            <p:ph type="title"/>
+          </p:nvPr>
+        </p:nvSpPr>
+        <p:spPr/>
+        <p:txBody>
+          <a:bodyPr/>
+          <a:lstStyle/>
+          <a:p>
+            <a:r>
+              <a:rPr lang="fr-FR" b="1" u="sng" dirty="0"/>
+              <a:t>Technologies utilisées</a:t>
+            </a:r>
+          </a:p>
+        </p:txBody>
+      </p:sp>
+      <p:sp>
+        <p:nvSpPr>
+          <p:cNvPr id="6" name="Content Placeholder 5"/>
+          <p:cNvSpPr>
+            <a:spLocks noGrp="1"/>
+          </p:cNvSpPr>
+          <p:nvPr>
+            <p:ph idx="1"/>
+          </p:nvPr>
+        </p:nvSpPr>
+        <p:spPr/>
+        <p:txBody>
+          <a:bodyPr>
+            <a:noAutofit/>
+          </a:bodyPr>
+          <a:lstStyle/>
+          <a:p>
+            <a:r>
+              <a:rPr lang="fr-FR" sz="3200" dirty="0"/>
+              <a:t>Pour le MCD graphique: MOCODO</a:t>
+            </a:r>
+          </a:p>
+          <a:p>
+            <a:r>
+              <a:rPr lang="fr-FR" sz="3200" dirty="0"/>
+              <a:t>Pour la maquette du site: </a:t>
+            </a:r>
+            <a:r>
+              <a:rPr lang="fr-FR" sz="3200" dirty="0" err="1"/>
+              <a:t>Balsamiq</a:t>
+            </a:r>
+            <a:endParaRPr lang="fr-FR" sz="3200" dirty="0"/>
+          </a:p>
+          <a:p>
+            <a:r>
+              <a:rPr lang="fr-FR" sz="3200" dirty="0"/>
+              <a:t>Pour la base de donnée: MySQL</a:t>
+            </a:r>
+          </a:p>
+          <a:p>
+            <a:r>
+              <a:rPr lang="fr-FR" sz="3200" dirty="0"/>
+              <a:t>Pour le Back-end: PHP</a:t>
+            </a:r>
+          </a:p>
+          <a:p>
+            <a:r>
+              <a:rPr lang="fr-FR" sz="3200" dirty="0"/>
+              <a:t>Pour le Front-End: HTML5, CSS3, JavaScript, SCSS, </a:t>
+            </a:r>
+            <a:r>
+              <a:rPr lang="fr-FR" sz="3200" dirty="0" err="1"/>
+              <a:t>Bootstrap</a:t>
+            </a:r>
+            <a:endParaRPr lang="fr-FR" sz="3200" dirty="0"/>
+          </a:p>
+          <a:p>
+            <a:r>
+              <a:rPr lang="fr-FR" sz="3200" dirty="0"/>
+              <a:t>Logiciel de présentation: Microsoft POWERPOINT</a:t>
+            </a:r>
+          </a:p>
+          <a:p>
+            <a:r>
+              <a:rPr lang="fr-FR" sz="3200" dirty="0"/>
+              <a:t>Outils de collaborations: </a:t>
+            </a:r>
+            <a:r>
+              <a:rPr lang="fr-FR" sz="3200" dirty="0" err="1"/>
+              <a:t>Github</a:t>
+            </a:r>
+            <a:r>
+              <a:rPr lang="fr-FR" sz="3200" dirty="0"/>
+              <a:t>, </a:t>
+            </a:r>
+            <a:r>
+              <a:rPr lang="fr-FR" sz="3200" dirty="0" err="1"/>
+              <a:t>Trello</a:t>
+            </a:r>
+            <a:endParaRPr lang="fr-FR" sz="3200" dirty="0"/>
+          </a:p>
+        </p:txBody>
+      </p:sp>
+    </p:spTree>
+    <p:extLst>
+      <p:ext uri="{BB962C8B-B14F-4D97-AF65-F5344CB8AC3E}">
+        <p14:creationId xmlns:p14="http://schemas.microsoft.com/office/powerpoint/2010/main" val="2994174124"/>
+      </p:ext>
+    </p:extLst>
+  </p:cSld>
+  <p:clrMapOvr>
+    <a:masterClrMapping/>
+  </p:clrMapOvr>
+</p:sld>
+</file>
+
+<file path=ppt/slides/slide3.xml><?xml version="1.0" encoding="utf-8"?>
+<p:sld xmlns:a="http://schemas.openxmlformats.org/drawingml/2006/main" xmlns:r="http://schemas.openxmlformats.org/officeDocument/2006/relationships" xmlns:p="http://schemas.openxmlformats.org/presentationml/2006/main">
+  <p:cSld>
+    <p:spTree>
+      <p:nvGrpSpPr>
+        <p:cNvPr id="1" name=""/>
+        <p:cNvGrpSpPr/>
+        <p:nvPr/>
+      </p:nvGrpSpPr>
+      <p:grpSpPr>
+        <a:xfrm>
+          <a:off x="0" y="0"/>
+          <a:ext cx="0" cy="0"/>
+          <a:chOff x="0" y="0"/>
+          <a:chExt cx="0" cy="0"/>
+        </a:xfrm>
+      </p:grpSpPr>
+      <p:sp>
+        <p:nvSpPr>
+          <p:cNvPr id="2" name="Title 1"/>
+          <p:cNvSpPr>
+            <a:spLocks noGrp="1"/>
+          </p:cNvSpPr>
+          <p:nvPr>
+            <p:ph type="title"/>
+          </p:nvPr>
+        </p:nvSpPr>
+        <p:spPr/>
+        <p:txBody>
+          <a:bodyPr/>
+          <a:lstStyle/>
+          <a:p>
+            <a:r>
+              <a:rPr lang="fr-FR" b="1" u="sng" dirty="0"/>
+              <a:t>Tâches pré-production</a:t>
+            </a:r>
+          </a:p>
+        </p:txBody>
+      </p:sp>
+      <p:sp>
+        <p:nvSpPr>
+          <p:cNvPr id="3" name="Content Placeholder 2"/>
+          <p:cNvSpPr>
+            <a:spLocks noGrp="1"/>
+          </p:cNvSpPr>
+          <p:nvPr>
+            <p:ph idx="1"/>
+          </p:nvPr>
+        </p:nvSpPr>
+        <p:spPr/>
+        <p:txBody>
+          <a:bodyPr/>
+          <a:lstStyle/>
+          <a:p>
+            <a:r>
+              <a:rPr lang="fr-FR" dirty="0"/>
+              <a:t>Création d'une documentation comprenant la liste des taches, les technologies à utiliser, les maquettes et le MCD</a:t>
+            </a:r>
+          </a:p>
+          <a:p>
+            <a:r>
+              <a:rPr lang="fr-FR" dirty="0"/>
+              <a:t>Mise en place du projet sur </a:t>
+            </a:r>
+            <a:r>
+              <a:rPr lang="fr-FR" dirty="0" err="1"/>
+              <a:t>Github</a:t>
+            </a:r>
+            <a:r>
+              <a:rPr lang="fr-FR" dirty="0"/>
+              <a:t> et attributions des accès aux différents collaborateurs</a:t>
+            </a:r>
+          </a:p>
+          <a:p>
+            <a:r>
+              <a:rPr lang="fr-FR" dirty="0"/>
+              <a:t>Création du Modèle Conceptuel des Données</a:t>
+            </a:r>
+          </a:p>
+          <a:p>
+            <a:r>
+              <a:rPr lang="fr-FR" dirty="0"/>
+              <a:t>Création de la hiérarchisation du plan du site</a:t>
+            </a:r>
+          </a:p>
+          <a:p>
+            <a:r>
+              <a:rPr lang="fr-FR" dirty="0"/>
+              <a:t>Création des maquettes de représentation des pages du site</a:t>
+            </a:r>
+          </a:p>
+          <a:p>
+            <a:r>
+              <a:rPr lang="fr-FR" dirty="0"/>
+              <a:t>Création de la base de données </a:t>
+            </a:r>
+          </a:p>
+          <a:p>
+            <a:endParaRPr lang="fr-FR" dirty="0"/>
+          </a:p>
+        </p:txBody>
+      </p:sp>
+    </p:spTree>
+    <p:extLst>
+      <p:ext uri="{BB962C8B-B14F-4D97-AF65-F5344CB8AC3E}">
+        <p14:creationId xmlns:p14="http://schemas.microsoft.com/office/powerpoint/2010/main" val="4275414333"/>
+      </p:ext>
+    </p:extLst>
+  </p:cSld>
+  <p:clrMapOvr>
+    <a:masterClrMapping/>
+  </p:clrMapOvr>
+</p:sld>
+</file>
+
+<file path=ppt/slides/slide4.xml><?xml version="1.0" encoding="utf-8"?>
+<p:sld xmlns:a="http://schemas.openxmlformats.org/drawingml/2006/main" xmlns:r="http://schemas.openxmlformats.org/officeDocument/2006/relationships" xmlns:p="http://schemas.openxmlformats.org/presentationml/2006/main">
+  <p:cSld>
+    <p:spTree>
+      <p:nvGrpSpPr>
+        <p:cNvPr id="1" name=""/>
+        <p:cNvGrpSpPr/>
+        <p:nvPr/>
+      </p:nvGrpSpPr>
+      <p:grpSpPr>
+        <a:xfrm>
+          <a:off x="0" y="0"/>
+          <a:ext cx="0" cy="0"/>
+          <a:chOff x="0" y="0"/>
+          <a:chExt cx="0" cy="0"/>
+        </a:xfrm>
+      </p:grpSpPr>
+      <p:sp>
+        <p:nvSpPr>
+          <p:cNvPr id="2" name="Title 1"/>
+          <p:cNvSpPr>
+            <a:spLocks noGrp="1"/>
+          </p:cNvSpPr>
+          <p:nvPr>
+            <p:ph type="title"/>
+          </p:nvPr>
+        </p:nvSpPr>
+        <p:spPr/>
+        <p:txBody>
+          <a:bodyPr/>
+          <a:lstStyle/>
+          <a:p>
+            <a:r>
+              <a:rPr lang="fr-FR" b="1" u="sng" dirty="0"/>
+              <a:t>Fonctions primaire de l'application</a:t>
+            </a:r>
+            <a:endParaRPr lang="fr-FR" u="sng" dirty="0"/>
+          </a:p>
+        </p:txBody>
+      </p:sp>
+      <p:sp>
+        <p:nvSpPr>
+          <p:cNvPr id="3" name="Content Placeholder 2"/>
+          <p:cNvSpPr>
+            <a:spLocks noGrp="1"/>
+          </p:cNvSpPr>
+          <p:nvPr>
+            <p:ph idx="1"/>
+          </p:nvPr>
+        </p:nvSpPr>
+        <p:spPr>
+          <a:xfrm>
+            <a:off x="838200" y="1371600"/>
+            <a:ext cx="10515600" cy="4805363"/>
+          </a:xfrm>
+        </p:spPr>
+        <p:txBody>
+          <a:bodyPr>
+            <a:normAutofit lnSpcReduction="10000"/>
+          </a:bodyPr>
+          <a:lstStyle/>
+          <a:p>
+            <a:endParaRPr lang="fr-FR" sz="2400" dirty="0"/>
+          </a:p>
+          <a:p>
+            <a:r>
+              <a:rPr lang="fr-FR" sz="2400" dirty="0"/>
+              <a:t>Création des pages constituant le site, suivant les maquettes (</a:t>
+            </a:r>
+            <a:r>
+              <a:rPr lang="fr-FR" sz="2400" dirty="0" err="1"/>
+              <a:t>cf</a:t>
+            </a:r>
+            <a:r>
+              <a:rPr lang="fr-FR" sz="2400" dirty="0"/>
+              <a:t> Maquettes) et en respectant l'architecture logicielle Modèle vue contrôleur (MVC)</a:t>
+            </a:r>
+          </a:p>
+          <a:p>
+            <a:r>
+              <a:rPr lang="fr-FR" sz="2400" dirty="0"/>
+              <a:t>Elaboration du système d’inscription, connexion,</a:t>
+            </a:r>
+          </a:p>
+          <a:p>
+            <a:r>
+              <a:rPr lang="fr-FR" sz="2400" dirty="0"/>
+              <a:t>Mise en place des fonctionnalités de la page admin. Affichage et approbation des demandes d’inscriptions.</a:t>
+            </a:r>
+          </a:p>
+          <a:p>
+            <a:r>
+              <a:rPr lang="fr-FR" sz="2400" dirty="0"/>
+              <a:t>Elaboration du système de réservation aléatoire sur la page utilisateur.</a:t>
+            </a:r>
+          </a:p>
+          <a:p>
+            <a:r>
+              <a:rPr lang="fr-FR" sz="2400" dirty="0"/>
+              <a:t>Mise en place du système de mise en attente. Et de l’affichage du rang dans la file sur la page utilisateur</a:t>
+            </a:r>
+          </a:p>
+          <a:p>
+            <a:r>
+              <a:rPr lang="fr-FR" sz="2400" dirty="0"/>
+              <a:t>Sur la page admin, affichage de la liste d’attente puis de la liste de l’historique des réservations.</a:t>
+            </a:r>
+          </a:p>
+          <a:p>
+            <a:r>
+              <a:rPr lang="fr-FR" sz="2400" dirty="0"/>
+              <a:t>Sécurité sur le mot de passe en hachage en SHA-256.</a:t>
+            </a:r>
+          </a:p>
+          <a:p>
+            <a:endParaRPr lang="fr-FR" sz="2400" dirty="0"/>
+          </a:p>
+        </p:txBody>
+      </p:sp>
+    </p:spTree>
+    <p:extLst>
+      <p:ext uri="{BB962C8B-B14F-4D97-AF65-F5344CB8AC3E}">
+        <p14:creationId xmlns:p14="http://schemas.microsoft.com/office/powerpoint/2010/main" val="3233770208"/>
+      </p:ext>
+    </p:extLst>
+  </p:cSld>
+  <p:clrMapOvr>
+    <a:masterClrMapping/>
+  </p:clrMapOvr>
+</p:sld>
+</file>
+
+<file path=ppt/slides/slide5.xml><?xml version="1.0" encoding="utf-8"?>
+<p:sld xmlns:a="http://schemas.openxmlformats.org/drawingml/2006/main" xmlns:r="http://schemas.openxmlformats.org/officeDocument/2006/relationships" xmlns:p="http://schemas.openxmlformats.org/presentationml/2006/main">
+  <p:cSld>
+    <p:spTree>
+      <p:nvGrpSpPr>
+        <p:cNvPr id="1" name=""/>
+        <p:cNvGrpSpPr/>
+        <p:nvPr/>
+      </p:nvGrpSpPr>
+      <p:grpSpPr>
+        <a:xfrm>
+          <a:off x="0" y="0"/>
+          <a:ext cx="0" cy="0"/>
+          <a:chOff x="0" y="0"/>
+          <a:chExt cx="0" cy="0"/>
+        </a:xfrm>
+      </p:grpSpPr>
+      <p:sp>
+        <p:nvSpPr>
+          <p:cNvPr id="2" name="Title 1"/>
+          <p:cNvSpPr>
+            <a:spLocks noGrp="1"/>
+          </p:cNvSpPr>
+          <p:nvPr>
+            <p:ph type="title"/>
+          </p:nvPr>
+        </p:nvSpPr>
+        <p:spPr/>
+        <p:txBody>
+          <a:bodyPr/>
+          <a:lstStyle/>
+          <a:p>
+            <a:r>
+              <a:rPr lang="fr-FR" b="1" u="sng" dirty="0"/>
+              <a:t>Fonctions secondaires de l'application</a:t>
+            </a:r>
+            <a:br>
+              <a:rPr lang="fr-FR" b="1" dirty="0"/>
+            </a:br>
+            <a:endParaRPr lang="fr-FR" u="sng" dirty="0"/>
+          </a:p>
+        </p:txBody>
+      </p:sp>
+      <p:sp>
+        <p:nvSpPr>
+          <p:cNvPr id="3" name="Content Placeholder 2"/>
+          <p:cNvSpPr>
+            <a:spLocks noGrp="1"/>
+          </p:cNvSpPr>
+          <p:nvPr>
+            <p:ph idx="1"/>
+          </p:nvPr>
+        </p:nvSpPr>
+        <p:spPr/>
+        <p:txBody>
+          <a:bodyPr>
+            <a:normAutofit fontScale="85000" lnSpcReduction="10000"/>
+          </a:bodyPr>
+          <a:lstStyle/>
+          <a:p>
+            <a:r>
+              <a:rPr lang="fr-FR" dirty="0"/>
+              <a:t>Ajout des fonctionnalités de modification de la liste d’attente et de la liste des places.</a:t>
+            </a:r>
+          </a:p>
+          <a:p>
+            <a:r>
+              <a:rPr lang="fr-FR" dirty="0"/>
+              <a:t>Fonctionnalité d’attribution manuelle des places sur la page admin.</a:t>
+            </a:r>
+          </a:p>
+          <a:p>
+            <a:r>
+              <a:rPr lang="fr-FR" dirty="0"/>
+              <a:t>Possibilité de la réinitialisation du mot de passe utilisateur via un système d'envoi de mail avec un fonctionnement de </a:t>
+            </a:r>
+            <a:r>
+              <a:rPr lang="fr-FR" dirty="0" err="1"/>
+              <a:t>token</a:t>
+            </a:r>
+            <a:r>
+              <a:rPr lang="fr-FR" dirty="0"/>
+              <a:t>, </a:t>
+            </a:r>
+            <a:r>
+              <a:rPr lang="fr-FR" dirty="0" err="1"/>
+              <a:t>token</a:t>
+            </a:r>
+            <a:r>
+              <a:rPr lang="fr-FR" dirty="0"/>
+              <a:t> qui est identique en base de donnée ainsi que dans le liens trouver dans l'email envoyer à l'utilisateur.</a:t>
+            </a:r>
+          </a:p>
+          <a:p>
+            <a:r>
+              <a:rPr lang="fr-FR" dirty="0"/>
+              <a:t>Sécurité du site, du point de vue du front-end vérification en JavaScript de tout les formulaires avec l'utilisation de Regex en rapport avec le champs ex(email, adresse), vérification lors de l'inscription du mot de passe indiquer avec une double vérification. du point de vue du back-end sécurisation en PHP face aux injections SQL en protégeant les requetés, utilisations de requête préparée avec des variables liées, trouvable dans les librairies PDO et MySQLi.</a:t>
+            </a:r>
+          </a:p>
+          <a:p>
+            <a:endParaRPr lang="fr-FR" dirty="0"/>
+          </a:p>
+        </p:txBody>
+      </p:sp>
+    </p:spTree>
+    <p:extLst>
+      <p:ext uri="{BB962C8B-B14F-4D97-AF65-F5344CB8AC3E}">
+        <p14:creationId xmlns:p14="http://schemas.microsoft.com/office/powerpoint/2010/main" val="2942507156"/>
+      </p:ext>
+    </p:extLst>
+  </p:cSld>
+  <p:clrMapOvr>
+    <a:masterClrMapping/>
+  </p:clrMapOvr>
+</p:sld>
+</file>
+
+<file path=ppt/slides/slide6.xml><?xml version="1.0" encoding="utf-8"?>
+<p:sld xmlns:a="http://schemas.openxmlformats.org/drawingml/2006/main" xmlns:r="http://schemas.openxmlformats.org/officeDocument/2006/relationships" xmlns:p="http://schemas.openxmlformats.org/presentationml/2006/main">
+  <p:cSld>
+    <p:spTree>
+      <p:nvGrpSpPr>
+        <p:cNvPr id="1" name=""/>
+        <p:cNvGrpSpPr/>
+        <p:nvPr/>
+      </p:nvGrpSpPr>
+      <p:grpSpPr>
+        <a:xfrm>
+          <a:off x="0" y="0"/>
+          <a:ext cx="0" cy="0"/>
+          <a:chOff x="0" y="0"/>
+          <a:chExt cx="0" cy="0"/>
+        </a:xfrm>
+      </p:grpSpPr>
+      <p:sp>
+        <p:nvSpPr>
+          <p:cNvPr id="2" name="Title 1"/>
+          <p:cNvSpPr>
+            <a:spLocks noGrp="1"/>
+          </p:cNvSpPr>
+          <p:nvPr>
+            <p:ph type="title"/>
+          </p:nvPr>
+        </p:nvSpPr>
+        <p:spPr/>
+        <p:txBody>
+          <a:bodyPr/>
+          <a:lstStyle/>
+          <a:p>
+            <a:r>
+              <a:rPr lang="fr-FR" b="1" u="sng" dirty="0"/>
+              <a:t>Plan du site</a:t>
+            </a:r>
+          </a:p>
+        </p:txBody>
+      </p:sp>
+      <p:pic>
+        <p:nvPicPr>
+          <p:cNvPr id="4" name="Picture 3"/>
+          <p:cNvPicPr>
+            <a:picLocks noChangeAspect="1"/>
+          </p:cNvPicPr>
+          <p:nvPr/>
+        </p:nvPicPr>
+        <p:blipFill>
+          <a:blip r:embed="rId2" cstate="print">
+            <a:extLst>
+              <a:ext uri="{28A0092B-C50C-407E-A947-70E740481C1C}">
+                <a14:useLocalDpi xmlns:a14="http://schemas.microsoft.com/office/drawing/2010/main" val="0"/>
+              </a:ext>
+            </a:extLst>
+          </a:blip>
+          <a:stretch>
+            <a:fillRect/>
+          </a:stretch>
+        </p:blipFill>
+        <p:spPr>
+          <a:xfrm>
+            <a:off x="0" y="1959428"/>
+            <a:ext cx="12178050" cy="5303520"/>
+          </a:xfrm>
+          <a:prstGeom prst="rect">
+            <a:avLst/>
+          </a:prstGeom>
+        </p:spPr>
+      </p:pic>
+    </p:spTree>
+    <p:extLst>
+      <p:ext uri="{BB962C8B-B14F-4D97-AF65-F5344CB8AC3E}">
+        <p14:creationId xmlns:p14="http://schemas.microsoft.com/office/powerpoint/2010/main" val="995658975"/>
+      </p:ext>
+    </p:extLst>
+  </p:cSld>
+  <p:clrMapOvr>
+    <a:masterClrMapping/>
+  </p:clrMapOvr>
+</p:sld>
+</file>
+
+<file path=ppt/slides/slide7.xml><?xml version="1.0" encoding="utf-8"?>
+<p:sld xmlns:a="http://schemas.openxmlformats.org/drawingml/2006/main" xmlns:r="http://schemas.openxmlformats.org/officeDocument/2006/relationships" xmlns:p="http://schemas.openxmlformats.org/presentationml/2006/main">
+  <p:cSld>
+    <p:spTree>
+      <p:nvGrpSpPr>
+        <p:cNvPr id="1" name=""/>
+        <p:cNvGrpSpPr/>
+        <p:nvPr/>
+      </p:nvGrpSpPr>
+      <p:grpSpPr>
+        <a:xfrm>
+          <a:off x="0" y="0"/>
+          <a:ext cx="0" cy="0"/>
+          <a:chOff x="0" y="0"/>
+          <a:chExt cx="0" cy="0"/>
+        </a:xfrm>
+      </p:grpSpPr>
+      <p:sp>
+        <p:nvSpPr>
+          <p:cNvPr id="2" name="Title 1"/>
+          <p:cNvSpPr>
+            <a:spLocks noGrp="1"/>
+          </p:cNvSpPr>
+          <p:nvPr>
+            <p:ph type="title"/>
+          </p:nvPr>
+        </p:nvSpPr>
+        <p:spPr/>
+        <p:txBody>
+          <a:bodyPr/>
+          <a:lstStyle/>
+          <a:p>
+            <a:r>
+              <a:rPr lang="fr-FR" b="1" u="sng" dirty="0"/>
+              <a:t>Modèle conceptuel de données</a:t>
+            </a:r>
+          </a:p>
+        </p:txBody>
+      </p:sp>
+      <p:pic>
+        <p:nvPicPr>
+          <p:cNvPr id="4" name="Content Placeholder 3"/>
+          <p:cNvPicPr>
+            <a:picLocks noGrp="1" noChangeAspect="1"/>
+          </p:cNvPicPr>
+          <p:nvPr>
+            <p:ph idx="1"/>
+          </p:nvPr>
+        </p:nvPicPr>
+        <p:blipFill>
+          <a:blip r:embed="rId2"/>
+          <a:stretch>
+            <a:fillRect/>
+          </a:stretch>
+        </p:blipFill>
+        <p:spPr>
+          <a:xfrm>
+            <a:off x="2089656" y="1690688"/>
+            <a:ext cx="8012688" cy="4207033"/>
+          </a:xfrm>
+          <a:prstGeom prst="rect">
+            <a:avLst/>
+          </a:prstGeom>
+        </p:spPr>
+      </p:pic>
+    </p:spTree>
+    <p:extLst>
+      <p:ext uri="{BB962C8B-B14F-4D97-AF65-F5344CB8AC3E}">
+        <p14:creationId xmlns:p14="http://schemas.microsoft.com/office/powerpoint/2010/main" val="585626215"/>
+      </p:ext>
+    </p:extLst>
+  </p:cSld>
+  <p:clrMapOvr>
+    <a:masterClrMapping/>
+  </p:clrMapOvr>
+</p:sld>
+</file>
+
+<file path=ppt/slides/slide8.xml><?xml version="1.0" encoding="utf-8"?>
+<p:sld xmlns:a="http://schemas.openxmlformats.org/drawingml/2006/main" xmlns:r="http://schemas.openxmlformats.org/officeDocument/2006/relationships" xmlns:p="http://schemas.openxmlformats.org/presentationml/2006/main">
+  <p:cSld>
+    <p:spTree>
+      <p:nvGrpSpPr>
+        <p:cNvPr id="1" name=""/>
+        <p:cNvGrpSpPr/>
+        <p:nvPr/>
+      </p:nvGrpSpPr>
+      <p:grpSpPr>
+        <a:xfrm>
+          <a:off x="0" y="0"/>
+          <a:ext cx="0" cy="0"/>
+          <a:chOff x="0" y="0"/>
+          <a:chExt cx="0" cy="0"/>
+        </a:xfrm>
+      </p:grpSpPr>
+      <p:sp>
+        <p:nvSpPr>
+          <p:cNvPr id="2" name="Title 1"/>
+          <p:cNvSpPr>
+            <a:spLocks noGrp="1"/>
+          </p:cNvSpPr>
+          <p:nvPr>
+            <p:ph type="title"/>
+          </p:nvPr>
+        </p:nvSpPr>
+        <p:spPr>
+          <a:xfrm>
+            <a:off x="838200" y="1"/>
+            <a:ext cx="10515600" cy="1690688"/>
+          </a:xfrm>
+        </p:spPr>
+        <p:txBody>
+          <a:bodyPr/>
+          <a:lstStyle/>
+          <a:p>
+            <a:pPr algn="ctr"/>
+            <a:r>
+              <a:rPr lang="fr-FR" b="1" u="sng" dirty="0"/>
+              <a:t>Maquettes</a:t>
+            </a:r>
+            <a:br>
+              <a:rPr lang="fr-FR" b="1" u="sng" dirty="0"/>
+            </a:br>
+            <a:r>
+              <a:rPr lang="fr-FR" b="1" u="sng" dirty="0"/>
+              <a:t>Page d’accueil</a:t>
+            </a:r>
+          </a:p>
+        </p:txBody>
+      </p:sp>
+      <p:pic>
+        <p:nvPicPr>
+          <p:cNvPr id="4" name="Image 3">
+            <a:extLst>
+              <a:ext uri="{FF2B5EF4-FFF2-40B4-BE49-F238E27FC236}">
+                <a16:creationId xmlns:a16="http://schemas.microsoft.com/office/drawing/2014/main" id="{953238A2-11F9-FD4A-A6B3-71BE6CF5CF12}"/>
+              </a:ext>
+            </a:extLst>
+          </p:cNvPr>
+          <p:cNvPicPr>
+            <a:picLocks noChangeAspect="1"/>
+          </p:cNvPicPr>
+          <p:nvPr/>
+        </p:nvPicPr>
+        <p:blipFill>
+          <a:blip r:embed="rId2">
+            <a:extLst>
+              <a:ext uri="{28A0092B-C50C-407E-A947-70E740481C1C}">
+                <a14:useLocalDpi xmlns:a14="http://schemas.microsoft.com/office/drawing/2010/main" val="0"/>
+              </a:ext>
+            </a:extLst>
+          </a:blip>
+          <a:stretch>
+            <a:fillRect/>
+          </a:stretch>
+        </p:blipFill>
+        <p:spPr>
+          <a:xfrm>
+            <a:off x="1991535" y="1690688"/>
+            <a:ext cx="8208929" cy="4784884"/>
+          </a:xfrm>
+          <a:prstGeom prst="rect">
+            <a:avLst/>
+          </a:prstGeom>
+        </p:spPr>
+      </p:pic>
+    </p:spTree>
+    <p:extLst>
+      <p:ext uri="{BB962C8B-B14F-4D97-AF65-F5344CB8AC3E}">
+        <p14:creationId xmlns:p14="http://schemas.microsoft.com/office/powerpoint/2010/main" val="3418796609"/>
+      </p:ext>
+    </p:extLst>
+  </p:cSld>
+  <p:clrMapOvr>
+    <a:masterClrMapping/>
+  </p:clrMapOvr>
+</p:sld>
+</file>
+
+<file path=ppt/slides/slide9.xml><?xml version="1.0" encoding="utf-8"?>
 <p:sld xmlns:a="http://schemas.openxmlformats.org/drawingml/2006/main" xmlns:r="http://schemas.openxmlformats.org/officeDocument/2006/relationships" xmlns:p="http://schemas.openxmlformats.org/presentationml/2006/main">
   <p:cSld>
     <p:spTree>
@@ -3204,2115 +4981,6 @@
   <p:clrMapOvr>
     <a:masterClrMapping/>
   </p:clrMapOvr>
-  <p:timing>
-    <p:tnLst>
-      <p:par>
-        <p:cTn id="1" dur="indefinite" restart="never" nodeType="tmRoot"/>
-      </p:par>
-    </p:tnLst>
-  </p:timing>
-</p:sld>
-</file>
-
-<file path=ppt/slides/slide11.xml><?xml version="1.0" encoding="utf-8"?>
-<p:sld xmlns:a="http://schemas.openxmlformats.org/drawingml/2006/main" xmlns:r="http://schemas.openxmlformats.org/officeDocument/2006/relationships" xmlns:p="http://schemas.openxmlformats.org/presentationml/2006/main">
-  <p:cSld>
-    <p:spTree>
-      <p:nvGrpSpPr>
-        <p:cNvPr id="1" name=""/>
-        <p:cNvGrpSpPr/>
-        <p:nvPr/>
-      </p:nvGrpSpPr>
-      <p:grpSpPr>
-        <a:xfrm>
-          <a:off x="0" y="0"/>
-          <a:ext cx="0" cy="0"/>
-          <a:chOff x="0" y="0"/>
-          <a:chExt cx="0" cy="0"/>
-        </a:xfrm>
-      </p:grpSpPr>
-      <p:sp>
-        <p:nvSpPr>
-          <p:cNvPr id="2" name="Title 1"/>
-          <p:cNvSpPr>
-            <a:spLocks noGrp="1"/>
-          </p:cNvSpPr>
-          <p:nvPr>
-            <p:ph type="title"/>
-          </p:nvPr>
-        </p:nvSpPr>
-        <p:spPr>
-          <a:xfrm>
-            <a:off x="838200" y="1"/>
-            <a:ext cx="10515600" cy="1690688"/>
-          </a:xfrm>
-        </p:spPr>
-        <p:txBody>
-          <a:bodyPr/>
-          <a:lstStyle/>
-          <a:p>
-            <a:pPr algn="ctr"/>
-            <a:r>
-              <a:rPr lang="fr-FR" b="1" u="sng" dirty="0"/>
-              <a:t>Maquettes</a:t>
-            </a:r>
-            <a:br>
-              <a:rPr lang="fr-FR" b="1" u="sng" dirty="0"/>
-            </a:br>
-            <a:r>
-              <a:rPr lang="fr-FR" b="1" u="sng" dirty="0"/>
-              <a:t>Page d’Admin</a:t>
-            </a:r>
-          </a:p>
-        </p:txBody>
-      </p:sp>
-      <p:pic>
-        <p:nvPicPr>
-          <p:cNvPr id="4" name="Image 3">
-            <a:extLst>
-              <a:ext uri="{FF2B5EF4-FFF2-40B4-BE49-F238E27FC236}">
-                <a16:creationId xmlns:a16="http://schemas.microsoft.com/office/drawing/2014/main" id="{75629E11-3B6C-F947-ADB1-669BFA754988}"/>
-              </a:ext>
-            </a:extLst>
-          </p:cNvPr>
-          <p:cNvPicPr>
-            <a:picLocks noChangeAspect="1"/>
-          </p:cNvPicPr>
-          <p:nvPr/>
-        </p:nvPicPr>
-        <p:blipFill>
-          <a:blip r:embed="rId2">
-            <a:extLst>
-              <a:ext uri="{28A0092B-C50C-407E-A947-70E740481C1C}">
-                <a14:useLocalDpi xmlns:a14="http://schemas.microsoft.com/office/drawing/2010/main" val="0"/>
-              </a:ext>
-            </a:extLst>
-          </a:blip>
-          <a:stretch>
-            <a:fillRect/>
-          </a:stretch>
-        </p:blipFill>
-        <p:spPr>
-          <a:xfrm>
-            <a:off x="2100431" y="1794892"/>
-            <a:ext cx="7991137" cy="4624959"/>
-          </a:xfrm>
-          <a:prstGeom prst="rect">
-            <a:avLst/>
-          </a:prstGeom>
-        </p:spPr>
-      </p:pic>
-    </p:spTree>
-    <p:extLst>
-      <p:ext uri="{BB962C8B-B14F-4D97-AF65-F5344CB8AC3E}">
-        <p14:creationId xmlns:p14="http://schemas.microsoft.com/office/powerpoint/2010/main" val="602357329"/>
-      </p:ext>
-    </p:extLst>
-  </p:cSld>
-  <p:clrMapOvr>
-    <a:masterClrMapping/>
-  </p:clrMapOvr>
-  <p:timing>
-    <p:tnLst>
-      <p:par>
-        <p:cTn id="1" dur="indefinite" restart="never" nodeType="tmRoot"/>
-      </p:par>
-    </p:tnLst>
-  </p:timing>
-</p:sld>
-</file>
-
-<file path=ppt/slides/slide12.xml><?xml version="1.0" encoding="utf-8"?>
-<p:sld xmlns:a="http://schemas.openxmlformats.org/drawingml/2006/main" xmlns:r="http://schemas.openxmlformats.org/officeDocument/2006/relationships" xmlns:p="http://schemas.openxmlformats.org/presentationml/2006/main">
-  <p:cSld>
-    <p:spTree>
-      <p:nvGrpSpPr>
-        <p:cNvPr id="1" name=""/>
-        <p:cNvGrpSpPr/>
-        <p:nvPr/>
-      </p:nvGrpSpPr>
-      <p:grpSpPr>
-        <a:xfrm>
-          <a:off x="0" y="0"/>
-          <a:ext cx="0" cy="0"/>
-          <a:chOff x="0" y="0"/>
-          <a:chExt cx="0" cy="0"/>
-        </a:xfrm>
-      </p:grpSpPr>
-      <p:sp>
-        <p:nvSpPr>
-          <p:cNvPr id="2" name="Title 1"/>
-          <p:cNvSpPr>
-            <a:spLocks noGrp="1"/>
-          </p:cNvSpPr>
-          <p:nvPr>
-            <p:ph type="title"/>
-          </p:nvPr>
-        </p:nvSpPr>
-        <p:spPr>
-          <a:xfrm>
-            <a:off x="838200" y="1"/>
-            <a:ext cx="10515600" cy="1690688"/>
-          </a:xfrm>
-        </p:spPr>
-        <p:txBody>
-          <a:bodyPr/>
-          <a:lstStyle/>
-          <a:p>
-            <a:pPr algn="ctr"/>
-            <a:r>
-              <a:rPr lang="fr-FR" b="1" u="sng" dirty="0"/>
-              <a:t>Maquettes</a:t>
-            </a:r>
-            <a:br>
-              <a:rPr lang="fr-FR" b="1" u="sng" dirty="0"/>
-            </a:br>
-            <a:r>
-              <a:rPr lang="fr-FR" b="1" u="sng" dirty="0"/>
-              <a:t>Page d’Admin File d’attente</a:t>
-            </a:r>
-          </a:p>
-        </p:txBody>
-      </p:sp>
-      <p:pic>
-        <p:nvPicPr>
-          <p:cNvPr id="5" name="Image 4">
-            <a:extLst>
-              <a:ext uri="{FF2B5EF4-FFF2-40B4-BE49-F238E27FC236}">
-                <a16:creationId xmlns:a16="http://schemas.microsoft.com/office/drawing/2014/main" id="{441624A3-4AA4-6849-9CEC-0A33F5D5F8CA}"/>
-              </a:ext>
-            </a:extLst>
-          </p:cNvPr>
-          <p:cNvPicPr>
-            <a:picLocks noChangeAspect="1"/>
-          </p:cNvPicPr>
-          <p:nvPr/>
-        </p:nvPicPr>
-        <p:blipFill>
-          <a:blip r:embed="rId2">
-            <a:extLst>
-              <a:ext uri="{28A0092B-C50C-407E-A947-70E740481C1C}">
-                <a14:useLocalDpi xmlns:a14="http://schemas.microsoft.com/office/drawing/2010/main" val="0"/>
-              </a:ext>
-            </a:extLst>
-          </a:blip>
-          <a:stretch>
-            <a:fillRect/>
-          </a:stretch>
-        </p:blipFill>
-        <p:spPr>
-          <a:xfrm>
-            <a:off x="2045687" y="1789889"/>
-            <a:ext cx="8100625" cy="4688327"/>
-          </a:xfrm>
-          <a:prstGeom prst="rect">
-            <a:avLst/>
-          </a:prstGeom>
-        </p:spPr>
-      </p:pic>
-    </p:spTree>
-    <p:extLst>
-      <p:ext uri="{BB962C8B-B14F-4D97-AF65-F5344CB8AC3E}">
-        <p14:creationId xmlns:p14="http://schemas.microsoft.com/office/powerpoint/2010/main" val="2410753698"/>
-      </p:ext>
-    </p:extLst>
-  </p:cSld>
-  <p:clrMapOvr>
-    <a:masterClrMapping/>
-  </p:clrMapOvr>
-  <p:timing>
-    <p:tnLst>
-      <p:par>
-        <p:cTn id="1" dur="indefinite" restart="never" nodeType="tmRoot"/>
-      </p:par>
-    </p:tnLst>
-  </p:timing>
-</p:sld>
-</file>
-
-<file path=ppt/slides/slide13.xml><?xml version="1.0" encoding="utf-8"?>
-<p:sld xmlns:a="http://schemas.openxmlformats.org/drawingml/2006/main" xmlns:r="http://schemas.openxmlformats.org/officeDocument/2006/relationships" xmlns:p="http://schemas.openxmlformats.org/presentationml/2006/main">
-  <p:cSld>
-    <p:spTree>
-      <p:nvGrpSpPr>
-        <p:cNvPr id="1" name=""/>
-        <p:cNvGrpSpPr/>
-        <p:nvPr/>
-      </p:nvGrpSpPr>
-      <p:grpSpPr>
-        <a:xfrm>
-          <a:off x="0" y="0"/>
-          <a:ext cx="0" cy="0"/>
-          <a:chOff x="0" y="0"/>
-          <a:chExt cx="0" cy="0"/>
-        </a:xfrm>
-      </p:grpSpPr>
-      <p:sp>
-        <p:nvSpPr>
-          <p:cNvPr id="2" name="Title 1"/>
-          <p:cNvSpPr>
-            <a:spLocks noGrp="1"/>
-          </p:cNvSpPr>
-          <p:nvPr>
-            <p:ph type="title"/>
-          </p:nvPr>
-        </p:nvSpPr>
-        <p:spPr>
-          <a:xfrm>
-            <a:off x="838200" y="1"/>
-            <a:ext cx="10515600" cy="1690688"/>
-          </a:xfrm>
-        </p:spPr>
-        <p:txBody>
-          <a:bodyPr/>
-          <a:lstStyle/>
-          <a:p>
-            <a:pPr algn="ctr"/>
-            <a:r>
-              <a:rPr lang="fr-FR" b="1" u="sng" dirty="0"/>
-              <a:t>Maquettes</a:t>
-            </a:r>
-            <a:br>
-              <a:rPr lang="fr-FR" b="1" u="sng" dirty="0"/>
-            </a:br>
-            <a:r>
-              <a:rPr lang="fr-FR" b="1" u="sng" dirty="0"/>
-              <a:t>Page d’Admin Gestion inscriptions</a:t>
-            </a:r>
-          </a:p>
-        </p:txBody>
-      </p:sp>
-      <p:pic>
-        <p:nvPicPr>
-          <p:cNvPr id="4" name="Image 3">
-            <a:extLst>
-              <a:ext uri="{FF2B5EF4-FFF2-40B4-BE49-F238E27FC236}">
-                <a16:creationId xmlns:a16="http://schemas.microsoft.com/office/drawing/2014/main" id="{8F14906E-CEBB-1345-BEAE-9D6D535E122A}"/>
-              </a:ext>
-            </a:extLst>
-          </p:cNvPr>
-          <p:cNvPicPr>
-            <a:picLocks noChangeAspect="1"/>
-          </p:cNvPicPr>
-          <p:nvPr/>
-        </p:nvPicPr>
-        <p:blipFill>
-          <a:blip r:embed="rId2">
-            <a:extLst>
-              <a:ext uri="{28A0092B-C50C-407E-A947-70E740481C1C}">
-                <a14:useLocalDpi xmlns:a14="http://schemas.microsoft.com/office/drawing/2010/main" val="0"/>
-              </a:ext>
-            </a:extLst>
-          </a:blip>
-          <a:stretch>
-            <a:fillRect/>
-          </a:stretch>
-        </p:blipFill>
-        <p:spPr>
-          <a:xfrm>
-            <a:off x="2022610" y="1772904"/>
-            <a:ext cx="8146780" cy="4715039"/>
-          </a:xfrm>
-          <a:prstGeom prst="rect">
-            <a:avLst/>
-          </a:prstGeom>
-        </p:spPr>
-      </p:pic>
-    </p:spTree>
-    <p:extLst>
-      <p:ext uri="{BB962C8B-B14F-4D97-AF65-F5344CB8AC3E}">
-        <p14:creationId xmlns:p14="http://schemas.microsoft.com/office/powerpoint/2010/main" val="1033072285"/>
-      </p:ext>
-    </p:extLst>
-  </p:cSld>
-  <p:clrMapOvr>
-    <a:masterClrMapping/>
-  </p:clrMapOvr>
-  <p:timing>
-    <p:tnLst>
-      <p:par>
-        <p:cTn id="1" dur="indefinite" restart="never" nodeType="tmRoot"/>
-      </p:par>
-    </p:tnLst>
-  </p:timing>
-</p:sld>
-</file>
-
-<file path=ppt/slides/slide14.xml><?xml version="1.0" encoding="utf-8"?>
-<p:sld xmlns:a="http://schemas.openxmlformats.org/drawingml/2006/main" xmlns:r="http://schemas.openxmlformats.org/officeDocument/2006/relationships" xmlns:p="http://schemas.openxmlformats.org/presentationml/2006/main">
-  <p:cSld>
-    <p:spTree>
-      <p:nvGrpSpPr>
-        <p:cNvPr id="1" name=""/>
-        <p:cNvGrpSpPr/>
-        <p:nvPr/>
-      </p:nvGrpSpPr>
-      <p:grpSpPr>
-        <a:xfrm>
-          <a:off x="0" y="0"/>
-          <a:ext cx="0" cy="0"/>
-          <a:chOff x="0" y="0"/>
-          <a:chExt cx="0" cy="0"/>
-        </a:xfrm>
-      </p:grpSpPr>
-      <p:sp>
-        <p:nvSpPr>
-          <p:cNvPr id="2" name="Title 1"/>
-          <p:cNvSpPr>
-            <a:spLocks noGrp="1"/>
-          </p:cNvSpPr>
-          <p:nvPr>
-            <p:ph type="title"/>
-          </p:nvPr>
-        </p:nvSpPr>
-        <p:spPr>
-          <a:xfrm>
-            <a:off x="838200" y="1"/>
-            <a:ext cx="10515600" cy="1690688"/>
-          </a:xfrm>
-        </p:spPr>
-        <p:txBody>
-          <a:bodyPr/>
-          <a:lstStyle/>
-          <a:p>
-            <a:pPr algn="ctr"/>
-            <a:r>
-              <a:rPr lang="fr-FR" b="1" u="sng" dirty="0"/>
-              <a:t>Maquettes</a:t>
-            </a:r>
-            <a:br>
-              <a:rPr lang="fr-FR" b="1" u="sng" dirty="0"/>
-            </a:br>
-            <a:r>
-              <a:rPr lang="fr-FR" b="1" u="sng" dirty="0"/>
-              <a:t>Page utilisateur</a:t>
-            </a:r>
-          </a:p>
-        </p:txBody>
-      </p:sp>
-      <p:pic>
-        <p:nvPicPr>
-          <p:cNvPr id="5" name="Image 4">
-            <a:extLst>
-              <a:ext uri="{FF2B5EF4-FFF2-40B4-BE49-F238E27FC236}">
-                <a16:creationId xmlns:a16="http://schemas.microsoft.com/office/drawing/2014/main" id="{CAC85C68-24A4-FA41-9B14-58BD5D75534F}"/>
-              </a:ext>
-            </a:extLst>
-          </p:cNvPr>
-          <p:cNvPicPr>
-            <a:picLocks noChangeAspect="1"/>
-          </p:cNvPicPr>
-          <p:nvPr/>
-        </p:nvPicPr>
-        <p:blipFill>
-          <a:blip r:embed="rId2">
-            <a:extLst>
-              <a:ext uri="{28A0092B-C50C-407E-A947-70E740481C1C}">
-                <a14:useLocalDpi xmlns:a14="http://schemas.microsoft.com/office/drawing/2010/main" val="0"/>
-              </a:ext>
-            </a:extLst>
-          </a:blip>
-          <a:stretch>
-            <a:fillRect/>
-          </a:stretch>
-        </p:blipFill>
-        <p:spPr>
-          <a:xfrm>
-            <a:off x="2022610" y="1811814"/>
-            <a:ext cx="8146780" cy="4715039"/>
-          </a:xfrm>
-          <a:prstGeom prst="rect">
-            <a:avLst/>
-          </a:prstGeom>
-        </p:spPr>
-      </p:pic>
-    </p:spTree>
-    <p:extLst>
-      <p:ext uri="{BB962C8B-B14F-4D97-AF65-F5344CB8AC3E}">
-        <p14:creationId xmlns:p14="http://schemas.microsoft.com/office/powerpoint/2010/main" val="3311753097"/>
-      </p:ext>
-    </p:extLst>
-  </p:cSld>
-  <p:clrMapOvr>
-    <a:masterClrMapping/>
-  </p:clrMapOvr>
-  <p:timing>
-    <p:tnLst>
-      <p:par>
-        <p:cTn id="1" dur="indefinite" restart="never" nodeType="tmRoot"/>
-      </p:par>
-    </p:tnLst>
-  </p:timing>
-</p:sld>
-</file>
-
-<file path=ppt/slides/slide15.xml><?xml version="1.0" encoding="utf-8"?>
-<p:sld xmlns:a="http://schemas.openxmlformats.org/drawingml/2006/main" xmlns:r="http://schemas.openxmlformats.org/officeDocument/2006/relationships" xmlns:p="http://schemas.openxmlformats.org/presentationml/2006/main">
-  <p:cSld>
-    <p:spTree>
-      <p:nvGrpSpPr>
-        <p:cNvPr id="1" name=""/>
-        <p:cNvGrpSpPr/>
-        <p:nvPr/>
-      </p:nvGrpSpPr>
-      <p:grpSpPr>
-        <a:xfrm>
-          <a:off x="0" y="0"/>
-          <a:ext cx="0" cy="0"/>
-          <a:chOff x="0" y="0"/>
-          <a:chExt cx="0" cy="0"/>
-        </a:xfrm>
-      </p:grpSpPr>
-      <p:sp>
-        <p:nvSpPr>
-          <p:cNvPr id="2" name="Title 1"/>
-          <p:cNvSpPr>
-            <a:spLocks noGrp="1"/>
-          </p:cNvSpPr>
-          <p:nvPr>
-            <p:ph type="title"/>
-          </p:nvPr>
-        </p:nvSpPr>
-        <p:spPr>
-          <a:xfrm>
-            <a:off x="838200" y="1"/>
-            <a:ext cx="10515600" cy="1690688"/>
-          </a:xfrm>
-        </p:spPr>
-        <p:txBody>
-          <a:bodyPr/>
-          <a:lstStyle/>
-          <a:p>
-            <a:pPr algn="ctr"/>
-            <a:r>
-              <a:rPr lang="fr-FR" b="1" u="sng" dirty="0"/>
-              <a:t>Maquettes</a:t>
-            </a:r>
-            <a:br>
-              <a:rPr lang="fr-FR" b="1" u="sng" dirty="0"/>
-            </a:br>
-            <a:r>
-              <a:rPr lang="fr-FR" b="1" u="sng" dirty="0"/>
-              <a:t>Page </a:t>
-            </a:r>
-            <a:r>
-              <a:rPr lang="fr-FR" b="1" u="sng" dirty="0" smtClean="0"/>
-              <a:t>utilisateur </a:t>
-            </a:r>
-            <a:r>
-              <a:rPr lang="fr-FR" b="1" u="sng" dirty="0"/>
-              <a:t>réserver une place</a:t>
-            </a:r>
-          </a:p>
-        </p:txBody>
-      </p:sp>
-      <p:pic>
-        <p:nvPicPr>
-          <p:cNvPr id="4" name="Image 3">
-            <a:extLst>
-              <a:ext uri="{FF2B5EF4-FFF2-40B4-BE49-F238E27FC236}">
-                <a16:creationId xmlns:a16="http://schemas.microsoft.com/office/drawing/2014/main" id="{0519FE87-8275-914D-8292-B0B6C28E8BE7}"/>
-              </a:ext>
-            </a:extLst>
-          </p:cNvPr>
-          <p:cNvPicPr>
-            <a:picLocks noChangeAspect="1"/>
-          </p:cNvPicPr>
-          <p:nvPr/>
-        </p:nvPicPr>
-        <p:blipFill>
-          <a:blip r:embed="rId2">
-            <a:extLst>
-              <a:ext uri="{28A0092B-C50C-407E-A947-70E740481C1C}">
-                <a14:useLocalDpi xmlns:a14="http://schemas.microsoft.com/office/drawing/2010/main" val="0"/>
-              </a:ext>
-            </a:extLst>
-          </a:blip>
-          <a:stretch>
-            <a:fillRect/>
-          </a:stretch>
-        </p:blipFill>
-        <p:spPr>
-          <a:xfrm>
-            <a:off x="1886423" y="1690689"/>
-            <a:ext cx="8419154" cy="4872679"/>
-          </a:xfrm>
-          <a:prstGeom prst="rect">
-            <a:avLst/>
-          </a:prstGeom>
-        </p:spPr>
-      </p:pic>
-    </p:spTree>
-    <p:extLst>
-      <p:ext uri="{BB962C8B-B14F-4D97-AF65-F5344CB8AC3E}">
-        <p14:creationId xmlns:p14="http://schemas.microsoft.com/office/powerpoint/2010/main" val="1679415686"/>
-      </p:ext>
-    </p:extLst>
-  </p:cSld>
-  <p:clrMapOvr>
-    <a:masterClrMapping/>
-  </p:clrMapOvr>
-  <p:timing>
-    <p:tnLst>
-      <p:par>
-        <p:cTn id="1" dur="indefinite" restart="never" nodeType="tmRoot"/>
-      </p:par>
-    </p:tnLst>
-  </p:timing>
-</p:sld>
-</file>
-
-<file path=ppt/slides/slide16.xml><?xml version="1.0" encoding="utf-8"?>
-<p:sld xmlns:a="http://schemas.openxmlformats.org/drawingml/2006/main" xmlns:r="http://schemas.openxmlformats.org/officeDocument/2006/relationships" xmlns:p="http://schemas.openxmlformats.org/presentationml/2006/main">
-  <p:cSld>
-    <p:spTree>
-      <p:nvGrpSpPr>
-        <p:cNvPr id="1" name=""/>
-        <p:cNvGrpSpPr/>
-        <p:nvPr/>
-      </p:nvGrpSpPr>
-      <p:grpSpPr>
-        <a:xfrm>
-          <a:off x="0" y="0"/>
-          <a:ext cx="0" cy="0"/>
-          <a:chOff x="0" y="0"/>
-          <a:chExt cx="0" cy="0"/>
-        </a:xfrm>
-      </p:grpSpPr>
-      <p:sp>
-        <p:nvSpPr>
-          <p:cNvPr id="2" name="Title 1"/>
-          <p:cNvSpPr>
-            <a:spLocks noGrp="1"/>
-          </p:cNvSpPr>
-          <p:nvPr>
-            <p:ph type="title"/>
-          </p:nvPr>
-        </p:nvSpPr>
-        <p:spPr>
-          <a:xfrm>
-            <a:off x="838200" y="1"/>
-            <a:ext cx="10515600" cy="1690688"/>
-          </a:xfrm>
-        </p:spPr>
-        <p:txBody>
-          <a:bodyPr/>
-          <a:lstStyle/>
-          <a:p>
-            <a:pPr algn="ctr"/>
-            <a:r>
-              <a:rPr lang="fr-FR" b="1" u="sng" dirty="0"/>
-              <a:t>Maquettes</a:t>
-            </a:r>
-            <a:br>
-              <a:rPr lang="fr-FR" b="1" u="sng" dirty="0"/>
-            </a:br>
-            <a:r>
-              <a:rPr lang="fr-FR" b="1" u="sng" dirty="0"/>
-              <a:t>Page utilisateur édition du compte</a:t>
-            </a:r>
-          </a:p>
-        </p:txBody>
-      </p:sp>
-      <p:pic>
-        <p:nvPicPr>
-          <p:cNvPr id="5" name="Image 4">
-            <a:extLst>
-              <a:ext uri="{FF2B5EF4-FFF2-40B4-BE49-F238E27FC236}">
-                <a16:creationId xmlns:a16="http://schemas.microsoft.com/office/drawing/2014/main" id="{CFEFD8DD-D99B-E042-ADED-C34B0CD7E9AF}"/>
-              </a:ext>
-            </a:extLst>
-          </p:cNvPr>
-          <p:cNvPicPr>
-            <a:picLocks noChangeAspect="1"/>
-          </p:cNvPicPr>
-          <p:nvPr/>
-        </p:nvPicPr>
-        <p:blipFill>
-          <a:blip r:embed="rId2">
-            <a:extLst>
-              <a:ext uri="{28A0092B-C50C-407E-A947-70E740481C1C}">
-                <a14:useLocalDpi xmlns:a14="http://schemas.microsoft.com/office/drawing/2010/main" val="0"/>
-              </a:ext>
-            </a:extLst>
-          </a:blip>
-          <a:stretch>
-            <a:fillRect/>
-          </a:stretch>
-        </p:blipFill>
-        <p:spPr>
-          <a:xfrm>
-            <a:off x="1915606" y="1765777"/>
-            <a:ext cx="8360788" cy="4838899"/>
-          </a:xfrm>
-          <a:prstGeom prst="rect">
-            <a:avLst/>
-          </a:prstGeom>
-        </p:spPr>
-      </p:pic>
-    </p:spTree>
-    <p:extLst>
-      <p:ext uri="{BB962C8B-B14F-4D97-AF65-F5344CB8AC3E}">
-        <p14:creationId xmlns:p14="http://schemas.microsoft.com/office/powerpoint/2010/main" val="894271305"/>
-      </p:ext>
-    </p:extLst>
-  </p:cSld>
-  <p:clrMapOvr>
-    <a:masterClrMapping/>
-  </p:clrMapOvr>
-  <p:timing>
-    <p:tnLst>
-      <p:par>
-        <p:cTn id="1" dur="indefinite" restart="never" nodeType="tmRoot"/>
-      </p:par>
-    </p:tnLst>
-  </p:timing>
-</p:sld>
-</file>
-
-<file path=ppt/slides/slide17.xml><?xml version="1.0" encoding="utf-8"?>
-<p:sld xmlns:a="http://schemas.openxmlformats.org/drawingml/2006/main" xmlns:r="http://schemas.openxmlformats.org/officeDocument/2006/relationships" xmlns:p="http://schemas.openxmlformats.org/presentationml/2006/main">
-  <p:cSld>
-    <p:spTree>
-      <p:nvGrpSpPr>
-        <p:cNvPr id="1" name=""/>
-        <p:cNvGrpSpPr/>
-        <p:nvPr/>
-      </p:nvGrpSpPr>
-      <p:grpSpPr>
-        <a:xfrm>
-          <a:off x="0" y="0"/>
-          <a:ext cx="0" cy="0"/>
-          <a:chOff x="0" y="0"/>
-          <a:chExt cx="0" cy="0"/>
-        </a:xfrm>
-      </p:grpSpPr>
-      <p:sp>
-        <p:nvSpPr>
-          <p:cNvPr id="2" name="Title 1"/>
-          <p:cNvSpPr>
-            <a:spLocks noGrp="1"/>
-          </p:cNvSpPr>
-          <p:nvPr>
-            <p:ph type="title"/>
-          </p:nvPr>
-        </p:nvSpPr>
-        <p:spPr/>
-        <p:txBody>
-          <a:bodyPr/>
-          <a:lstStyle/>
-          <a:p>
-            <a:r>
-              <a:rPr lang="fr-FR" b="1" u="sng" dirty="0"/>
-              <a:t>Base de données</a:t>
-            </a:r>
-          </a:p>
-        </p:txBody>
-      </p:sp>
-      <p:sp>
-        <p:nvSpPr>
-          <p:cNvPr id="6" name="TextBox 5"/>
-          <p:cNvSpPr txBox="1"/>
-          <p:nvPr/>
-        </p:nvSpPr>
-        <p:spPr>
-          <a:xfrm>
-            <a:off x="656408" y="1696267"/>
-            <a:ext cx="10879183" cy="954107"/>
-          </a:xfrm>
-          <a:prstGeom prst="rect">
-            <a:avLst/>
-          </a:prstGeom>
-          <a:noFill/>
-        </p:spPr>
-        <p:txBody>
-          <a:bodyPr wrap="square" rtlCol="0">
-            <a:spAutoFit/>
-          </a:bodyPr>
-          <a:lstStyle/>
-          <a:p>
-            <a:r>
-              <a:rPr lang="fr-FR" sz="2800" dirty="0"/>
-              <a:t>Cette table est la table </a:t>
-            </a:r>
-            <a:r>
-              <a:rPr lang="fr-FR" sz="2800" u="sng" dirty="0"/>
-              <a:t>USERS</a:t>
-            </a:r>
-          </a:p>
-          <a:p>
-            <a:r>
-              <a:rPr lang="fr-FR" sz="2800" dirty="0"/>
-              <a:t>Les données intéressantes sont : niveau et </a:t>
-            </a:r>
-            <a:r>
-              <a:rPr lang="fr-FR" sz="2800" dirty="0" err="1"/>
-              <a:t>etat_u</a:t>
-            </a:r>
-            <a:endParaRPr lang="fr-FR" sz="2800" dirty="0"/>
-          </a:p>
-        </p:txBody>
-      </p:sp>
-      <p:pic>
-        <p:nvPicPr>
-          <p:cNvPr id="7" name="Picture 6"/>
-          <p:cNvPicPr>
-            <a:picLocks noChangeAspect="1"/>
-          </p:cNvPicPr>
-          <p:nvPr/>
-        </p:nvPicPr>
-        <p:blipFill>
-          <a:blip r:embed="rId2">
-            <a:extLst>
-              <a:ext uri="{28A0092B-C50C-407E-A947-70E740481C1C}">
-                <a14:useLocalDpi xmlns:a14="http://schemas.microsoft.com/office/drawing/2010/main" val="0"/>
-              </a:ext>
-            </a:extLst>
-          </a:blip>
-          <a:stretch>
-            <a:fillRect/>
-          </a:stretch>
-        </p:blipFill>
-        <p:spPr>
-          <a:xfrm>
-            <a:off x="704154" y="3279270"/>
-            <a:ext cx="10831437" cy="2676899"/>
-          </a:xfrm>
-          <a:prstGeom prst="rect">
-            <a:avLst/>
-          </a:prstGeom>
-        </p:spPr>
-      </p:pic>
-    </p:spTree>
-    <p:extLst>
-      <p:ext uri="{BB962C8B-B14F-4D97-AF65-F5344CB8AC3E}">
-        <p14:creationId xmlns:p14="http://schemas.microsoft.com/office/powerpoint/2010/main" val="2711736948"/>
-      </p:ext>
-    </p:extLst>
-  </p:cSld>
-  <p:clrMapOvr>
-    <a:masterClrMapping/>
-  </p:clrMapOvr>
-  <p:timing>
-    <p:tnLst>
-      <p:par>
-        <p:cTn id="1" dur="indefinite" restart="never" nodeType="tmRoot"/>
-      </p:par>
-    </p:tnLst>
-  </p:timing>
-</p:sld>
-</file>
-
-<file path=ppt/slides/slide18.xml><?xml version="1.0" encoding="utf-8"?>
-<p:sld xmlns:a="http://schemas.openxmlformats.org/drawingml/2006/main" xmlns:r="http://schemas.openxmlformats.org/officeDocument/2006/relationships" xmlns:p="http://schemas.openxmlformats.org/presentationml/2006/main">
-  <p:cSld>
-    <p:spTree>
-      <p:nvGrpSpPr>
-        <p:cNvPr id="1" name=""/>
-        <p:cNvGrpSpPr/>
-        <p:nvPr/>
-      </p:nvGrpSpPr>
-      <p:grpSpPr>
-        <a:xfrm>
-          <a:off x="0" y="0"/>
-          <a:ext cx="0" cy="0"/>
-          <a:chOff x="0" y="0"/>
-          <a:chExt cx="0" cy="0"/>
-        </a:xfrm>
-      </p:grpSpPr>
-      <p:sp>
-        <p:nvSpPr>
-          <p:cNvPr id="2" name="Title 1"/>
-          <p:cNvSpPr>
-            <a:spLocks noGrp="1"/>
-          </p:cNvSpPr>
-          <p:nvPr>
-            <p:ph type="title"/>
-          </p:nvPr>
-        </p:nvSpPr>
-        <p:spPr/>
-        <p:txBody>
-          <a:bodyPr/>
-          <a:lstStyle/>
-          <a:p>
-            <a:r>
-              <a:rPr lang="fr-FR" b="1" u="sng" dirty="0"/>
-              <a:t>Base de données</a:t>
-            </a:r>
-          </a:p>
-        </p:txBody>
-      </p:sp>
-      <p:pic>
-        <p:nvPicPr>
-          <p:cNvPr id="3" name="Picture 2"/>
-          <p:cNvPicPr>
-            <a:picLocks noChangeAspect="1"/>
-          </p:cNvPicPr>
-          <p:nvPr/>
-        </p:nvPicPr>
-        <p:blipFill>
-          <a:blip r:embed="rId2">
-            <a:extLst>
-              <a:ext uri="{28A0092B-C50C-407E-A947-70E740481C1C}">
-                <a14:useLocalDpi xmlns:a14="http://schemas.microsoft.com/office/drawing/2010/main" val="0"/>
-              </a:ext>
-            </a:extLst>
-          </a:blip>
-          <a:stretch>
-            <a:fillRect/>
-          </a:stretch>
-        </p:blipFill>
-        <p:spPr>
-          <a:xfrm>
-            <a:off x="656408" y="3120701"/>
-            <a:ext cx="10869542" cy="1400370"/>
-          </a:xfrm>
-          <a:prstGeom prst="rect">
-            <a:avLst/>
-          </a:prstGeom>
-        </p:spPr>
-      </p:pic>
-      <p:sp>
-        <p:nvSpPr>
-          <p:cNvPr id="7" name="TextBox 6"/>
-          <p:cNvSpPr txBox="1"/>
-          <p:nvPr/>
-        </p:nvSpPr>
-        <p:spPr>
-          <a:xfrm>
-            <a:off x="656408" y="1696267"/>
-            <a:ext cx="10879183" cy="954107"/>
-          </a:xfrm>
-          <a:prstGeom prst="rect">
-            <a:avLst/>
-          </a:prstGeom>
-          <a:noFill/>
-        </p:spPr>
-        <p:txBody>
-          <a:bodyPr wrap="square" rtlCol="0">
-            <a:spAutoFit/>
-          </a:bodyPr>
-          <a:lstStyle/>
-          <a:p>
-            <a:r>
-              <a:rPr lang="fr-FR" sz="2800" dirty="0"/>
-              <a:t>Cette table est la table </a:t>
-            </a:r>
-            <a:r>
-              <a:rPr lang="fr-FR" sz="2800" u="sng" dirty="0"/>
-              <a:t>PLACE</a:t>
-            </a:r>
-            <a:r>
-              <a:rPr lang="fr-FR" sz="2800" dirty="0"/>
-              <a:t> </a:t>
-            </a:r>
-          </a:p>
-          <a:p>
-            <a:r>
-              <a:rPr lang="fr-FR" sz="2800" dirty="0"/>
-              <a:t>Les données intéressantes sont : </a:t>
-            </a:r>
-            <a:r>
-              <a:rPr lang="fr-FR" sz="2800" dirty="0" err="1"/>
-              <a:t>etat_p</a:t>
-            </a:r>
-            <a:r>
-              <a:rPr lang="fr-FR" sz="2800" dirty="0"/>
-              <a:t> </a:t>
-            </a:r>
-          </a:p>
-        </p:txBody>
-      </p:sp>
-    </p:spTree>
-    <p:extLst>
-      <p:ext uri="{BB962C8B-B14F-4D97-AF65-F5344CB8AC3E}">
-        <p14:creationId xmlns:p14="http://schemas.microsoft.com/office/powerpoint/2010/main" val="588575412"/>
-      </p:ext>
-    </p:extLst>
-  </p:cSld>
-  <p:clrMapOvr>
-    <a:masterClrMapping/>
-  </p:clrMapOvr>
-  <p:timing>
-    <p:tnLst>
-      <p:par>
-        <p:cTn id="1" dur="indefinite" restart="never" nodeType="tmRoot"/>
-      </p:par>
-    </p:tnLst>
-  </p:timing>
-</p:sld>
-</file>
-
-<file path=ppt/slides/slide19.xml><?xml version="1.0" encoding="utf-8"?>
-<p:sld xmlns:a="http://schemas.openxmlformats.org/drawingml/2006/main" xmlns:r="http://schemas.openxmlformats.org/officeDocument/2006/relationships" xmlns:p="http://schemas.openxmlformats.org/presentationml/2006/main">
-  <p:cSld>
-    <p:spTree>
-      <p:nvGrpSpPr>
-        <p:cNvPr id="1" name=""/>
-        <p:cNvGrpSpPr/>
-        <p:nvPr/>
-      </p:nvGrpSpPr>
-      <p:grpSpPr>
-        <a:xfrm>
-          <a:off x="0" y="0"/>
-          <a:ext cx="0" cy="0"/>
-          <a:chOff x="0" y="0"/>
-          <a:chExt cx="0" cy="0"/>
-        </a:xfrm>
-      </p:grpSpPr>
-      <p:sp>
-        <p:nvSpPr>
-          <p:cNvPr id="2" name="Title 1"/>
-          <p:cNvSpPr>
-            <a:spLocks noGrp="1"/>
-          </p:cNvSpPr>
-          <p:nvPr>
-            <p:ph type="title"/>
-          </p:nvPr>
-        </p:nvSpPr>
-        <p:spPr/>
-        <p:txBody>
-          <a:bodyPr/>
-          <a:lstStyle/>
-          <a:p>
-            <a:r>
-              <a:rPr lang="fr-FR" b="1" u="sng" dirty="0"/>
-              <a:t>Base de données</a:t>
-            </a:r>
-          </a:p>
-        </p:txBody>
-      </p:sp>
-      <p:sp>
-        <p:nvSpPr>
-          <p:cNvPr id="6" name="TextBox 5"/>
-          <p:cNvSpPr txBox="1"/>
-          <p:nvPr/>
-        </p:nvSpPr>
-        <p:spPr>
-          <a:xfrm>
-            <a:off x="656408" y="1696267"/>
-            <a:ext cx="10879183" cy="1815882"/>
-          </a:xfrm>
-          <a:prstGeom prst="rect">
-            <a:avLst/>
-          </a:prstGeom>
-          <a:noFill/>
-        </p:spPr>
-        <p:txBody>
-          <a:bodyPr wrap="square" rtlCol="0">
-            <a:spAutoFit/>
-          </a:bodyPr>
-          <a:lstStyle/>
-          <a:p>
-            <a:r>
-              <a:rPr lang="fr-FR" sz="2800" dirty="0"/>
-              <a:t>Cette table est la table RESERVATION</a:t>
-            </a:r>
-          </a:p>
-          <a:p>
-            <a:r>
-              <a:rPr lang="fr-FR" sz="2800" dirty="0"/>
-              <a:t>Les données intéressantes sont : </a:t>
-            </a:r>
-            <a:r>
-              <a:rPr lang="fr-FR" sz="2800" dirty="0" err="1"/>
-              <a:t>date_resa</a:t>
-            </a:r>
-            <a:r>
-              <a:rPr lang="fr-FR" sz="2800" dirty="0"/>
-              <a:t> ; </a:t>
-            </a:r>
-            <a:r>
-              <a:rPr lang="fr-FR" sz="2800" dirty="0" err="1"/>
-              <a:t>date_debut</a:t>
-            </a:r>
-            <a:r>
-              <a:rPr lang="fr-FR" sz="2800" dirty="0"/>
-              <a:t> et </a:t>
-            </a:r>
-            <a:r>
-              <a:rPr lang="fr-FR" sz="2800" dirty="0" err="1"/>
-              <a:t>date_fin</a:t>
-            </a:r>
-            <a:endParaRPr lang="fr-FR" sz="2800" dirty="0"/>
-          </a:p>
-          <a:p>
-            <a:endParaRPr lang="fr-FR" sz="2800" dirty="0"/>
-          </a:p>
-          <a:p>
-            <a:r>
-              <a:rPr lang="fr-FR" sz="2800" dirty="0"/>
-              <a:t>On remarque les clés étrangères : </a:t>
-            </a:r>
-            <a:r>
-              <a:rPr lang="fr-FR" sz="2800" dirty="0" err="1"/>
-              <a:t>id_u</a:t>
-            </a:r>
-            <a:r>
-              <a:rPr lang="fr-FR" sz="2800" dirty="0"/>
-              <a:t> et </a:t>
-            </a:r>
-            <a:r>
-              <a:rPr lang="fr-FR" sz="2800" dirty="0" err="1"/>
-              <a:t>id_p</a:t>
-            </a:r>
-            <a:endParaRPr lang="fr-FR" sz="2800" dirty="0"/>
-          </a:p>
-        </p:txBody>
-      </p:sp>
-      <p:pic>
-        <p:nvPicPr>
-          <p:cNvPr id="3" name="Picture 2"/>
-          <p:cNvPicPr>
-            <a:picLocks noChangeAspect="1"/>
-          </p:cNvPicPr>
-          <p:nvPr/>
-        </p:nvPicPr>
-        <p:blipFill>
-          <a:blip r:embed="rId2">
-            <a:extLst>
-              <a:ext uri="{28A0092B-C50C-407E-A947-70E740481C1C}">
-                <a14:useLocalDpi xmlns:a14="http://schemas.microsoft.com/office/drawing/2010/main" val="0"/>
-              </a:ext>
-            </a:extLst>
-          </a:blip>
-          <a:stretch>
-            <a:fillRect/>
-          </a:stretch>
-        </p:blipFill>
-        <p:spPr>
-          <a:xfrm>
-            <a:off x="708859" y="3920703"/>
-            <a:ext cx="10774279" cy="2333951"/>
-          </a:xfrm>
-          <a:prstGeom prst="rect">
-            <a:avLst/>
-          </a:prstGeom>
-        </p:spPr>
-      </p:pic>
-    </p:spTree>
-    <p:extLst>
-      <p:ext uri="{BB962C8B-B14F-4D97-AF65-F5344CB8AC3E}">
-        <p14:creationId xmlns:p14="http://schemas.microsoft.com/office/powerpoint/2010/main" val="3966277554"/>
-      </p:ext>
-    </p:extLst>
-  </p:cSld>
-  <p:clrMapOvr>
-    <a:masterClrMapping/>
-  </p:clrMapOvr>
-  <p:timing>
-    <p:tnLst>
-      <p:par>
-        <p:cTn id="1" dur="indefinite" restart="never" nodeType="tmRoot"/>
-      </p:par>
-    </p:tnLst>
-  </p:timing>
-</p:sld>
-</file>
-
-<file path=ppt/slides/slide2.xml><?xml version="1.0" encoding="utf-8"?>
-<p:sld xmlns:a="http://schemas.openxmlformats.org/drawingml/2006/main" xmlns:r="http://schemas.openxmlformats.org/officeDocument/2006/relationships" xmlns:p="http://schemas.openxmlformats.org/presentationml/2006/main">
-  <p:cSld>
-    <p:spTree>
-      <p:nvGrpSpPr>
-        <p:cNvPr id="1" name=""/>
-        <p:cNvGrpSpPr/>
-        <p:nvPr/>
-      </p:nvGrpSpPr>
-      <p:grpSpPr>
-        <a:xfrm>
-          <a:off x="0" y="0"/>
-          <a:ext cx="0" cy="0"/>
-          <a:chOff x="0" y="0"/>
-          <a:chExt cx="0" cy="0"/>
-        </a:xfrm>
-      </p:grpSpPr>
-      <p:sp>
-        <p:nvSpPr>
-          <p:cNvPr id="3" name="Title 2"/>
-          <p:cNvSpPr>
-            <a:spLocks noGrp="1"/>
-          </p:cNvSpPr>
-          <p:nvPr>
-            <p:ph type="title"/>
-          </p:nvPr>
-        </p:nvSpPr>
-        <p:spPr/>
-        <p:txBody>
-          <a:bodyPr/>
-          <a:lstStyle/>
-          <a:p>
-            <a:r>
-              <a:rPr lang="fr-FR" b="1" u="sng" dirty="0"/>
-              <a:t>Points importants de la présentation</a:t>
-            </a:r>
-          </a:p>
-        </p:txBody>
-      </p:sp>
-      <p:sp>
-        <p:nvSpPr>
-          <p:cNvPr id="4" name="Content Placeholder 3"/>
-          <p:cNvSpPr>
-            <a:spLocks noGrp="1"/>
-          </p:cNvSpPr>
-          <p:nvPr>
-            <p:ph sz="half" idx="1"/>
-          </p:nvPr>
-        </p:nvSpPr>
-        <p:spPr>
-          <a:xfrm>
-            <a:off x="627017" y="2207623"/>
-            <a:ext cx="5392783" cy="3969340"/>
-          </a:xfrm>
-        </p:spPr>
-        <p:txBody>
-          <a:bodyPr>
-            <a:normAutofit/>
-          </a:bodyPr>
-          <a:lstStyle/>
-          <a:p>
-            <a:r>
-              <a:rPr lang="fr-FR" sz="3200" dirty="0"/>
-              <a:t>Exposé par Alexandre :</a:t>
-            </a:r>
-          </a:p>
-          <a:p>
-            <a:pPr lvl="1"/>
-            <a:r>
-              <a:rPr lang="fr-FR" sz="2800" dirty="0"/>
-              <a:t>Technologies utilisées</a:t>
-            </a:r>
-          </a:p>
-          <a:p>
-            <a:pPr lvl="1"/>
-            <a:r>
-              <a:rPr lang="fr-FR" sz="2800" dirty="0"/>
-              <a:t>Fonctions primaire de </a:t>
-            </a:r>
-            <a:r>
-              <a:rPr lang="fr-FR" sz="2800" dirty="0" smtClean="0"/>
-              <a:t>l'application</a:t>
-            </a:r>
-          </a:p>
-          <a:p>
-            <a:pPr lvl="1"/>
-            <a:r>
-              <a:rPr lang="fr-FR" sz="2800" dirty="0" smtClean="0"/>
-              <a:t>Plan </a:t>
-            </a:r>
-            <a:r>
-              <a:rPr lang="fr-FR" sz="2800" dirty="0"/>
-              <a:t>du site</a:t>
-            </a:r>
-          </a:p>
-          <a:p>
-            <a:pPr lvl="1"/>
-            <a:r>
-              <a:rPr lang="fr-FR" sz="2800" dirty="0"/>
-              <a:t>Maquettes</a:t>
-            </a:r>
-          </a:p>
-        </p:txBody>
-      </p:sp>
-      <p:sp>
-        <p:nvSpPr>
-          <p:cNvPr id="5" name="Content Placeholder 4"/>
-          <p:cNvSpPr>
-            <a:spLocks noGrp="1"/>
-          </p:cNvSpPr>
-          <p:nvPr>
-            <p:ph sz="half" idx="2"/>
-          </p:nvPr>
-        </p:nvSpPr>
-        <p:spPr>
-          <a:xfrm>
-            <a:off x="6172200" y="2207623"/>
-            <a:ext cx="5545184" cy="3969340"/>
-          </a:xfrm>
-        </p:spPr>
-        <p:txBody>
-          <a:bodyPr>
-            <a:normAutofit/>
-          </a:bodyPr>
-          <a:lstStyle/>
-          <a:p>
-            <a:r>
-              <a:rPr lang="fr-FR" sz="3200" dirty="0"/>
-              <a:t>Exposé par Benoît :</a:t>
-            </a:r>
-          </a:p>
-          <a:p>
-            <a:pPr lvl="1"/>
-            <a:r>
-              <a:rPr lang="fr-FR" sz="2800" dirty="0"/>
-              <a:t>Tâches en phase pré-production</a:t>
-            </a:r>
-          </a:p>
-          <a:p>
-            <a:pPr lvl="1"/>
-            <a:r>
-              <a:rPr lang="fr-FR" sz="2800" dirty="0" smtClean="0"/>
-              <a:t>Fonctions secondaires de l'application</a:t>
-            </a:r>
-          </a:p>
-          <a:p>
-            <a:pPr lvl="1"/>
-            <a:r>
-              <a:rPr lang="fr-FR" sz="2800" dirty="0" smtClean="0"/>
-              <a:t>MCD </a:t>
-            </a:r>
-          </a:p>
-          <a:p>
-            <a:pPr lvl="1"/>
-            <a:r>
-              <a:rPr lang="fr-FR" sz="2800" dirty="0" smtClean="0"/>
-              <a:t>Base </a:t>
-            </a:r>
-            <a:r>
-              <a:rPr lang="fr-FR" sz="2800" dirty="0"/>
-              <a:t>de données</a:t>
-            </a:r>
-          </a:p>
-        </p:txBody>
-      </p:sp>
-    </p:spTree>
-    <p:extLst>
-      <p:ext uri="{BB962C8B-B14F-4D97-AF65-F5344CB8AC3E}">
-        <p14:creationId xmlns:p14="http://schemas.microsoft.com/office/powerpoint/2010/main" val="3928923843"/>
-      </p:ext>
-    </p:extLst>
-  </p:cSld>
-  <p:clrMapOvr>
-    <a:masterClrMapping/>
-  </p:clrMapOvr>
-  <p:timing>
-    <p:tnLst>
-      <p:par>
-        <p:cTn id="1" dur="indefinite" restart="never" nodeType="tmRoot"/>
-      </p:par>
-    </p:tnLst>
-  </p:timing>
-</p:sld>
-</file>
-
-<file path=ppt/slides/slide3.xml><?xml version="1.0" encoding="utf-8"?>
-<p:sld xmlns:a="http://schemas.openxmlformats.org/drawingml/2006/main" xmlns:r="http://schemas.openxmlformats.org/officeDocument/2006/relationships" xmlns:p="http://schemas.openxmlformats.org/presentationml/2006/main">
-  <p:cSld>
-    <p:spTree>
-      <p:nvGrpSpPr>
-        <p:cNvPr id="1" name=""/>
-        <p:cNvGrpSpPr/>
-        <p:nvPr/>
-      </p:nvGrpSpPr>
-      <p:grpSpPr>
-        <a:xfrm>
-          <a:off x="0" y="0"/>
-          <a:ext cx="0" cy="0"/>
-          <a:chOff x="0" y="0"/>
-          <a:chExt cx="0" cy="0"/>
-        </a:xfrm>
-      </p:grpSpPr>
-      <p:sp>
-        <p:nvSpPr>
-          <p:cNvPr id="5" name="Title 4"/>
-          <p:cNvSpPr>
-            <a:spLocks noGrp="1"/>
-          </p:cNvSpPr>
-          <p:nvPr>
-            <p:ph type="title"/>
-          </p:nvPr>
-        </p:nvSpPr>
-        <p:spPr/>
-        <p:txBody>
-          <a:bodyPr/>
-          <a:lstStyle/>
-          <a:p>
-            <a:r>
-              <a:rPr lang="fr-FR" b="1" u="sng" dirty="0"/>
-              <a:t>Technologies utilisées</a:t>
-            </a:r>
-          </a:p>
-        </p:txBody>
-      </p:sp>
-      <p:sp>
-        <p:nvSpPr>
-          <p:cNvPr id="6" name="Content Placeholder 5"/>
-          <p:cNvSpPr>
-            <a:spLocks noGrp="1"/>
-          </p:cNvSpPr>
-          <p:nvPr>
-            <p:ph idx="1"/>
-          </p:nvPr>
-        </p:nvSpPr>
-        <p:spPr/>
-        <p:txBody>
-          <a:bodyPr>
-            <a:noAutofit/>
-          </a:bodyPr>
-          <a:lstStyle/>
-          <a:p>
-            <a:r>
-              <a:rPr lang="fr-FR" sz="3200" dirty="0"/>
-              <a:t>Pour le MCD graphique: MOCODO</a:t>
-            </a:r>
-          </a:p>
-          <a:p>
-            <a:r>
-              <a:rPr lang="fr-FR" sz="3200" dirty="0"/>
-              <a:t>Pour la maquette du site: </a:t>
-            </a:r>
-            <a:r>
-              <a:rPr lang="fr-FR" sz="3200" dirty="0" err="1"/>
-              <a:t>Balsamiq</a:t>
-            </a:r>
-            <a:endParaRPr lang="fr-FR" sz="3200" dirty="0"/>
-          </a:p>
-          <a:p>
-            <a:r>
-              <a:rPr lang="fr-FR" sz="3200" dirty="0"/>
-              <a:t>Pour la base de donnée: MySQL</a:t>
-            </a:r>
-          </a:p>
-          <a:p>
-            <a:r>
-              <a:rPr lang="fr-FR" sz="3200" dirty="0"/>
-              <a:t>Pour le Back-end: PHP</a:t>
-            </a:r>
-          </a:p>
-          <a:p>
-            <a:r>
-              <a:rPr lang="fr-FR" sz="3200" dirty="0"/>
-              <a:t>Pour le Front-End: HTML5, CSS3, JavaScript, SCSS, </a:t>
-            </a:r>
-            <a:r>
-              <a:rPr lang="fr-FR" sz="3200" dirty="0" err="1"/>
-              <a:t>Bootstrap</a:t>
-            </a:r>
-            <a:endParaRPr lang="fr-FR" sz="3200" dirty="0"/>
-          </a:p>
-          <a:p>
-            <a:r>
-              <a:rPr lang="fr-FR" sz="3200" dirty="0"/>
-              <a:t>Logiciel de présentation: Microsoft POWERPOINT</a:t>
-            </a:r>
-          </a:p>
-          <a:p>
-            <a:r>
-              <a:rPr lang="fr-FR" sz="3200" dirty="0"/>
-              <a:t>Outils de collaborations: </a:t>
-            </a:r>
-            <a:r>
-              <a:rPr lang="fr-FR" sz="3200" dirty="0" err="1"/>
-              <a:t>Github</a:t>
-            </a:r>
-            <a:r>
-              <a:rPr lang="fr-FR" sz="3200" dirty="0"/>
-              <a:t>, </a:t>
-            </a:r>
-            <a:r>
-              <a:rPr lang="fr-FR" sz="3200" dirty="0" err="1"/>
-              <a:t>Trello</a:t>
-            </a:r>
-            <a:endParaRPr lang="fr-FR" sz="3200" dirty="0"/>
-          </a:p>
-        </p:txBody>
-      </p:sp>
-    </p:spTree>
-    <p:extLst>
-      <p:ext uri="{BB962C8B-B14F-4D97-AF65-F5344CB8AC3E}">
-        <p14:creationId xmlns:p14="http://schemas.microsoft.com/office/powerpoint/2010/main" val="2994174124"/>
-      </p:ext>
-    </p:extLst>
-  </p:cSld>
-  <p:clrMapOvr>
-    <a:masterClrMapping/>
-  </p:clrMapOvr>
-  <p:timing>
-    <p:tnLst>
-      <p:par>
-        <p:cTn id="1" dur="indefinite" restart="never" nodeType="tmRoot"/>
-      </p:par>
-    </p:tnLst>
-  </p:timing>
-</p:sld>
-</file>
-
-<file path=ppt/slides/slide4.xml><?xml version="1.0" encoding="utf-8"?>
-<p:sld xmlns:a="http://schemas.openxmlformats.org/drawingml/2006/main" xmlns:r="http://schemas.openxmlformats.org/officeDocument/2006/relationships" xmlns:p="http://schemas.openxmlformats.org/presentationml/2006/main">
-  <p:cSld>
-    <p:spTree>
-      <p:nvGrpSpPr>
-        <p:cNvPr id="1" name=""/>
-        <p:cNvGrpSpPr/>
-        <p:nvPr/>
-      </p:nvGrpSpPr>
-      <p:grpSpPr>
-        <a:xfrm>
-          <a:off x="0" y="0"/>
-          <a:ext cx="0" cy="0"/>
-          <a:chOff x="0" y="0"/>
-          <a:chExt cx="0" cy="0"/>
-        </a:xfrm>
-      </p:grpSpPr>
-      <p:sp>
-        <p:nvSpPr>
-          <p:cNvPr id="2" name="Title 1"/>
-          <p:cNvSpPr>
-            <a:spLocks noGrp="1"/>
-          </p:cNvSpPr>
-          <p:nvPr>
-            <p:ph type="title"/>
-          </p:nvPr>
-        </p:nvSpPr>
-        <p:spPr/>
-        <p:txBody>
-          <a:bodyPr/>
-          <a:lstStyle/>
-          <a:p>
-            <a:r>
-              <a:rPr lang="fr-FR" b="1" u="sng" dirty="0"/>
-              <a:t>Tâches pré-production</a:t>
-            </a:r>
-          </a:p>
-        </p:txBody>
-      </p:sp>
-      <p:sp>
-        <p:nvSpPr>
-          <p:cNvPr id="3" name="Content Placeholder 2"/>
-          <p:cNvSpPr>
-            <a:spLocks noGrp="1"/>
-          </p:cNvSpPr>
-          <p:nvPr>
-            <p:ph idx="1"/>
-          </p:nvPr>
-        </p:nvSpPr>
-        <p:spPr/>
-        <p:txBody>
-          <a:bodyPr/>
-          <a:lstStyle/>
-          <a:p>
-            <a:r>
-              <a:rPr lang="fr-FR" dirty="0"/>
-              <a:t>Création d'une documentation comprenant la liste des taches, les technologies à utiliser, les maquettes et le MCD</a:t>
-            </a:r>
-          </a:p>
-          <a:p>
-            <a:r>
-              <a:rPr lang="fr-FR" dirty="0"/>
-              <a:t>Mise en place du projet sur </a:t>
-            </a:r>
-            <a:r>
-              <a:rPr lang="fr-FR" dirty="0" err="1"/>
-              <a:t>Github</a:t>
-            </a:r>
-            <a:r>
-              <a:rPr lang="fr-FR" dirty="0"/>
-              <a:t> et attributions des accès aux différents collaborateurs</a:t>
-            </a:r>
-          </a:p>
-          <a:p>
-            <a:r>
-              <a:rPr lang="fr-FR" dirty="0"/>
-              <a:t>Création du Modèle Conceptuel des Données</a:t>
-            </a:r>
-          </a:p>
-          <a:p>
-            <a:r>
-              <a:rPr lang="fr-FR" dirty="0"/>
-              <a:t>Création de la hiérarchisation du plan du site</a:t>
-            </a:r>
-          </a:p>
-          <a:p>
-            <a:r>
-              <a:rPr lang="fr-FR" dirty="0"/>
-              <a:t>Création des maquettes de représentation des pages du site</a:t>
-            </a:r>
-          </a:p>
-          <a:p>
-            <a:r>
-              <a:rPr lang="fr-FR" dirty="0"/>
-              <a:t>Création de la base de données </a:t>
-            </a:r>
-          </a:p>
-          <a:p>
-            <a:endParaRPr lang="fr-FR" dirty="0"/>
-          </a:p>
-        </p:txBody>
-      </p:sp>
-    </p:spTree>
-    <p:extLst>
-      <p:ext uri="{BB962C8B-B14F-4D97-AF65-F5344CB8AC3E}">
-        <p14:creationId xmlns:p14="http://schemas.microsoft.com/office/powerpoint/2010/main" val="4275414333"/>
-      </p:ext>
-    </p:extLst>
-  </p:cSld>
-  <p:clrMapOvr>
-    <a:masterClrMapping/>
-  </p:clrMapOvr>
-  <p:timing>
-    <p:tnLst>
-      <p:par>
-        <p:cTn id="1" dur="indefinite" restart="never" nodeType="tmRoot"/>
-      </p:par>
-    </p:tnLst>
-  </p:timing>
-</p:sld>
-</file>
-
-<file path=ppt/slides/slide5.xml><?xml version="1.0" encoding="utf-8"?>
-<p:sld xmlns:a="http://schemas.openxmlformats.org/drawingml/2006/main" xmlns:r="http://schemas.openxmlformats.org/officeDocument/2006/relationships" xmlns:p="http://schemas.openxmlformats.org/presentationml/2006/main">
-  <p:cSld>
-    <p:spTree>
-      <p:nvGrpSpPr>
-        <p:cNvPr id="1" name=""/>
-        <p:cNvGrpSpPr/>
-        <p:nvPr/>
-      </p:nvGrpSpPr>
-      <p:grpSpPr>
-        <a:xfrm>
-          <a:off x="0" y="0"/>
-          <a:ext cx="0" cy="0"/>
-          <a:chOff x="0" y="0"/>
-          <a:chExt cx="0" cy="0"/>
-        </a:xfrm>
-      </p:grpSpPr>
-      <p:sp>
-        <p:nvSpPr>
-          <p:cNvPr id="2" name="Title 1"/>
-          <p:cNvSpPr>
-            <a:spLocks noGrp="1"/>
-          </p:cNvSpPr>
-          <p:nvPr>
-            <p:ph type="title"/>
-          </p:nvPr>
-        </p:nvSpPr>
-        <p:spPr/>
-        <p:txBody>
-          <a:bodyPr/>
-          <a:lstStyle/>
-          <a:p>
-            <a:r>
-              <a:rPr lang="fr-FR" b="1" u="sng" dirty="0"/>
-              <a:t>Fonctions primaire de </a:t>
-            </a:r>
-            <a:r>
-              <a:rPr lang="fr-FR" b="1" u="sng" dirty="0" smtClean="0"/>
-              <a:t>l'application</a:t>
-            </a:r>
-            <a:endParaRPr lang="fr-FR" u="sng" dirty="0"/>
-          </a:p>
-        </p:txBody>
-      </p:sp>
-      <p:sp>
-        <p:nvSpPr>
-          <p:cNvPr id="3" name="Content Placeholder 2"/>
-          <p:cNvSpPr>
-            <a:spLocks noGrp="1"/>
-          </p:cNvSpPr>
-          <p:nvPr>
-            <p:ph idx="1"/>
-          </p:nvPr>
-        </p:nvSpPr>
-        <p:spPr>
-          <a:xfrm>
-            <a:off x="838200" y="1371600"/>
-            <a:ext cx="10515600" cy="4805363"/>
-          </a:xfrm>
-        </p:spPr>
-        <p:txBody>
-          <a:bodyPr>
-            <a:normAutofit lnSpcReduction="10000"/>
-          </a:bodyPr>
-          <a:lstStyle/>
-          <a:p>
-            <a:endParaRPr lang="fr-FR" sz="2400" dirty="0" smtClean="0"/>
-          </a:p>
-          <a:p>
-            <a:r>
-              <a:rPr lang="fr-FR" sz="2400" dirty="0" smtClean="0"/>
-              <a:t>Création </a:t>
-            </a:r>
-            <a:r>
-              <a:rPr lang="fr-FR" sz="2400" dirty="0"/>
-              <a:t>des pages constituant le site, suivant les maquettes (</a:t>
-            </a:r>
-            <a:r>
-              <a:rPr lang="fr-FR" sz="2400" dirty="0" err="1"/>
-              <a:t>cf</a:t>
-            </a:r>
-            <a:r>
-              <a:rPr lang="fr-FR" sz="2400" dirty="0"/>
-              <a:t> Maquettes) et en respectant l'architecture logicielle Modèle vue contrôleur (MVC)</a:t>
-            </a:r>
-          </a:p>
-          <a:p>
-            <a:r>
-              <a:rPr lang="fr-FR" sz="2400" dirty="0"/>
-              <a:t>Elaboration du système d’inscription, connexion,</a:t>
-            </a:r>
-          </a:p>
-          <a:p>
-            <a:r>
-              <a:rPr lang="fr-FR" sz="2400" dirty="0"/>
-              <a:t>Mise en place des fonctionnalités de la page admin. Affichage et approbation des demandes d’inscriptions.</a:t>
-            </a:r>
-          </a:p>
-          <a:p>
-            <a:r>
-              <a:rPr lang="fr-FR" sz="2400" dirty="0"/>
-              <a:t>Elaboration du système de réservation aléatoire sur la page utilisateur.</a:t>
-            </a:r>
-          </a:p>
-          <a:p>
-            <a:r>
-              <a:rPr lang="fr-FR" sz="2400" dirty="0"/>
-              <a:t>Mise en place du système de mise en attente. Et de l’affichage du rang dans la file sur la page utilisateur</a:t>
-            </a:r>
-          </a:p>
-          <a:p>
-            <a:r>
-              <a:rPr lang="fr-FR" sz="2400" dirty="0"/>
-              <a:t>Sur la page admin, affichage de la liste d’attente puis de la liste de l’historique des réservations.</a:t>
-            </a:r>
-          </a:p>
-          <a:p>
-            <a:r>
-              <a:rPr lang="fr-FR" sz="2400" dirty="0"/>
-              <a:t>Sécurité sur le mot de passe en hachage en SHA-256.</a:t>
-            </a:r>
-          </a:p>
-          <a:p>
-            <a:endParaRPr lang="fr-FR" sz="2400" dirty="0"/>
-          </a:p>
-        </p:txBody>
-      </p:sp>
-    </p:spTree>
-    <p:extLst>
-      <p:ext uri="{BB962C8B-B14F-4D97-AF65-F5344CB8AC3E}">
-        <p14:creationId xmlns:p14="http://schemas.microsoft.com/office/powerpoint/2010/main" val="3233770208"/>
-      </p:ext>
-    </p:extLst>
-  </p:cSld>
-  <p:clrMapOvr>
-    <a:masterClrMapping/>
-  </p:clrMapOvr>
-  <p:timing>
-    <p:tnLst>
-      <p:par>
-        <p:cTn id="1" dur="indefinite" restart="never" nodeType="tmRoot"/>
-      </p:par>
-    </p:tnLst>
-  </p:timing>
-</p:sld>
-</file>
-
-<file path=ppt/slides/slide6.xml><?xml version="1.0" encoding="utf-8"?>
-<p:sld xmlns:a="http://schemas.openxmlformats.org/drawingml/2006/main" xmlns:r="http://schemas.openxmlformats.org/officeDocument/2006/relationships" xmlns:p="http://schemas.openxmlformats.org/presentationml/2006/main">
-  <p:cSld>
-    <p:spTree>
-      <p:nvGrpSpPr>
-        <p:cNvPr id="1" name=""/>
-        <p:cNvGrpSpPr/>
-        <p:nvPr/>
-      </p:nvGrpSpPr>
-      <p:grpSpPr>
-        <a:xfrm>
-          <a:off x="0" y="0"/>
-          <a:ext cx="0" cy="0"/>
-          <a:chOff x="0" y="0"/>
-          <a:chExt cx="0" cy="0"/>
-        </a:xfrm>
-      </p:grpSpPr>
-      <p:sp>
-        <p:nvSpPr>
-          <p:cNvPr id="2" name="Title 1"/>
-          <p:cNvSpPr>
-            <a:spLocks noGrp="1"/>
-          </p:cNvSpPr>
-          <p:nvPr>
-            <p:ph type="title"/>
-          </p:nvPr>
-        </p:nvSpPr>
-        <p:spPr/>
-        <p:txBody>
-          <a:bodyPr/>
-          <a:lstStyle/>
-          <a:p>
-            <a:r>
-              <a:rPr lang="fr-FR" b="1" u="sng" dirty="0"/>
-              <a:t>Fonctions secondaires de l'application</a:t>
-            </a:r>
-            <a:r>
-              <a:rPr lang="fr-FR" b="1" dirty="0"/>
-              <a:t/>
-            </a:r>
-            <a:br>
-              <a:rPr lang="fr-FR" b="1" dirty="0"/>
-            </a:br>
-            <a:endParaRPr lang="fr-FR" u="sng" dirty="0"/>
-          </a:p>
-        </p:txBody>
-      </p:sp>
-      <p:sp>
-        <p:nvSpPr>
-          <p:cNvPr id="3" name="Content Placeholder 2"/>
-          <p:cNvSpPr>
-            <a:spLocks noGrp="1"/>
-          </p:cNvSpPr>
-          <p:nvPr>
-            <p:ph idx="1"/>
-          </p:nvPr>
-        </p:nvSpPr>
-        <p:spPr/>
-        <p:txBody>
-          <a:bodyPr>
-            <a:normAutofit fontScale="85000" lnSpcReduction="10000"/>
-          </a:bodyPr>
-          <a:lstStyle/>
-          <a:p>
-            <a:r>
-              <a:rPr lang="fr-FR" dirty="0"/>
-              <a:t>Ajout des fonctionnalités de modification de la liste d’attente et de la liste des places.</a:t>
-            </a:r>
-          </a:p>
-          <a:p>
-            <a:r>
-              <a:rPr lang="fr-FR" dirty="0"/>
-              <a:t>Fonctionnalité d’attribution manuelle des places sur la page admin.</a:t>
-            </a:r>
-          </a:p>
-          <a:p>
-            <a:r>
-              <a:rPr lang="fr-FR" dirty="0"/>
-              <a:t>Possibilité de la réinitialisation du mot de passe utilisateur via un système d'envoi de mail avec un fonctionnement de </a:t>
-            </a:r>
-            <a:r>
-              <a:rPr lang="fr-FR" dirty="0" err="1"/>
-              <a:t>token</a:t>
-            </a:r>
-            <a:r>
-              <a:rPr lang="fr-FR" dirty="0"/>
-              <a:t>, </a:t>
-            </a:r>
-            <a:r>
-              <a:rPr lang="fr-FR" dirty="0" err="1"/>
-              <a:t>token</a:t>
-            </a:r>
-            <a:r>
-              <a:rPr lang="fr-FR" dirty="0"/>
-              <a:t> qui est identique en base de donnée ainsi que dans le liens trouver dans l'email envoyer à l'utilisateur.</a:t>
-            </a:r>
-          </a:p>
-          <a:p>
-            <a:r>
-              <a:rPr lang="fr-FR" dirty="0"/>
-              <a:t>Sécurité du site, du point de vue du front-end vérification en JavaScript de tout les formulaires avec l'utilisation de Regex en rapport avec le champs ex(email, adresse), vérification lors de l'inscription du mot de passe indiquer avec une double vérification. du point de vue du back-end sécurisation en PHP face aux injections SQL en protégeant les requetés, utilisations de requête préparée avec des variables liées, trouvable dans les librairies PDO et MySQLi.</a:t>
-            </a:r>
-          </a:p>
-          <a:p>
-            <a:endParaRPr lang="fr-FR" dirty="0"/>
-          </a:p>
-        </p:txBody>
-      </p:sp>
-    </p:spTree>
-    <p:extLst>
-      <p:ext uri="{BB962C8B-B14F-4D97-AF65-F5344CB8AC3E}">
-        <p14:creationId xmlns:p14="http://schemas.microsoft.com/office/powerpoint/2010/main" val="2942507156"/>
-      </p:ext>
-    </p:extLst>
-  </p:cSld>
-  <p:clrMapOvr>
-    <a:masterClrMapping/>
-  </p:clrMapOvr>
-  <p:timing>
-    <p:tnLst>
-      <p:par>
-        <p:cTn id="1" dur="indefinite" restart="never" nodeType="tmRoot"/>
-      </p:par>
-    </p:tnLst>
-  </p:timing>
-</p:sld>
-</file>
-
-<file path=ppt/slides/slide7.xml><?xml version="1.0" encoding="utf-8"?>
-<p:sld xmlns:a="http://schemas.openxmlformats.org/drawingml/2006/main" xmlns:r="http://schemas.openxmlformats.org/officeDocument/2006/relationships" xmlns:p="http://schemas.openxmlformats.org/presentationml/2006/main">
-  <p:cSld>
-    <p:spTree>
-      <p:nvGrpSpPr>
-        <p:cNvPr id="1" name=""/>
-        <p:cNvGrpSpPr/>
-        <p:nvPr/>
-      </p:nvGrpSpPr>
-      <p:grpSpPr>
-        <a:xfrm>
-          <a:off x="0" y="0"/>
-          <a:ext cx="0" cy="0"/>
-          <a:chOff x="0" y="0"/>
-          <a:chExt cx="0" cy="0"/>
-        </a:xfrm>
-      </p:grpSpPr>
-      <p:sp>
-        <p:nvSpPr>
-          <p:cNvPr id="2" name="Title 1"/>
-          <p:cNvSpPr>
-            <a:spLocks noGrp="1"/>
-          </p:cNvSpPr>
-          <p:nvPr>
-            <p:ph type="title"/>
-          </p:nvPr>
-        </p:nvSpPr>
-        <p:spPr/>
-        <p:txBody>
-          <a:bodyPr/>
-          <a:lstStyle/>
-          <a:p>
-            <a:r>
-              <a:rPr lang="fr-FR" b="1" u="sng" dirty="0"/>
-              <a:t>Plan du site</a:t>
-            </a:r>
-          </a:p>
-        </p:txBody>
-      </p:sp>
-      <p:pic>
-        <p:nvPicPr>
-          <p:cNvPr id="4" name="Picture 3"/>
-          <p:cNvPicPr>
-            <a:picLocks noChangeAspect="1"/>
-          </p:cNvPicPr>
-          <p:nvPr/>
-        </p:nvPicPr>
-        <p:blipFill>
-          <a:blip r:embed="rId2" cstate="print">
-            <a:extLst>
-              <a:ext uri="{28A0092B-C50C-407E-A947-70E740481C1C}">
-                <a14:useLocalDpi xmlns:a14="http://schemas.microsoft.com/office/drawing/2010/main" val="0"/>
-              </a:ext>
-            </a:extLst>
-          </a:blip>
-          <a:stretch>
-            <a:fillRect/>
-          </a:stretch>
-        </p:blipFill>
-        <p:spPr>
-          <a:xfrm>
-            <a:off x="0" y="1959428"/>
-            <a:ext cx="12178050" cy="5303520"/>
-          </a:xfrm>
-          <a:prstGeom prst="rect">
-            <a:avLst/>
-          </a:prstGeom>
-        </p:spPr>
-      </p:pic>
-    </p:spTree>
-    <p:extLst>
-      <p:ext uri="{BB962C8B-B14F-4D97-AF65-F5344CB8AC3E}">
-        <p14:creationId xmlns:p14="http://schemas.microsoft.com/office/powerpoint/2010/main" val="995658975"/>
-      </p:ext>
-    </p:extLst>
-  </p:cSld>
-  <p:clrMapOvr>
-    <a:masterClrMapping/>
-  </p:clrMapOvr>
-  <p:timing>
-    <p:tnLst>
-      <p:par>
-        <p:cTn id="1" dur="indefinite" restart="never" nodeType="tmRoot"/>
-      </p:par>
-    </p:tnLst>
-  </p:timing>
-</p:sld>
-</file>
-
-<file path=ppt/slides/slide8.xml><?xml version="1.0" encoding="utf-8"?>
-<p:sld xmlns:a="http://schemas.openxmlformats.org/drawingml/2006/main" xmlns:r="http://schemas.openxmlformats.org/officeDocument/2006/relationships" xmlns:p="http://schemas.openxmlformats.org/presentationml/2006/main">
-  <p:cSld>
-    <p:spTree>
-      <p:nvGrpSpPr>
-        <p:cNvPr id="1" name=""/>
-        <p:cNvGrpSpPr/>
-        <p:nvPr/>
-      </p:nvGrpSpPr>
-      <p:grpSpPr>
-        <a:xfrm>
-          <a:off x="0" y="0"/>
-          <a:ext cx="0" cy="0"/>
-          <a:chOff x="0" y="0"/>
-          <a:chExt cx="0" cy="0"/>
-        </a:xfrm>
-      </p:grpSpPr>
-      <p:sp>
-        <p:nvSpPr>
-          <p:cNvPr id="2" name="Title 1"/>
-          <p:cNvSpPr>
-            <a:spLocks noGrp="1"/>
-          </p:cNvSpPr>
-          <p:nvPr>
-            <p:ph type="title"/>
-          </p:nvPr>
-        </p:nvSpPr>
-        <p:spPr/>
-        <p:txBody>
-          <a:bodyPr/>
-          <a:lstStyle/>
-          <a:p>
-            <a:r>
-              <a:rPr lang="fr-FR" b="1" u="sng" dirty="0"/>
-              <a:t>Modèle conceptuel de données</a:t>
-            </a:r>
-          </a:p>
-        </p:txBody>
-      </p:sp>
-      <p:pic>
-        <p:nvPicPr>
-          <p:cNvPr id="4" name="Content Placeholder 3"/>
-          <p:cNvPicPr>
-            <a:picLocks noGrp="1" noChangeAspect="1"/>
-          </p:cNvPicPr>
-          <p:nvPr>
-            <p:ph idx="1"/>
-          </p:nvPr>
-        </p:nvPicPr>
-        <p:blipFill>
-          <a:blip r:embed="rId2"/>
-          <a:stretch>
-            <a:fillRect/>
-          </a:stretch>
-        </p:blipFill>
-        <p:spPr>
-          <a:xfrm>
-            <a:off x="2089656" y="1690688"/>
-            <a:ext cx="8012688" cy="4207033"/>
-          </a:xfrm>
-          <a:prstGeom prst="rect">
-            <a:avLst/>
-          </a:prstGeom>
-        </p:spPr>
-      </p:pic>
-    </p:spTree>
-    <p:extLst>
-      <p:ext uri="{BB962C8B-B14F-4D97-AF65-F5344CB8AC3E}">
-        <p14:creationId xmlns:p14="http://schemas.microsoft.com/office/powerpoint/2010/main" val="585626215"/>
-      </p:ext>
-    </p:extLst>
-  </p:cSld>
-  <p:clrMapOvr>
-    <a:masterClrMapping/>
-  </p:clrMapOvr>
-  <p:timing>
-    <p:tnLst>
-      <p:par>
-        <p:cTn id="1" dur="indefinite" restart="never" nodeType="tmRoot"/>
-      </p:par>
-    </p:tnLst>
-  </p:timing>
-</p:sld>
-</file>
-
-<file path=ppt/slides/slide9.xml><?xml version="1.0" encoding="utf-8"?>
-<p:sld xmlns:a="http://schemas.openxmlformats.org/drawingml/2006/main" xmlns:r="http://schemas.openxmlformats.org/officeDocument/2006/relationships" xmlns:p="http://schemas.openxmlformats.org/presentationml/2006/main">
-  <p:cSld>
-    <p:spTree>
-      <p:nvGrpSpPr>
-        <p:cNvPr id="1" name=""/>
-        <p:cNvGrpSpPr/>
-        <p:nvPr/>
-      </p:nvGrpSpPr>
-      <p:grpSpPr>
-        <a:xfrm>
-          <a:off x="0" y="0"/>
-          <a:ext cx="0" cy="0"/>
-          <a:chOff x="0" y="0"/>
-          <a:chExt cx="0" cy="0"/>
-        </a:xfrm>
-      </p:grpSpPr>
-      <p:sp>
-        <p:nvSpPr>
-          <p:cNvPr id="2" name="Title 1"/>
-          <p:cNvSpPr>
-            <a:spLocks noGrp="1"/>
-          </p:cNvSpPr>
-          <p:nvPr>
-            <p:ph type="title"/>
-          </p:nvPr>
-        </p:nvSpPr>
-        <p:spPr>
-          <a:xfrm>
-            <a:off x="838200" y="1"/>
-            <a:ext cx="10515600" cy="1690688"/>
-          </a:xfrm>
-        </p:spPr>
-        <p:txBody>
-          <a:bodyPr/>
-          <a:lstStyle/>
-          <a:p>
-            <a:pPr algn="ctr"/>
-            <a:r>
-              <a:rPr lang="fr-FR" b="1" u="sng" dirty="0"/>
-              <a:t>Maquettes</a:t>
-            </a:r>
-            <a:br>
-              <a:rPr lang="fr-FR" b="1" u="sng" dirty="0"/>
-            </a:br>
-            <a:r>
-              <a:rPr lang="fr-FR" b="1" u="sng" dirty="0"/>
-              <a:t>Page d’accueil</a:t>
-            </a:r>
-          </a:p>
-        </p:txBody>
-      </p:sp>
-      <p:pic>
-        <p:nvPicPr>
-          <p:cNvPr id="4" name="Image 3">
-            <a:extLst>
-              <a:ext uri="{FF2B5EF4-FFF2-40B4-BE49-F238E27FC236}">
-                <a16:creationId xmlns:a16="http://schemas.microsoft.com/office/drawing/2014/main" id="{953238A2-11F9-FD4A-A6B3-71BE6CF5CF12}"/>
-              </a:ext>
-            </a:extLst>
-          </p:cNvPr>
-          <p:cNvPicPr>
-            <a:picLocks noChangeAspect="1"/>
-          </p:cNvPicPr>
-          <p:nvPr/>
-        </p:nvPicPr>
-        <p:blipFill>
-          <a:blip r:embed="rId2">
-            <a:extLst>
-              <a:ext uri="{28A0092B-C50C-407E-A947-70E740481C1C}">
-                <a14:useLocalDpi xmlns:a14="http://schemas.microsoft.com/office/drawing/2010/main" val="0"/>
-              </a:ext>
-            </a:extLst>
-          </a:blip>
-          <a:stretch>
-            <a:fillRect/>
-          </a:stretch>
-        </p:blipFill>
-        <p:spPr>
-          <a:xfrm>
-            <a:off x="1991535" y="1690688"/>
-            <a:ext cx="8208929" cy="4784884"/>
-          </a:xfrm>
-          <a:prstGeom prst="rect">
-            <a:avLst/>
-          </a:prstGeom>
-        </p:spPr>
-      </p:pic>
-    </p:spTree>
-    <p:extLst>
-      <p:ext uri="{BB962C8B-B14F-4D97-AF65-F5344CB8AC3E}">
-        <p14:creationId xmlns:p14="http://schemas.microsoft.com/office/powerpoint/2010/main" val="3418796609"/>
-      </p:ext>
-    </p:extLst>
-  </p:cSld>
-  <p:clrMapOvr>
-    <a:masterClrMapping/>
-  </p:clrMapOvr>
-  <p:timing>
-    <p:tnLst>
-      <p:par>
-        <p:cTn id="1" dur="indefinite" restart="never" nodeType="tmRoot"/>
-      </p:par>
-    </p:tnLst>
-  </p:timing>
 </p:sld>
 </file>
 

--- a/Documentation/Présentation PPE Parking.pptx
+++ b/Documentation/Présentation PPE Parking.pptx
@@ -6,23 +6,25 @@
   </p:sldMasterIdLst>
   <p:sldIdLst>
     <p:sldId id="257" r:id="rId2"/>
-    <p:sldId id="259" r:id="rId3"/>
-    <p:sldId id="260" r:id="rId4"/>
-    <p:sldId id="261" r:id="rId5"/>
-    <p:sldId id="262" r:id="rId6"/>
-    <p:sldId id="263" r:id="rId7"/>
-    <p:sldId id="264" r:id="rId8"/>
-    <p:sldId id="265" r:id="rId9"/>
-    <p:sldId id="269" r:id="rId10"/>
-    <p:sldId id="270" r:id="rId11"/>
-    <p:sldId id="271" r:id="rId12"/>
-    <p:sldId id="272" r:id="rId13"/>
-    <p:sldId id="273" r:id="rId14"/>
-    <p:sldId id="274" r:id="rId15"/>
-    <p:sldId id="275" r:id="rId16"/>
-    <p:sldId id="266" r:id="rId17"/>
-    <p:sldId id="267" r:id="rId18"/>
-    <p:sldId id="268" r:id="rId19"/>
+    <p:sldId id="276" r:id="rId3"/>
+    <p:sldId id="259" r:id="rId4"/>
+    <p:sldId id="260" r:id="rId5"/>
+    <p:sldId id="261" r:id="rId6"/>
+    <p:sldId id="277" r:id="rId7"/>
+    <p:sldId id="262" r:id="rId8"/>
+    <p:sldId id="263" r:id="rId9"/>
+    <p:sldId id="264" r:id="rId10"/>
+    <p:sldId id="265" r:id="rId11"/>
+    <p:sldId id="269" r:id="rId12"/>
+    <p:sldId id="270" r:id="rId13"/>
+    <p:sldId id="271" r:id="rId14"/>
+    <p:sldId id="272" r:id="rId15"/>
+    <p:sldId id="273" r:id="rId16"/>
+    <p:sldId id="274" r:id="rId17"/>
+    <p:sldId id="275" r:id="rId18"/>
+    <p:sldId id="266" r:id="rId19"/>
+    <p:sldId id="267" r:id="rId20"/>
+    <p:sldId id="268" r:id="rId21"/>
   </p:sldIdLst>
   <p:sldSz cx="12192000" cy="6858000"/>
   <p:notesSz cx="6858000" cy="9144000"/>
@@ -3145,6 +3147,208 @@
             </a:br>
             <a:r>
               <a:rPr lang="fr-FR" b="1" u="sng" dirty="0"/>
+              <a:t>Page d’accueil</a:t>
+            </a:r>
+          </a:p>
+        </p:txBody>
+      </p:sp>
+      <p:pic>
+        <p:nvPicPr>
+          <p:cNvPr id="4" name="Image 3">
+            <a:extLst>
+              <a:ext uri="{FF2B5EF4-FFF2-40B4-BE49-F238E27FC236}">
+                <a16:creationId xmlns:a16="http://schemas.microsoft.com/office/drawing/2014/main" id="{953238A2-11F9-FD4A-A6B3-71BE6CF5CF12}"/>
+              </a:ext>
+            </a:extLst>
+          </p:cNvPr>
+          <p:cNvPicPr>
+            <a:picLocks noChangeAspect="1"/>
+          </p:cNvPicPr>
+          <p:nvPr/>
+        </p:nvPicPr>
+        <p:blipFill>
+          <a:blip r:embed="rId2">
+            <a:extLst>
+              <a:ext uri="{28A0092B-C50C-407E-A947-70E740481C1C}">
+                <a14:useLocalDpi xmlns:a14="http://schemas.microsoft.com/office/drawing/2010/main" val="0"/>
+              </a:ext>
+            </a:extLst>
+          </a:blip>
+          <a:stretch>
+            <a:fillRect/>
+          </a:stretch>
+        </p:blipFill>
+        <p:spPr>
+          <a:xfrm>
+            <a:off x="1991535" y="1690688"/>
+            <a:ext cx="8208929" cy="4784884"/>
+          </a:xfrm>
+          <a:prstGeom prst="rect">
+            <a:avLst/>
+          </a:prstGeom>
+        </p:spPr>
+      </p:pic>
+    </p:spTree>
+    <p:extLst>
+      <p:ext uri="{BB962C8B-B14F-4D97-AF65-F5344CB8AC3E}">
+        <p14:creationId xmlns:p14="http://schemas.microsoft.com/office/powerpoint/2010/main" val="3418796609"/>
+      </p:ext>
+    </p:extLst>
+  </p:cSld>
+  <p:clrMapOvr>
+    <a:masterClrMapping/>
+  </p:clrMapOvr>
+</p:sld>
+</file>
+
+<file path=ppt/slides/slide11.xml><?xml version="1.0" encoding="utf-8"?>
+<p:sld xmlns:a="http://schemas.openxmlformats.org/drawingml/2006/main" xmlns:r="http://schemas.openxmlformats.org/officeDocument/2006/relationships" xmlns:p="http://schemas.openxmlformats.org/presentationml/2006/main">
+  <p:cSld>
+    <p:spTree>
+      <p:nvGrpSpPr>
+        <p:cNvPr id="1" name=""/>
+        <p:cNvGrpSpPr/>
+        <p:nvPr/>
+      </p:nvGrpSpPr>
+      <p:grpSpPr>
+        <a:xfrm>
+          <a:off x="0" y="0"/>
+          <a:ext cx="0" cy="0"/>
+          <a:chOff x="0" y="0"/>
+          <a:chExt cx="0" cy="0"/>
+        </a:xfrm>
+      </p:grpSpPr>
+      <p:sp>
+        <p:nvSpPr>
+          <p:cNvPr id="2" name="Title 1"/>
+          <p:cNvSpPr>
+            <a:spLocks noGrp="1"/>
+          </p:cNvSpPr>
+          <p:nvPr>
+            <p:ph type="title"/>
+          </p:nvPr>
+        </p:nvSpPr>
+        <p:spPr>
+          <a:xfrm>
+            <a:off x="838200" y="1"/>
+            <a:ext cx="10515600" cy="1690688"/>
+          </a:xfrm>
+        </p:spPr>
+        <p:txBody>
+          <a:bodyPr/>
+          <a:lstStyle/>
+          <a:p>
+            <a:pPr algn="ctr"/>
+            <a:r>
+              <a:rPr lang="fr-FR" b="1" u="sng" dirty="0"/>
+              <a:t>Maquettes</a:t>
+            </a:r>
+            <a:br>
+              <a:rPr lang="fr-FR" b="1" u="sng" dirty="0"/>
+            </a:br>
+            <a:r>
+              <a:rPr lang="fr-FR" b="1" u="sng" dirty="0"/>
+              <a:t>Page d’inscription</a:t>
+            </a:r>
+          </a:p>
+        </p:txBody>
+      </p:sp>
+      <p:pic>
+        <p:nvPicPr>
+          <p:cNvPr id="5" name="Image 4">
+            <a:extLst>
+              <a:ext uri="{FF2B5EF4-FFF2-40B4-BE49-F238E27FC236}">
+                <a16:creationId xmlns:a16="http://schemas.microsoft.com/office/drawing/2014/main" id="{1E1591EA-5BCE-A645-B194-8DA12B2625EB}"/>
+              </a:ext>
+            </a:extLst>
+          </p:cNvPr>
+          <p:cNvPicPr>
+            <a:picLocks noChangeAspect="1"/>
+          </p:cNvPicPr>
+          <p:nvPr/>
+        </p:nvPicPr>
+        <p:blipFill>
+          <a:blip r:embed="rId2">
+            <a:extLst>
+              <a:ext uri="{28A0092B-C50C-407E-A947-70E740481C1C}">
+                <a14:useLocalDpi xmlns:a14="http://schemas.microsoft.com/office/drawing/2010/main" val="0"/>
+              </a:ext>
+            </a:extLst>
+          </a:blip>
+          <a:stretch>
+            <a:fillRect/>
+          </a:stretch>
+        </p:blipFill>
+        <p:spPr>
+          <a:xfrm>
+            <a:off x="1995285" y="1680961"/>
+            <a:ext cx="8201430" cy="4765894"/>
+          </a:xfrm>
+          <a:prstGeom prst="rect">
+            <a:avLst/>
+          </a:prstGeom>
+        </p:spPr>
+      </p:pic>
+    </p:spTree>
+    <p:extLst>
+      <p:ext uri="{BB962C8B-B14F-4D97-AF65-F5344CB8AC3E}">
+        <p14:creationId xmlns:p14="http://schemas.microsoft.com/office/powerpoint/2010/main" val="1942236137"/>
+      </p:ext>
+    </p:extLst>
+  </p:cSld>
+  <p:clrMapOvr>
+    <a:masterClrMapping/>
+  </p:clrMapOvr>
+</p:sld>
+</file>
+
+<file path=ppt/slides/slide12.xml><?xml version="1.0" encoding="utf-8"?>
+<p:sld xmlns:a="http://schemas.openxmlformats.org/drawingml/2006/main" xmlns:r="http://schemas.openxmlformats.org/officeDocument/2006/relationships" xmlns:p="http://schemas.openxmlformats.org/presentationml/2006/main">
+  <p:cSld>
+    <p:spTree>
+      <p:nvGrpSpPr>
+        <p:cNvPr id="1" name=""/>
+        <p:cNvGrpSpPr/>
+        <p:nvPr/>
+      </p:nvGrpSpPr>
+      <p:grpSpPr>
+        <a:xfrm>
+          <a:off x="0" y="0"/>
+          <a:ext cx="0" cy="0"/>
+          <a:chOff x="0" y="0"/>
+          <a:chExt cx="0" cy="0"/>
+        </a:xfrm>
+      </p:grpSpPr>
+      <p:sp>
+        <p:nvSpPr>
+          <p:cNvPr id="2" name="Title 1"/>
+          <p:cNvSpPr>
+            <a:spLocks noGrp="1"/>
+          </p:cNvSpPr>
+          <p:nvPr>
+            <p:ph type="title"/>
+          </p:nvPr>
+        </p:nvSpPr>
+        <p:spPr>
+          <a:xfrm>
+            <a:off x="838200" y="1"/>
+            <a:ext cx="10515600" cy="1690688"/>
+          </a:xfrm>
+        </p:spPr>
+        <p:txBody>
+          <a:bodyPr/>
+          <a:lstStyle/>
+          <a:p>
+            <a:pPr algn="ctr"/>
+            <a:r>
+              <a:rPr lang="fr-FR" b="1" u="sng" dirty="0"/>
+              <a:t>Maquettes</a:t>
+            </a:r>
+            <a:br>
+              <a:rPr lang="fr-FR" b="1" u="sng" dirty="0"/>
+            </a:br>
+            <a:r>
+              <a:rPr lang="fr-FR" b="1" u="sng" dirty="0"/>
               <a:t>Page d’Admin</a:t>
             </a:r>
           </a:p>
@@ -3199,7 +3403,7 @@
 </p:sld>
 </file>
 
-<file path=ppt/slides/slide11.xml><?xml version="1.0" encoding="utf-8"?>
+<file path=ppt/slides/slide13.xml><?xml version="1.0" encoding="utf-8"?>
 <p:sld xmlns:a="http://schemas.openxmlformats.org/drawingml/2006/main" xmlns:r="http://schemas.openxmlformats.org/officeDocument/2006/relationships" xmlns:p="http://schemas.openxmlformats.org/presentationml/2006/main">
   <p:cSld>
     <p:spTree>
@@ -3300,7 +3504,7 @@
 </p:sld>
 </file>
 
-<file path=ppt/slides/slide12.xml><?xml version="1.0" encoding="utf-8"?>
+<file path=ppt/slides/slide14.xml><?xml version="1.0" encoding="utf-8"?>
 <p:sld xmlns:a="http://schemas.openxmlformats.org/drawingml/2006/main" xmlns:r="http://schemas.openxmlformats.org/officeDocument/2006/relationships" xmlns:p="http://schemas.openxmlformats.org/presentationml/2006/main">
   <p:cSld>
     <p:spTree>
@@ -3401,7 +3605,7 @@
 </p:sld>
 </file>
 
-<file path=ppt/slides/slide13.xml><?xml version="1.0" encoding="utf-8"?>
+<file path=ppt/slides/slide15.xml><?xml version="1.0" encoding="utf-8"?>
 <p:sld xmlns:a="http://schemas.openxmlformats.org/drawingml/2006/main" xmlns:r="http://schemas.openxmlformats.org/officeDocument/2006/relationships" xmlns:p="http://schemas.openxmlformats.org/presentationml/2006/main">
   <p:cSld>
     <p:spTree>
@@ -3502,7 +3706,7 @@
 </p:sld>
 </file>
 
-<file path=ppt/slides/slide14.xml><?xml version="1.0" encoding="utf-8"?>
+<file path=ppt/slides/slide16.xml><?xml version="1.0" encoding="utf-8"?>
 <p:sld xmlns:a="http://schemas.openxmlformats.org/drawingml/2006/main" xmlns:r="http://schemas.openxmlformats.org/officeDocument/2006/relationships" xmlns:p="http://schemas.openxmlformats.org/presentationml/2006/main">
   <p:cSld>
     <p:spTree>
@@ -3603,7 +3807,7 @@
 </p:sld>
 </file>
 
-<file path=ppt/slides/slide15.xml><?xml version="1.0" encoding="utf-8"?>
+<file path=ppt/slides/slide17.xml><?xml version="1.0" encoding="utf-8"?>
 <p:sld xmlns:a="http://schemas.openxmlformats.org/drawingml/2006/main" xmlns:r="http://schemas.openxmlformats.org/officeDocument/2006/relationships" xmlns:p="http://schemas.openxmlformats.org/presentationml/2006/main">
   <p:cSld>
     <p:spTree>
@@ -3704,7 +3908,7 @@
 </p:sld>
 </file>
 
-<file path=ppt/slides/slide16.xml><?xml version="1.0" encoding="utf-8"?>
+<file path=ppt/slides/slide18.xml><?xml version="1.0" encoding="utf-8"?>
 <p:sld xmlns:a="http://schemas.openxmlformats.org/drawingml/2006/main" xmlns:r="http://schemas.openxmlformats.org/officeDocument/2006/relationships" xmlns:p="http://schemas.openxmlformats.org/presentationml/2006/main">
   <p:cSld>
     <p:spTree>
@@ -3830,7 +4034,7 @@
 </p:sld>
 </file>
 
-<file path=ppt/slides/slide17.xml><?xml version="1.0" encoding="utf-8"?>
+<file path=ppt/slides/slide19.xml><?xml version="1.0" encoding="utf-8"?>
 <p:sld xmlns:a="http://schemas.openxmlformats.org/drawingml/2006/main" xmlns:r="http://schemas.openxmlformats.org/officeDocument/2006/relationships" xmlns:p="http://schemas.openxmlformats.org/presentationml/2006/main">
   <p:cSld>
     <p:spTree>
@@ -3963,7 +4167,62 @@
 </p:sld>
 </file>
 
-<file path=ppt/slides/slide18.xml><?xml version="1.0" encoding="utf-8"?>
+<file path=ppt/slides/slide2.xml><?xml version="1.0" encoding="utf-8"?>
+<p:sld xmlns:a="http://schemas.openxmlformats.org/drawingml/2006/main" xmlns:r="http://schemas.openxmlformats.org/officeDocument/2006/relationships" xmlns:p="http://schemas.openxmlformats.org/presentationml/2006/main">
+  <p:cSld>
+    <p:spTree>
+      <p:nvGrpSpPr>
+        <p:cNvPr id="1" name=""/>
+        <p:cNvGrpSpPr/>
+        <p:nvPr/>
+      </p:nvGrpSpPr>
+      <p:grpSpPr>
+        <a:xfrm>
+          <a:off x="0" y="0"/>
+          <a:ext cx="0" cy="0"/>
+          <a:chOff x="0" y="0"/>
+          <a:chExt cx="0" cy="0"/>
+        </a:xfrm>
+      </p:grpSpPr>
+      <p:sp>
+        <p:nvSpPr>
+          <p:cNvPr id="2" name="Titre 1">
+            <a:extLst>
+              <a:ext uri="{FF2B5EF4-FFF2-40B4-BE49-F238E27FC236}">
+                <a16:creationId xmlns:a16="http://schemas.microsoft.com/office/drawing/2014/main" id="{844ACC15-63C7-F640-BD32-F81D00AB2AB0}"/>
+              </a:ext>
+            </a:extLst>
+          </p:cNvPr>
+          <p:cNvSpPr>
+            <a:spLocks noGrp="1"/>
+          </p:cNvSpPr>
+          <p:nvPr>
+            <p:ph type="title"/>
+          </p:nvPr>
+        </p:nvSpPr>
+        <p:spPr/>
+        <p:txBody>
+          <a:bodyPr/>
+          <a:lstStyle/>
+          <a:p>
+            <a:endParaRPr lang="fr-FR"/>
+          </a:p>
+        </p:txBody>
+      </p:sp>
+    </p:spTree>
+    <p:extLst>
+      <p:ext uri="{BB962C8B-B14F-4D97-AF65-F5344CB8AC3E}">
+        <p14:creationId xmlns:p14="http://schemas.microsoft.com/office/powerpoint/2010/main" val="623645626"/>
+      </p:ext>
+    </p:extLst>
+  </p:cSld>
+  <p:clrMapOvr>
+    <a:masterClrMapping/>
+  </p:clrMapOvr>
+</p:sld>
+</file>
+
+<file path=ppt/slides/slide20.xml><?xml version="1.0" encoding="utf-8"?>
 <p:sld xmlns:a="http://schemas.openxmlformats.org/drawingml/2006/main" xmlns:r="http://schemas.openxmlformats.org/officeDocument/2006/relationships" xmlns:p="http://schemas.openxmlformats.org/presentationml/2006/main">
   <p:cSld>
     <p:spTree>
@@ -4123,141 +4382,6 @@
 </p:sld>
 </file>
 
-<file path=ppt/slides/slide2.xml><?xml version="1.0" encoding="utf-8"?>
-<p:sld xmlns:a="http://schemas.openxmlformats.org/drawingml/2006/main" xmlns:r="http://schemas.openxmlformats.org/officeDocument/2006/relationships" xmlns:p="http://schemas.openxmlformats.org/presentationml/2006/main">
-  <p:cSld>
-    <p:spTree>
-      <p:nvGrpSpPr>
-        <p:cNvPr id="1" name=""/>
-        <p:cNvGrpSpPr/>
-        <p:nvPr/>
-      </p:nvGrpSpPr>
-      <p:grpSpPr>
-        <a:xfrm>
-          <a:off x="0" y="0"/>
-          <a:ext cx="0" cy="0"/>
-          <a:chOff x="0" y="0"/>
-          <a:chExt cx="0" cy="0"/>
-        </a:xfrm>
-      </p:grpSpPr>
-      <p:sp>
-        <p:nvSpPr>
-          <p:cNvPr id="5" name="Title 4"/>
-          <p:cNvSpPr>
-            <a:spLocks noGrp="1"/>
-          </p:cNvSpPr>
-          <p:nvPr>
-            <p:ph type="title"/>
-          </p:nvPr>
-        </p:nvSpPr>
-        <p:spPr/>
-        <p:txBody>
-          <a:bodyPr/>
-          <a:lstStyle/>
-          <a:p>
-            <a:r>
-              <a:rPr lang="fr-FR" b="1" u="sng" dirty="0"/>
-              <a:t>Technologies utilisées</a:t>
-            </a:r>
-          </a:p>
-        </p:txBody>
-      </p:sp>
-      <p:sp>
-        <p:nvSpPr>
-          <p:cNvPr id="6" name="Content Placeholder 5"/>
-          <p:cNvSpPr>
-            <a:spLocks noGrp="1"/>
-          </p:cNvSpPr>
-          <p:nvPr>
-            <p:ph idx="1"/>
-          </p:nvPr>
-        </p:nvSpPr>
-        <p:spPr/>
-        <p:txBody>
-          <a:bodyPr>
-            <a:noAutofit/>
-          </a:bodyPr>
-          <a:lstStyle/>
-          <a:p>
-            <a:r>
-              <a:rPr lang="fr-FR" sz="3200" dirty="0"/>
-              <a:t>Pour le MCD graphique: MOCODO</a:t>
-            </a:r>
-          </a:p>
-          <a:p>
-            <a:r>
-              <a:rPr lang="fr-FR" sz="3200" dirty="0"/>
-              <a:t>Pour la maquette du site: </a:t>
-            </a:r>
-            <a:r>
-              <a:rPr lang="fr-FR" sz="3200" dirty="0" err="1"/>
-              <a:t>Balsamiq</a:t>
-            </a:r>
-            <a:endParaRPr lang="fr-FR" sz="3200" dirty="0"/>
-          </a:p>
-          <a:p>
-            <a:r>
-              <a:rPr lang="fr-FR" sz="3200" dirty="0"/>
-              <a:t>Pour la base de donnée: MySQL</a:t>
-            </a:r>
-          </a:p>
-          <a:p>
-            <a:r>
-              <a:rPr lang="fr-FR" sz="3200" dirty="0"/>
-              <a:t>Pour le Back-end: PHP</a:t>
-            </a:r>
-          </a:p>
-          <a:p>
-            <a:r>
-              <a:rPr lang="fr-FR" sz="3200" dirty="0"/>
-              <a:t>Pour le Front-End: HTML5, CSS3, JavaScript, SCSS, </a:t>
-            </a:r>
-            <a:r>
-              <a:rPr lang="fr-FR" sz="3200" dirty="0" err="1"/>
-              <a:t>Bootstrap</a:t>
-            </a:r>
-            <a:endParaRPr lang="fr-FR" sz="3200" dirty="0"/>
-          </a:p>
-          <a:p>
-            <a:r>
-              <a:rPr lang="fr-FR" sz="3200" dirty="0"/>
-              <a:t>Logiciel de présentation: Microsoft POWERPOINT</a:t>
-            </a:r>
-          </a:p>
-          <a:p>
-            <a:r>
-              <a:rPr lang="fr-FR" sz="3200" dirty="0"/>
-              <a:t>Outils de collaborations: </a:t>
-            </a:r>
-            <a:r>
-              <a:rPr lang="fr-FR" sz="3200" dirty="0" err="1"/>
-              <a:t>Github</a:t>
-            </a:r>
-            <a:r>
-              <a:rPr lang="fr-FR" sz="3200" dirty="0"/>
-              <a:t>, </a:t>
-            </a:r>
-            <a:r>
-              <a:rPr lang="fr-FR" sz="3200" dirty="0" err="1"/>
-              <a:t>Trello</a:t>
-            </a:r>
-            <a:endParaRPr lang="fr-FR" sz="3200" dirty="0"/>
-          </a:p>
-        </p:txBody>
-      </p:sp>
-    </p:spTree>
-    <p:extLst>
-      <p:ext uri="{BB962C8B-B14F-4D97-AF65-F5344CB8AC3E}">
-        <p14:creationId xmlns:p14="http://schemas.microsoft.com/office/powerpoint/2010/main" val="2994174124"/>
-      </p:ext>
-    </p:extLst>
-  </p:cSld>
-  <p:clrMapOvr>
-    <a:masterClrMapping/>
-  </p:clrMapOvr>
-</p:sld>
-</file>
-
 <file path=ppt/slides/slide3.xml><?xml version="1.0" encoding="utf-8"?>
 <p:sld xmlns:a="http://schemas.openxmlformats.org/drawingml/2006/main" xmlns:r="http://schemas.openxmlformats.org/officeDocument/2006/relationships" xmlns:p="http://schemas.openxmlformats.org/presentationml/2006/main">
   <p:cSld>
@@ -4277,7 +4401,7 @@
       </p:grpSpPr>
       <p:sp>
         <p:nvSpPr>
-          <p:cNvPr id="2" name="Title 1"/>
+          <p:cNvPr id="5" name="Title 4"/>
           <p:cNvSpPr>
             <a:spLocks noGrp="1"/>
           </p:cNvSpPr>
@@ -4292,14 +4416,14 @@
           <a:p>
             <a:r>
               <a:rPr lang="fr-FR" b="1" u="sng" dirty="0"/>
-              <a:t>Tâches pré-production</a:t>
-            </a:r>
-          </a:p>
-        </p:txBody>
-      </p:sp>
-      <p:sp>
-        <p:nvSpPr>
-          <p:cNvPr id="3" name="Content Placeholder 2"/>
+              <a:t>Technologies utilisées</a:t>
+            </a:r>
+          </a:p>
+        </p:txBody>
+      </p:sp>
+      <p:sp>
+        <p:nvSpPr>
+          <p:cNvPr id="6" name="Content Placeholder 5"/>
           <p:cNvSpPr>
             <a:spLocks noGrp="1"/>
           </p:cNvSpPr>
@@ -4309,61 +4433,81 @@
         </p:nvSpPr>
         <p:spPr/>
         <p:txBody>
-          <a:bodyPr/>
-          <a:lstStyle/>
-          <a:p>
-            <a:r>
-              <a:rPr lang="fr-FR" dirty="0"/>
-              <a:t>Création d'une documentation comprenant la liste des taches, les technologies à utiliser, les maquettes et le MCD</a:t>
-            </a:r>
-          </a:p>
-          <a:p>
-            <a:r>
-              <a:rPr lang="fr-FR" dirty="0"/>
-              <a:t>Mise en place du projet sur </a:t>
-            </a:r>
-            <a:r>
-              <a:rPr lang="fr-FR" dirty="0" err="1"/>
+          <a:bodyPr>
+            <a:noAutofit/>
+          </a:bodyPr>
+          <a:lstStyle/>
+          <a:p>
+            <a:r>
+              <a:rPr lang="fr-FR" sz="3200" dirty="0"/>
+              <a:t>Pour le MCD graphique: MOCODO</a:t>
+            </a:r>
+          </a:p>
+          <a:p>
+            <a:r>
+              <a:rPr lang="fr-FR" sz="3200" dirty="0"/>
+              <a:t>Pour la maquette du site: </a:t>
+            </a:r>
+            <a:r>
+              <a:rPr lang="fr-FR" sz="3200" dirty="0" err="1"/>
+              <a:t>Balsamiq</a:t>
+            </a:r>
+            <a:endParaRPr lang="fr-FR" sz="3200" dirty="0"/>
+          </a:p>
+          <a:p>
+            <a:r>
+              <a:rPr lang="fr-FR" sz="3200" dirty="0"/>
+              <a:t>Pour la base de donnée: MySQL</a:t>
+            </a:r>
+          </a:p>
+          <a:p>
+            <a:r>
+              <a:rPr lang="fr-FR" sz="3200" dirty="0"/>
+              <a:t>Pour le Back-end: PHP</a:t>
+            </a:r>
+          </a:p>
+          <a:p>
+            <a:r>
+              <a:rPr lang="fr-FR" sz="3200" dirty="0"/>
+              <a:t>Pour le Front-End: HTML5, CSS3, JavaScript, SCSS, </a:t>
+            </a:r>
+            <a:r>
+              <a:rPr lang="fr-FR" sz="3200" dirty="0" err="1"/>
+              <a:t>Bootstrap</a:t>
+            </a:r>
+            <a:endParaRPr lang="fr-FR" sz="3200" dirty="0"/>
+          </a:p>
+          <a:p>
+            <a:r>
+              <a:rPr lang="fr-FR" sz="3200" dirty="0"/>
+              <a:t>Logiciel de présentation: Microsoft POWERPOINT</a:t>
+            </a:r>
+          </a:p>
+          <a:p>
+            <a:r>
+              <a:rPr lang="fr-FR" sz="3200" dirty="0"/>
+              <a:t>Outils de collaborations: </a:t>
+            </a:r>
+            <a:r>
+              <a:rPr lang="fr-FR" sz="3200" dirty="0" err="1"/>
               <a:t>Github</a:t>
             </a:r>
             <a:r>
-              <a:rPr lang="fr-FR" dirty="0"/>
-              <a:t> et attributions des accès aux différents collaborateurs</a:t>
-            </a:r>
-          </a:p>
-          <a:p>
-            <a:r>
-              <a:rPr lang="fr-FR" dirty="0"/>
-              <a:t>Création du Modèle Conceptuel des Données</a:t>
-            </a:r>
-          </a:p>
-          <a:p>
-            <a:r>
-              <a:rPr lang="fr-FR" dirty="0"/>
-              <a:t>Création de la hiérarchisation du plan du site</a:t>
-            </a:r>
-          </a:p>
-          <a:p>
-            <a:r>
-              <a:rPr lang="fr-FR" dirty="0"/>
-              <a:t>Création des maquettes de représentation des pages du site</a:t>
-            </a:r>
-          </a:p>
-          <a:p>
-            <a:r>
-              <a:rPr lang="fr-FR" dirty="0"/>
-              <a:t>Création de la base de données </a:t>
-            </a:r>
-          </a:p>
-          <a:p>
-            <a:endParaRPr lang="fr-FR" dirty="0"/>
+              <a:rPr lang="fr-FR" sz="3200" dirty="0"/>
+              <a:t>, </a:t>
+            </a:r>
+            <a:r>
+              <a:rPr lang="fr-FR" sz="3200" dirty="0" err="1"/>
+              <a:t>Trello</a:t>
+            </a:r>
+            <a:endParaRPr lang="fr-FR" sz="3200" dirty="0"/>
           </a:p>
         </p:txBody>
       </p:sp>
     </p:spTree>
     <p:extLst>
       <p:ext uri="{BB962C8B-B14F-4D97-AF65-F5344CB8AC3E}">
-        <p14:creationId xmlns:p14="http://schemas.microsoft.com/office/powerpoint/2010/main" val="4275414333"/>
+        <p14:creationId xmlns:p14="http://schemas.microsoft.com/office/powerpoint/2010/main" val="2994174124"/>
       </p:ext>
     </p:extLst>
   </p:cSld>
@@ -4407,9 +4551,8 @@
           <a:p>
             <a:r>
               <a:rPr lang="fr-FR" b="1" u="sng" dirty="0"/>
-              <a:t>Fonctions primaire de l'application</a:t>
-            </a:r>
-            <a:endParaRPr lang="fr-FR" u="sng" dirty="0"/>
+              <a:t>Tâches pré-production</a:t>
+            </a:r>
           </a:p>
         </p:txBody>
       </p:sp>
@@ -4423,79 +4566,63 @@
             <p:ph idx="1"/>
           </p:nvPr>
         </p:nvSpPr>
-        <p:spPr>
-          <a:xfrm>
-            <a:off x="838200" y="1371600"/>
-            <a:ext cx="10515600" cy="4805363"/>
-          </a:xfrm>
-        </p:spPr>
-        <p:txBody>
-          <a:bodyPr>
-            <a:normAutofit lnSpcReduction="10000"/>
-          </a:bodyPr>
-          <a:lstStyle/>
-          <a:p>
-            <a:endParaRPr lang="fr-FR" sz="2400" dirty="0"/>
-          </a:p>
-          <a:p>
-            <a:r>
-              <a:rPr lang="fr-FR" sz="2400" dirty="0"/>
-              <a:t>Création des pages constituant le site, suivant les maquettes (</a:t>
-            </a:r>
-            <a:r>
-              <a:rPr lang="fr-FR" sz="2400" dirty="0" err="1"/>
-              <a:t>cf</a:t>
-            </a:r>
-            <a:r>
-              <a:rPr lang="fr-FR" sz="2400" dirty="0"/>
-              <a:t> Maquettes) et en respectant l'architecture logicielle Modèle vue contrôleur (MVC)</a:t>
-            </a:r>
-          </a:p>
-          <a:p>
-            <a:r>
-              <a:rPr lang="fr-FR" sz="2400" dirty="0"/>
-              <a:t>Elaboration du système d’inscription, connexion,</a:t>
-            </a:r>
-          </a:p>
-          <a:p>
-            <a:r>
-              <a:rPr lang="fr-FR" sz="2400" dirty="0"/>
-              <a:t>Mise en place des fonctionnalités de la page admin. Affichage et approbation des demandes d’inscriptions.</a:t>
-            </a:r>
-          </a:p>
-          <a:p>
-            <a:r>
-              <a:rPr lang="fr-FR" sz="2400" dirty="0"/>
-              <a:t>Elaboration du système de réservation aléatoire sur la page utilisateur.</a:t>
-            </a:r>
-          </a:p>
-          <a:p>
-            <a:r>
-              <a:rPr lang="fr-FR" sz="2400" dirty="0"/>
-              <a:t>Mise en place du système de mise en attente. Et de l’affichage du rang dans la file sur la page utilisateur</a:t>
-            </a:r>
-          </a:p>
-          <a:p>
-            <a:r>
-              <a:rPr lang="fr-FR" sz="2400" dirty="0"/>
-              <a:t>Sur la page admin, affichage de la liste d’attente puis de la liste de l’historique des réservations.</a:t>
-            </a:r>
-          </a:p>
-          <a:p>
-            <a:r>
-              <a:rPr lang="fr-FR" sz="2400" dirty="0"/>
-              <a:t>Sécurité sur le mot de passe en hachage en SHA-256.</a:t>
-            </a:r>
-          </a:p>
-          <a:p>
-            <a:endParaRPr lang="fr-FR" sz="2400" dirty="0"/>
+        <p:spPr/>
+        <p:txBody>
+          <a:bodyPr/>
+          <a:lstStyle/>
+          <a:p>
+            <a:r>
+              <a:rPr lang="fr-FR" dirty="0"/>
+              <a:t>Création d'une documentation comprenant la liste des taches, les technologies à utiliser, les maquettes et le MCD</a:t>
+            </a:r>
+          </a:p>
+          <a:p>
+            <a:r>
+              <a:rPr lang="fr-FR" dirty="0"/>
+              <a:t>Mise en place du projet sur </a:t>
+            </a:r>
+            <a:r>
+              <a:rPr lang="fr-FR" dirty="0" err="1"/>
+              <a:t>Github</a:t>
+            </a:r>
+            <a:r>
+              <a:rPr lang="fr-FR" dirty="0"/>
+              <a:t> et attributions des accès aux différents collaborateurs</a:t>
+            </a:r>
+          </a:p>
+          <a:p>
+            <a:r>
+              <a:rPr lang="fr-FR" dirty="0"/>
+              <a:t>Création du Modèle Conceptuel des Données</a:t>
+            </a:r>
+          </a:p>
+          <a:p>
+            <a:r>
+              <a:rPr lang="fr-FR" dirty="0"/>
+              <a:t>Création de la hiérarchisation du plan du site</a:t>
+            </a:r>
+          </a:p>
+          <a:p>
+            <a:r>
+              <a:rPr lang="fr-FR" dirty="0"/>
+              <a:t>Création des maquettes de représentation des pages du site</a:t>
+            </a:r>
+          </a:p>
+          <a:p>
+            <a:r>
+              <a:rPr lang="fr-FR" dirty="0"/>
+              <a:t>Création de la base de données </a:t>
+            </a:r>
+          </a:p>
+          <a:p>
+            <a:endParaRPr lang="fr-FR" dirty="0"/>
           </a:p>
         </p:txBody>
       </p:sp>
     </p:spTree>
     <p:extLst>
       <p:ext uri="{BB962C8B-B14F-4D97-AF65-F5344CB8AC3E}">
-        <p14:creationId xmlns:p14="http://schemas.microsoft.com/office/powerpoint/2010/main" val="3233770208"/>
+        <p14:creationId xmlns:p14="http://schemas.microsoft.com/office/powerpoint/2010/main" val="4275414333"/>
       </p:ext>
     </p:extLst>
   </p:cSld>
@@ -4539,6 +4666,218 @@
           <a:p>
             <a:r>
               <a:rPr lang="fr-FR" b="1" u="sng" dirty="0"/>
+              <a:t>Fonctions primaire de l'application</a:t>
+            </a:r>
+            <a:endParaRPr lang="fr-FR" u="sng" dirty="0"/>
+          </a:p>
+        </p:txBody>
+      </p:sp>
+      <p:sp>
+        <p:nvSpPr>
+          <p:cNvPr id="3" name="Content Placeholder 2"/>
+          <p:cNvSpPr>
+            <a:spLocks noGrp="1"/>
+          </p:cNvSpPr>
+          <p:nvPr>
+            <p:ph idx="1"/>
+          </p:nvPr>
+        </p:nvSpPr>
+        <p:spPr>
+          <a:xfrm>
+            <a:off x="838200" y="1371600"/>
+            <a:ext cx="10515600" cy="4805363"/>
+          </a:xfrm>
+        </p:spPr>
+        <p:txBody>
+          <a:bodyPr>
+            <a:normAutofit lnSpcReduction="10000"/>
+          </a:bodyPr>
+          <a:lstStyle/>
+          <a:p>
+            <a:endParaRPr lang="fr-FR" sz="2400" dirty="0"/>
+          </a:p>
+          <a:p>
+            <a:r>
+              <a:rPr lang="fr-FR" sz="2400" dirty="0"/>
+              <a:t>Création des pages constituant le site, suivant les maquettes (</a:t>
+            </a:r>
+            <a:r>
+              <a:rPr lang="fr-FR" sz="2400" dirty="0" err="1"/>
+              <a:t>cf</a:t>
+            </a:r>
+            <a:r>
+              <a:rPr lang="fr-FR" sz="2400" dirty="0"/>
+              <a:t> Maquettes) et en respectant l'architecture logicielle Modèle vue contrôleur (MVC)</a:t>
+            </a:r>
+          </a:p>
+          <a:p>
+            <a:r>
+              <a:rPr lang="fr-FR" sz="2400" dirty="0"/>
+              <a:t>Elaboration du système d’inscription, connexion,</a:t>
+            </a:r>
+          </a:p>
+          <a:p>
+            <a:r>
+              <a:rPr lang="fr-FR" sz="2400" dirty="0"/>
+              <a:t>Mise en place des fonctionnalités de la page admin. Affichage et approbation des demandes d’inscriptions.</a:t>
+            </a:r>
+          </a:p>
+          <a:p>
+            <a:r>
+              <a:rPr lang="fr-FR" sz="2400" dirty="0"/>
+              <a:t>Elaboration du système de réservation aléatoire sur la page utilisateur.</a:t>
+            </a:r>
+          </a:p>
+          <a:p>
+            <a:r>
+              <a:rPr lang="fr-FR" sz="2400" dirty="0"/>
+              <a:t>Mise en place du système de mise en attente. Et de l’affichage du rang dans la file sur la page utilisateur</a:t>
+            </a:r>
+          </a:p>
+          <a:p>
+            <a:r>
+              <a:rPr lang="fr-FR" sz="2400" dirty="0"/>
+              <a:t>Sur la page admin, affichage de la liste d’attente puis de la liste de l’historique des réservations.</a:t>
+            </a:r>
+          </a:p>
+          <a:p>
+            <a:r>
+              <a:rPr lang="fr-FR" sz="2400" dirty="0"/>
+              <a:t>Sécurité sur le mot de passe en hachage en SHA-256.</a:t>
+            </a:r>
+          </a:p>
+          <a:p>
+            <a:endParaRPr lang="fr-FR" sz="2400" dirty="0"/>
+          </a:p>
+        </p:txBody>
+      </p:sp>
+    </p:spTree>
+    <p:extLst>
+      <p:ext uri="{BB962C8B-B14F-4D97-AF65-F5344CB8AC3E}">
+        <p14:creationId xmlns:p14="http://schemas.microsoft.com/office/powerpoint/2010/main" val="3233770208"/>
+      </p:ext>
+    </p:extLst>
+  </p:cSld>
+  <p:clrMapOvr>
+    <a:masterClrMapping/>
+  </p:clrMapOvr>
+</p:sld>
+</file>
+
+<file path=ppt/slides/slide6.xml><?xml version="1.0" encoding="utf-8"?>
+<p:sld xmlns:a="http://schemas.openxmlformats.org/drawingml/2006/main" xmlns:r="http://schemas.openxmlformats.org/officeDocument/2006/relationships" xmlns:p="http://schemas.openxmlformats.org/presentationml/2006/main">
+  <p:cSld>
+    <p:spTree>
+      <p:nvGrpSpPr>
+        <p:cNvPr id="1" name=""/>
+        <p:cNvGrpSpPr/>
+        <p:nvPr/>
+      </p:nvGrpSpPr>
+      <p:grpSpPr>
+        <a:xfrm>
+          <a:off x="0" y="0"/>
+          <a:ext cx="0" cy="0"/>
+          <a:chOff x="0" y="0"/>
+          <a:chExt cx="0" cy="0"/>
+        </a:xfrm>
+      </p:grpSpPr>
+      <p:sp>
+        <p:nvSpPr>
+          <p:cNvPr id="2" name="Titre 1">
+            <a:extLst>
+              <a:ext uri="{FF2B5EF4-FFF2-40B4-BE49-F238E27FC236}">
+                <a16:creationId xmlns:a16="http://schemas.microsoft.com/office/drawing/2014/main" id="{2AFC92F3-5539-7945-BE0A-9D25CC3256BA}"/>
+              </a:ext>
+            </a:extLst>
+          </p:cNvPr>
+          <p:cNvSpPr>
+            <a:spLocks noGrp="1"/>
+          </p:cNvSpPr>
+          <p:nvPr>
+            <p:ph type="title"/>
+          </p:nvPr>
+        </p:nvSpPr>
+        <p:spPr/>
+        <p:txBody>
+          <a:bodyPr/>
+          <a:lstStyle/>
+          <a:p>
+            <a:endParaRPr lang="fr-FR"/>
+          </a:p>
+        </p:txBody>
+      </p:sp>
+      <p:sp>
+        <p:nvSpPr>
+          <p:cNvPr id="3" name="Espace réservé du contenu 2">
+            <a:extLst>
+              <a:ext uri="{FF2B5EF4-FFF2-40B4-BE49-F238E27FC236}">
+                <a16:creationId xmlns:a16="http://schemas.microsoft.com/office/drawing/2014/main" id="{BA5DE408-0BB2-E543-B6BA-C1BE71E46D9D}"/>
+              </a:ext>
+            </a:extLst>
+          </p:cNvPr>
+          <p:cNvSpPr>
+            <a:spLocks noGrp="1"/>
+          </p:cNvSpPr>
+          <p:nvPr>
+            <p:ph idx="1"/>
+          </p:nvPr>
+        </p:nvSpPr>
+        <p:spPr/>
+        <p:txBody>
+          <a:bodyPr/>
+          <a:lstStyle/>
+          <a:p>
+            <a:endParaRPr lang="fr-FR"/>
+          </a:p>
+        </p:txBody>
+      </p:sp>
+    </p:spTree>
+    <p:extLst>
+      <p:ext uri="{BB962C8B-B14F-4D97-AF65-F5344CB8AC3E}">
+        <p14:creationId xmlns:p14="http://schemas.microsoft.com/office/powerpoint/2010/main" val="2531953338"/>
+      </p:ext>
+    </p:extLst>
+  </p:cSld>
+  <p:clrMapOvr>
+    <a:masterClrMapping/>
+  </p:clrMapOvr>
+</p:sld>
+</file>
+
+<file path=ppt/slides/slide7.xml><?xml version="1.0" encoding="utf-8"?>
+<p:sld xmlns:a="http://schemas.openxmlformats.org/drawingml/2006/main" xmlns:r="http://schemas.openxmlformats.org/officeDocument/2006/relationships" xmlns:p="http://schemas.openxmlformats.org/presentationml/2006/main">
+  <p:cSld>
+    <p:spTree>
+      <p:nvGrpSpPr>
+        <p:cNvPr id="1" name=""/>
+        <p:cNvGrpSpPr/>
+        <p:nvPr/>
+      </p:nvGrpSpPr>
+      <p:grpSpPr>
+        <a:xfrm>
+          <a:off x="0" y="0"/>
+          <a:ext cx="0" cy="0"/>
+          <a:chOff x="0" y="0"/>
+          <a:chExt cx="0" cy="0"/>
+        </a:xfrm>
+      </p:grpSpPr>
+      <p:sp>
+        <p:nvSpPr>
+          <p:cNvPr id="2" name="Title 1"/>
+          <p:cNvSpPr>
+            <a:spLocks noGrp="1"/>
+          </p:cNvSpPr>
+          <p:nvPr>
+            <p:ph type="title"/>
+          </p:nvPr>
+        </p:nvSpPr>
+        <p:spPr/>
+        <p:txBody>
+          <a:bodyPr/>
+          <a:lstStyle/>
+          <a:p>
+            <a:r>
+              <a:rPr lang="fr-FR" b="1" u="sng" dirty="0"/>
               <a:t>Fonctions secondaires de l'application</a:t>
             </a:r>
             <a:br>
@@ -4622,7 +4961,7 @@
 </p:sld>
 </file>
 
-<file path=ppt/slides/slide6.xml><?xml version="1.0" encoding="utf-8"?>
+<file path=ppt/slides/slide8.xml><?xml version="1.0" encoding="utf-8"?>
 <p:sld xmlns:a="http://schemas.openxmlformats.org/drawingml/2006/main" xmlns:r="http://schemas.openxmlformats.org/officeDocument/2006/relationships" xmlns:p="http://schemas.openxmlformats.org/presentationml/2006/main">
   <p:cSld>
     <p:spTree>
@@ -4704,7 +5043,7 @@
 </p:sld>
 </file>
 
-<file path=ppt/slides/slide7.xml><?xml version="1.0" encoding="utf-8"?>
+<file path=ppt/slides/slide9.xml><?xml version="1.0" encoding="utf-8"?>
 <p:sld xmlns:a="http://schemas.openxmlformats.org/drawingml/2006/main" xmlns:r="http://schemas.openxmlformats.org/officeDocument/2006/relationships" xmlns:p="http://schemas.openxmlformats.org/presentationml/2006/main">
   <p:cSld>
     <p:spTree>
@@ -4773,208 +5112,6 @@
     <p:extLst>
       <p:ext uri="{BB962C8B-B14F-4D97-AF65-F5344CB8AC3E}">
         <p14:creationId xmlns:p14="http://schemas.microsoft.com/office/powerpoint/2010/main" val="585626215"/>
-      </p:ext>
-    </p:extLst>
-  </p:cSld>
-  <p:clrMapOvr>
-    <a:masterClrMapping/>
-  </p:clrMapOvr>
-</p:sld>
-</file>
-
-<file path=ppt/slides/slide8.xml><?xml version="1.0" encoding="utf-8"?>
-<p:sld xmlns:a="http://schemas.openxmlformats.org/drawingml/2006/main" xmlns:r="http://schemas.openxmlformats.org/officeDocument/2006/relationships" xmlns:p="http://schemas.openxmlformats.org/presentationml/2006/main">
-  <p:cSld>
-    <p:spTree>
-      <p:nvGrpSpPr>
-        <p:cNvPr id="1" name=""/>
-        <p:cNvGrpSpPr/>
-        <p:nvPr/>
-      </p:nvGrpSpPr>
-      <p:grpSpPr>
-        <a:xfrm>
-          <a:off x="0" y="0"/>
-          <a:ext cx="0" cy="0"/>
-          <a:chOff x="0" y="0"/>
-          <a:chExt cx="0" cy="0"/>
-        </a:xfrm>
-      </p:grpSpPr>
-      <p:sp>
-        <p:nvSpPr>
-          <p:cNvPr id="2" name="Title 1"/>
-          <p:cNvSpPr>
-            <a:spLocks noGrp="1"/>
-          </p:cNvSpPr>
-          <p:nvPr>
-            <p:ph type="title"/>
-          </p:nvPr>
-        </p:nvSpPr>
-        <p:spPr>
-          <a:xfrm>
-            <a:off x="838200" y="1"/>
-            <a:ext cx="10515600" cy="1690688"/>
-          </a:xfrm>
-        </p:spPr>
-        <p:txBody>
-          <a:bodyPr/>
-          <a:lstStyle/>
-          <a:p>
-            <a:pPr algn="ctr"/>
-            <a:r>
-              <a:rPr lang="fr-FR" b="1" u="sng" dirty="0"/>
-              <a:t>Maquettes</a:t>
-            </a:r>
-            <a:br>
-              <a:rPr lang="fr-FR" b="1" u="sng" dirty="0"/>
-            </a:br>
-            <a:r>
-              <a:rPr lang="fr-FR" b="1" u="sng" dirty="0"/>
-              <a:t>Page d’accueil</a:t>
-            </a:r>
-          </a:p>
-        </p:txBody>
-      </p:sp>
-      <p:pic>
-        <p:nvPicPr>
-          <p:cNvPr id="4" name="Image 3">
-            <a:extLst>
-              <a:ext uri="{FF2B5EF4-FFF2-40B4-BE49-F238E27FC236}">
-                <a16:creationId xmlns:a16="http://schemas.microsoft.com/office/drawing/2014/main" id="{953238A2-11F9-FD4A-A6B3-71BE6CF5CF12}"/>
-              </a:ext>
-            </a:extLst>
-          </p:cNvPr>
-          <p:cNvPicPr>
-            <a:picLocks noChangeAspect="1"/>
-          </p:cNvPicPr>
-          <p:nvPr/>
-        </p:nvPicPr>
-        <p:blipFill>
-          <a:blip r:embed="rId2">
-            <a:extLst>
-              <a:ext uri="{28A0092B-C50C-407E-A947-70E740481C1C}">
-                <a14:useLocalDpi xmlns:a14="http://schemas.microsoft.com/office/drawing/2010/main" val="0"/>
-              </a:ext>
-            </a:extLst>
-          </a:blip>
-          <a:stretch>
-            <a:fillRect/>
-          </a:stretch>
-        </p:blipFill>
-        <p:spPr>
-          <a:xfrm>
-            <a:off x="1991535" y="1690688"/>
-            <a:ext cx="8208929" cy="4784884"/>
-          </a:xfrm>
-          <a:prstGeom prst="rect">
-            <a:avLst/>
-          </a:prstGeom>
-        </p:spPr>
-      </p:pic>
-    </p:spTree>
-    <p:extLst>
-      <p:ext uri="{BB962C8B-B14F-4D97-AF65-F5344CB8AC3E}">
-        <p14:creationId xmlns:p14="http://schemas.microsoft.com/office/powerpoint/2010/main" val="3418796609"/>
-      </p:ext>
-    </p:extLst>
-  </p:cSld>
-  <p:clrMapOvr>
-    <a:masterClrMapping/>
-  </p:clrMapOvr>
-</p:sld>
-</file>
-
-<file path=ppt/slides/slide9.xml><?xml version="1.0" encoding="utf-8"?>
-<p:sld xmlns:a="http://schemas.openxmlformats.org/drawingml/2006/main" xmlns:r="http://schemas.openxmlformats.org/officeDocument/2006/relationships" xmlns:p="http://schemas.openxmlformats.org/presentationml/2006/main">
-  <p:cSld>
-    <p:spTree>
-      <p:nvGrpSpPr>
-        <p:cNvPr id="1" name=""/>
-        <p:cNvGrpSpPr/>
-        <p:nvPr/>
-      </p:nvGrpSpPr>
-      <p:grpSpPr>
-        <a:xfrm>
-          <a:off x="0" y="0"/>
-          <a:ext cx="0" cy="0"/>
-          <a:chOff x="0" y="0"/>
-          <a:chExt cx="0" cy="0"/>
-        </a:xfrm>
-      </p:grpSpPr>
-      <p:sp>
-        <p:nvSpPr>
-          <p:cNvPr id="2" name="Title 1"/>
-          <p:cNvSpPr>
-            <a:spLocks noGrp="1"/>
-          </p:cNvSpPr>
-          <p:nvPr>
-            <p:ph type="title"/>
-          </p:nvPr>
-        </p:nvSpPr>
-        <p:spPr>
-          <a:xfrm>
-            <a:off x="838200" y="1"/>
-            <a:ext cx="10515600" cy="1690688"/>
-          </a:xfrm>
-        </p:spPr>
-        <p:txBody>
-          <a:bodyPr/>
-          <a:lstStyle/>
-          <a:p>
-            <a:pPr algn="ctr"/>
-            <a:r>
-              <a:rPr lang="fr-FR" b="1" u="sng" dirty="0"/>
-              <a:t>Maquettes</a:t>
-            </a:r>
-            <a:br>
-              <a:rPr lang="fr-FR" b="1" u="sng" dirty="0"/>
-            </a:br>
-            <a:r>
-              <a:rPr lang="fr-FR" b="1" u="sng" dirty="0"/>
-              <a:t>Page d’inscription</a:t>
-            </a:r>
-          </a:p>
-        </p:txBody>
-      </p:sp>
-      <p:pic>
-        <p:nvPicPr>
-          <p:cNvPr id="5" name="Image 4">
-            <a:extLst>
-              <a:ext uri="{FF2B5EF4-FFF2-40B4-BE49-F238E27FC236}">
-                <a16:creationId xmlns:a16="http://schemas.microsoft.com/office/drawing/2014/main" id="{1E1591EA-5BCE-A645-B194-8DA12B2625EB}"/>
-              </a:ext>
-            </a:extLst>
-          </p:cNvPr>
-          <p:cNvPicPr>
-            <a:picLocks noChangeAspect="1"/>
-          </p:cNvPicPr>
-          <p:nvPr/>
-        </p:nvPicPr>
-        <p:blipFill>
-          <a:blip r:embed="rId2">
-            <a:extLst>
-              <a:ext uri="{28A0092B-C50C-407E-A947-70E740481C1C}">
-                <a14:useLocalDpi xmlns:a14="http://schemas.microsoft.com/office/drawing/2010/main" val="0"/>
-              </a:ext>
-            </a:extLst>
-          </a:blip>
-          <a:stretch>
-            <a:fillRect/>
-          </a:stretch>
-        </p:blipFill>
-        <p:spPr>
-          <a:xfrm>
-            <a:off x="1995285" y="1680961"/>
-            <a:ext cx="8201430" cy="4765894"/>
-          </a:xfrm>
-          <a:prstGeom prst="rect">
-            <a:avLst/>
-          </a:prstGeom>
-        </p:spPr>
-      </p:pic>
-    </p:spTree>
-    <p:extLst>
-      <p:ext uri="{BB962C8B-B14F-4D97-AF65-F5344CB8AC3E}">
-        <p14:creationId xmlns:p14="http://schemas.microsoft.com/office/powerpoint/2010/main" val="1942236137"/>
       </p:ext>
     </p:extLst>
   </p:cSld>
